--- a/Documentação/Status report/Status report.pptx
+++ b/Documentação/Status report/Status report.pptx
@@ -128,8 +128,8 @@
           <p14:sldIdLst>
             <p14:sldId id="344"/>
             <p14:sldId id="471"/>
+            <p14:sldId id="472"/>
             <p14:sldId id="473"/>
-            <p14:sldId id="472"/>
           </p14:sldIdLst>
         </p14:section>
       </p14:sectionLst>
@@ -26399,7 +26399,7 @@
                 <a:latin typeface="Calibri" panose="020F0502020204030204" pitchFamily="34" charset="0"/>
                 <a:cs typeface="Simplon BP Regular"/>
               </a:rPr>
-              <a:t>jornada do usuario</a:t>
+              <a:t>jornada do usuario terminada</a:t>
             </a:r>
             <a:endParaRPr lang="pt-PT" altLang="pt-BR" sz="1325" b="1" dirty="0">
               <a:solidFill>
@@ -26480,8 +26480,79 @@
                 <a:latin typeface="Calibri" panose="020F0502020204030204" pitchFamily="34" charset="0"/>
                 <a:cs typeface="Simplon BP Regular"/>
               </a:rPr>
-              <a:t>Inicio do DER  </a:t>
+              <a:t>DER finalizado </a:t>
             </a:r>
+            <a:endParaRPr lang="pt-PT" altLang="pt-BR" sz="1325" b="1" dirty="0">
+              <a:solidFill>
+                <a:schemeClr val="tx1"/>
+              </a:solidFill>
+              <a:latin typeface="Calibri" panose="020F0502020204030204" pitchFamily="34" charset="0"/>
+              <a:cs typeface="Simplon BP Regular"/>
+            </a:endParaRPr>
+          </a:p>
+          <a:p>
+            <a:pPr marL="252095" indent="-252095" fontAlgn="base">
+              <a:spcBef>
+                <a:spcPct val="0"/>
+              </a:spcBef>
+              <a:buFont typeface="Wingdings" panose="05000000000000000000" pitchFamily="2" charset="2"/>
+              <a:buChar char="ü"/>
+              <a:defRPr/>
+            </a:pPr>
+            <a:r>
+              <a:rPr lang="pt-PT" altLang="pt-BR" sz="1325" b="1" dirty="0">
+                <a:solidFill>
+                  <a:schemeClr val="tx1"/>
+                </a:solidFill>
+                <a:latin typeface="Calibri" panose="020F0502020204030204" pitchFamily="34" charset="0"/>
+                <a:cs typeface="Simplon BP Regular"/>
+              </a:rPr>
+              <a:t>Caso de uso finalizado</a:t>
+            </a:r>
+            <a:endParaRPr lang="pt-PT" altLang="pt-BR" sz="1325" b="1" dirty="0">
+              <a:solidFill>
+                <a:schemeClr val="tx1"/>
+              </a:solidFill>
+              <a:latin typeface="Calibri" panose="020F0502020204030204" pitchFamily="34" charset="0"/>
+              <a:cs typeface="Simplon BP Regular"/>
+            </a:endParaRPr>
+          </a:p>
+          <a:p>
+            <a:pPr marL="252095" indent="-252095" fontAlgn="base">
+              <a:spcBef>
+                <a:spcPct val="0"/>
+              </a:spcBef>
+              <a:buFont typeface="Wingdings" panose="05000000000000000000" pitchFamily="2" charset="2"/>
+              <a:buChar char="ü"/>
+              <a:defRPr/>
+            </a:pPr>
+            <a:r>
+              <a:rPr lang="pt-PT" altLang="pt-BR" sz="1325" b="1" dirty="0">
+                <a:solidFill>
+                  <a:schemeClr val="tx1"/>
+                </a:solidFill>
+                <a:latin typeface="Calibri" panose="020F0502020204030204" pitchFamily="34" charset="0"/>
+                <a:cs typeface="Simplon BP Regular"/>
+              </a:rPr>
+              <a:t>Inicio do prótotipo de telas</a:t>
+            </a:r>
+            <a:endParaRPr lang="pt-PT" altLang="pt-BR" sz="1325" b="1" dirty="0">
+              <a:solidFill>
+                <a:schemeClr val="tx1"/>
+              </a:solidFill>
+              <a:latin typeface="Calibri" panose="020F0502020204030204" pitchFamily="34" charset="0"/>
+              <a:cs typeface="Simplon BP Regular"/>
+            </a:endParaRPr>
+          </a:p>
+          <a:p>
+            <a:pPr marL="252095" indent="-252095" fontAlgn="base">
+              <a:spcBef>
+                <a:spcPct val="0"/>
+              </a:spcBef>
+              <a:buFont typeface="Wingdings" panose="05000000000000000000" pitchFamily="2" charset="2"/>
+              <a:buChar char="ü"/>
+              <a:defRPr/>
+            </a:pPr>
             <a:endParaRPr lang="pt-BR" sz="1325" b="1" dirty="0">
               <a:solidFill>
                 <a:schemeClr val="tx1"/>
@@ -26628,6 +26699,29 @@
               </a:rPr>
               <a:t>Apresentação da sprint</a:t>
             </a:r>
+            <a:endParaRPr lang="pt-PT" altLang="pt-BR" sz="1600" dirty="0">
+              <a:solidFill>
+                <a:schemeClr val="tx1"/>
+              </a:solidFill>
+              <a:latin typeface="Calibri" panose="020F0502020204030204" pitchFamily="34" charset="0"/>
+              <a:cs typeface="Simplon BP Regular"/>
+            </a:endParaRPr>
+          </a:p>
+          <a:p>
+            <a:pPr marL="252095" lvl="1" indent="-252095">
+              <a:buFont typeface="Wingdings" panose="05000000000000000000" pitchFamily="2" charset="2"/>
+              <a:buChar char="§"/>
+            </a:pPr>
+            <a:r>
+              <a:rPr lang="pt-PT" altLang="pt-BR" sz="1600" dirty="0">
+                <a:solidFill>
+                  <a:schemeClr val="tx1"/>
+                </a:solidFill>
+                <a:latin typeface="Calibri" panose="020F0502020204030204" pitchFamily="34" charset="0"/>
+                <a:cs typeface="Simplon BP Regular"/>
+              </a:rPr>
+              <a:t>Terminar a aplicação</a:t>
+            </a:r>
             <a:endParaRPr lang="pt-BR" sz="1600" dirty="0">
               <a:solidFill>
                 <a:schemeClr val="tx1"/>
@@ -26641,7 +26735,53 @@
               <a:buFont typeface="Wingdings" panose="05000000000000000000" pitchFamily="2" charset="2"/>
               <a:buChar char="§"/>
             </a:pPr>
-            <a:endParaRPr lang="pt-BR" sz="1400" b="1" dirty="0">
+            <a:r>
+              <a:rPr lang="pt-PT" altLang="pt-BR" sz="1400" b="1" dirty="0">
+                <a:solidFill>
+                  <a:schemeClr val="tx1"/>
+                </a:solidFill>
+                <a:latin typeface="Calibri" panose="020F0502020204030204" pitchFamily="34" charset="0"/>
+                <a:cs typeface="Simplon BP Regular"/>
+              </a:rPr>
+              <a:t>Terminar os slides</a:t>
+            </a:r>
+            <a:endParaRPr lang="pt-PT" altLang="pt-BR" sz="1400" b="1" dirty="0">
+              <a:solidFill>
+                <a:schemeClr val="tx1"/>
+              </a:solidFill>
+              <a:latin typeface="Calibri" panose="020F0502020204030204" pitchFamily="34" charset="0"/>
+              <a:cs typeface="Simplon BP Regular"/>
+            </a:endParaRPr>
+          </a:p>
+          <a:p>
+            <a:pPr marL="252095" lvl="1" indent="-252095">
+              <a:buFont typeface="Wingdings" panose="05000000000000000000" pitchFamily="2" charset="2"/>
+              <a:buChar char="§"/>
+            </a:pPr>
+            <a:r>
+              <a:rPr lang="pt-PT" altLang="pt-BR" sz="1400" b="1" dirty="0">
+                <a:solidFill>
+                  <a:schemeClr val="tx1"/>
+                </a:solidFill>
+                <a:latin typeface="Calibri" panose="020F0502020204030204" pitchFamily="34" charset="0"/>
+                <a:cs typeface="Simplon BP Regular"/>
+              </a:rPr>
+              <a:t>Terminar o BPMN</a:t>
+            </a:r>
+            <a:endParaRPr lang="pt-PT" altLang="pt-BR" sz="1400" b="1" dirty="0">
+              <a:solidFill>
+                <a:schemeClr val="tx1"/>
+              </a:solidFill>
+              <a:latin typeface="Calibri" panose="020F0502020204030204" pitchFamily="34" charset="0"/>
+              <a:cs typeface="Simplon BP Regular"/>
+            </a:endParaRPr>
+          </a:p>
+          <a:p>
+            <a:pPr marL="252095" lvl="1" indent="-252095">
+              <a:buFont typeface="Wingdings" panose="05000000000000000000" pitchFamily="2" charset="2"/>
+              <a:buChar char="§"/>
+            </a:pPr>
+            <a:endParaRPr lang="pt-PT" altLang="pt-BR" sz="1400" b="1" dirty="0">
               <a:solidFill>
                 <a:schemeClr val="tx1"/>
               </a:solidFill>
@@ -27212,7 +27352,7 @@
             <a:avLst/>
           </a:prstGeom>
           <a:solidFill>
-            <a:srgbClr val="1BCF13"/>
+            <a:srgbClr val="00B050"/>
           </a:solidFill>
           <a:ln w="12700">
             <a:solidFill>
@@ -27746,194 +27886,6 @@
               </a:solidFill>
               <a:latin typeface="Simplon BP Bold" pitchFamily="2" charset="0"/>
             </a:endParaRPr>
-          </a:p>
-        </p:txBody>
-      </p:sp>
-      <p:sp>
-        <p:nvSpPr>
-          <p:cNvPr id="4" name="Oval 3"/>
-          <p:cNvSpPr/>
-          <p:nvPr/>
-        </p:nvSpPr>
-        <p:spPr>
-          <a:xfrm>
-            <a:off x="9221470" y="293370"/>
-            <a:ext cx="215900" cy="215900"/>
-          </a:xfrm>
-          <a:prstGeom prst="ellipse">
-            <a:avLst/>
-          </a:prstGeom>
-          <a:solidFill>
-            <a:srgbClr val="00B050"/>
-          </a:solidFill>
-          <a:ln>
-            <a:solidFill>
-              <a:srgbClr val="FFFF00"/>
-            </a:solidFill>
-          </a:ln>
-        </p:spPr>
-        <p:style>
-          <a:lnRef idx="2">
-            <a:schemeClr val="accent2">
-              <a:shade val="50000"/>
-            </a:schemeClr>
-          </a:lnRef>
-          <a:fillRef idx="1">
-            <a:schemeClr val="accent2"/>
-          </a:fillRef>
-          <a:effectRef idx="0">
-            <a:schemeClr val="accent2"/>
-          </a:effectRef>
-          <a:fontRef idx="minor">
-            <a:schemeClr val="lt1"/>
-          </a:fontRef>
-        </p:style>
-        <p:txBody>
-          <a:bodyPr rtlCol="0" anchor="ctr"/>
-          <a:p>
-            <a:pPr algn="ctr"/>
-            <a:endParaRPr lang="en-US"/>
-          </a:p>
-        </p:txBody>
-      </p:sp>
-      <p:sp>
-        <p:nvSpPr>
-          <p:cNvPr id="5" name="Oval 4"/>
-          <p:cNvSpPr/>
-          <p:nvPr/>
-        </p:nvSpPr>
-        <p:spPr>
-          <a:xfrm>
-            <a:off x="10196195" y="283845"/>
-            <a:ext cx="215900" cy="215900"/>
-          </a:xfrm>
-          <a:prstGeom prst="ellipse">
-            <a:avLst/>
-          </a:prstGeom>
-          <a:solidFill>
-            <a:srgbClr val="00B050"/>
-          </a:solidFill>
-          <a:ln>
-            <a:solidFill>
-              <a:srgbClr val="FFFF00"/>
-            </a:solidFill>
-          </a:ln>
-        </p:spPr>
-        <p:style>
-          <a:lnRef idx="2">
-            <a:schemeClr val="accent2">
-              <a:shade val="50000"/>
-            </a:schemeClr>
-          </a:lnRef>
-          <a:fillRef idx="1">
-            <a:schemeClr val="accent2"/>
-          </a:fillRef>
-          <a:effectRef idx="0">
-            <a:schemeClr val="accent2"/>
-          </a:effectRef>
-          <a:fontRef idx="minor">
-            <a:schemeClr val="lt1"/>
-          </a:fontRef>
-        </p:style>
-        <p:txBody>
-          <a:bodyPr rtlCol="0" anchor="ctr"/>
-          <a:p>
-            <a:pPr algn="ctr"/>
-            <a:endParaRPr lang="en-US"/>
-          </a:p>
-        </p:txBody>
-      </p:sp>
-      <p:sp>
-        <p:nvSpPr>
-          <p:cNvPr id="6" name="Oval 5"/>
-          <p:cNvSpPr/>
-          <p:nvPr/>
-        </p:nvSpPr>
-        <p:spPr>
-          <a:xfrm>
-            <a:off x="11189335" y="297815"/>
-            <a:ext cx="215900" cy="215900"/>
-          </a:xfrm>
-          <a:prstGeom prst="ellipse">
-            <a:avLst/>
-          </a:prstGeom>
-          <a:solidFill>
-            <a:srgbClr val="00B050"/>
-          </a:solidFill>
-          <a:ln>
-            <a:solidFill>
-              <a:srgbClr val="FFFF00"/>
-            </a:solidFill>
-          </a:ln>
-        </p:spPr>
-        <p:style>
-          <a:lnRef idx="2">
-            <a:schemeClr val="accent2">
-              <a:shade val="50000"/>
-            </a:schemeClr>
-          </a:lnRef>
-          <a:fillRef idx="1">
-            <a:schemeClr val="accent2"/>
-          </a:fillRef>
-          <a:effectRef idx="0">
-            <a:schemeClr val="accent2"/>
-          </a:effectRef>
-          <a:fontRef idx="minor">
-            <a:schemeClr val="lt1"/>
-          </a:fontRef>
-        </p:style>
-        <p:txBody>
-          <a:bodyPr rtlCol="0" anchor="ctr"/>
-          <a:p>
-            <a:pPr algn="ctr"/>
-            <a:endParaRPr lang="en-US"/>
-          </a:p>
-        </p:txBody>
-      </p:sp>
-      <p:sp>
-        <p:nvSpPr>
-          <p:cNvPr id="7" name="Oval 6"/>
-          <p:cNvSpPr/>
-          <p:nvPr/>
-        </p:nvSpPr>
-        <p:spPr>
-          <a:xfrm>
-            <a:off x="12155805" y="297815"/>
-            <a:ext cx="215900" cy="215900"/>
-          </a:xfrm>
-          <a:prstGeom prst="ellipse">
-            <a:avLst/>
-          </a:prstGeom>
-          <a:solidFill>
-            <a:srgbClr val="00B050"/>
-          </a:solidFill>
-          <a:ln>
-            <a:solidFill>
-              <a:srgbClr val="FFFF00"/>
-            </a:solidFill>
-          </a:ln>
-        </p:spPr>
-        <p:style>
-          <a:lnRef idx="2">
-            <a:schemeClr val="accent2">
-              <a:shade val="50000"/>
-            </a:schemeClr>
-          </a:lnRef>
-          <a:fillRef idx="1">
-            <a:schemeClr val="accent2"/>
-          </a:fillRef>
-          <a:effectRef idx="0">
-            <a:schemeClr val="accent2"/>
-          </a:effectRef>
-          <a:fontRef idx="minor">
-            <a:schemeClr val="lt1"/>
-          </a:fontRef>
-        </p:style>
-        <p:txBody>
-          <a:bodyPr rtlCol="0" anchor="ctr"/>
-          <a:p>
-            <a:pPr algn="ctr"/>
-            <a:endParaRPr lang="en-US"/>
           </a:p>
         </p:txBody>
       </p:sp>

--- a/Documentação/Status report/Status report.pptx
+++ b/Documentação/Status report/Status report.pptx
@@ -3,24 +3,26 @@
 <p:presentation xmlns:a="http://schemas.openxmlformats.org/drawingml/2006/main" xmlns:r="http://schemas.openxmlformats.org/officeDocument/2006/relationships" xmlns:p="http://schemas.openxmlformats.org/presentationml/2006/main">
   <p:sldMasterIdLst>
     <p:sldMasterId id="2147483648" r:id="rId1"/>
-    <p:sldMasterId id="2147483658" r:id="rId3"/>
-    <p:sldMasterId id="2147483661" r:id="rId4"/>
+    <p:sldMasterId id="2147483658" r:id="rId2"/>
+    <p:sldMasterId id="2147483661" r:id="rId3"/>
   </p:sldMasterIdLst>
   <p:notesMasterIdLst>
-    <p:notesMasterId r:id="rId7"/>
+    <p:notesMasterId r:id="rId11"/>
   </p:notesMasterIdLst>
   <p:handoutMasterIdLst>
-    <p:handoutMasterId r:id="rId11"/>
+    <p:handoutMasterId r:id="rId12"/>
   </p:handoutMasterIdLst>
   <p:sldIdLst>
-    <p:sldId id="256" r:id="rId5"/>
-    <p:sldId id="344" r:id="rId6"/>
-    <p:sldId id="471" r:id="rId8"/>
-    <p:sldId id="472" r:id="rId9"/>
-    <p:sldId id="473" r:id="rId10"/>
+    <p:sldId id="256" r:id="rId4"/>
+    <p:sldId id="344" r:id="rId5"/>
+    <p:sldId id="475" r:id="rId6"/>
+    <p:sldId id="471" r:id="rId7"/>
+    <p:sldId id="472" r:id="rId8"/>
+    <p:sldId id="473" r:id="rId9"/>
+    <p:sldId id="474" r:id="rId10"/>
   </p:sldIdLst>
-  <p:sldSz cx="13442950" cy="7560945"/>
-  <p:notesSz cx="7103745" cy="10234295"/>
+  <p:sldSz cx="13442950" cy="7561263"/>
+  <p:notesSz cx="7104063" cy="10234613"/>
   <p:defaultTextStyle>
     <a:defPPr>
       <a:defRPr lang="pt-BR"/>
@@ -127,12 +129,28 @@
         <p14:section name="Seção sem Título" id="{B25D74AB-31B5-4A84-9E5B-036A4CD24A72}">
           <p14:sldIdLst>
             <p14:sldId id="344"/>
+            <p14:sldId id="475"/>
             <p14:sldId id="471"/>
             <p14:sldId id="472"/>
             <p14:sldId id="473"/>
+            <p14:sldId id="474"/>
           </p14:sldIdLst>
         </p14:section>
       </p14:sectionLst>
+    </p:ext>
+    <p:ext uri="{EFAFB233-063F-42B5-8137-9DF3F51BA10A}">
+      <p15:sldGuideLst xmlns:p15="http://schemas.microsoft.com/office/powerpoint/2012/main">
+        <p15:guide id="1" orient="horz" pos="2382">
+          <p15:clr>
+            <a:srgbClr val="A4A3A4"/>
+          </p15:clr>
+        </p15:guide>
+        <p15:guide id="2" pos="4234">
+          <p15:clr>
+            <a:srgbClr val="A4A3A4"/>
+          </p15:clr>
+        </p15:guide>
+      </p15:sldGuideLst>
     </p:ext>
   </p:extLst>
 </p:presentation>
@@ -220,6 +238,7 @@
           <a:p>
             <a:fld id="{C3CD65D1-5C11-455D-9F9A-0E035F00A0DA}" type="datetimeFigureOut">
               <a:rPr lang="pt-BR" smtClean="0"/>
+              <a:t>07/09/2021</a:t>
             </a:fld>
             <a:endParaRPr lang="pt-BR"/>
           </a:p>
@@ -285,12 +304,18 @@
           <a:p>
             <a:fld id="{CA8E3B7C-E4AE-4E9E-8479-7C668141D483}" type="slidenum">
               <a:rPr lang="pt-BR" smtClean="0"/>
+              <a:t>‹nº›</a:t>
             </a:fld>
             <a:endParaRPr lang="pt-BR"/>
           </a:p>
         </p:txBody>
       </p:sp>
     </p:spTree>
+    <p:extLst>
+      <p:ext uri="{BB962C8B-B14F-4D97-AF65-F5344CB8AC3E}">
+        <p14:creationId xmlns:p14="http://schemas.microsoft.com/office/powerpoint/2010/main" val="1"/>
+      </p:ext>
+    </p:extLst>
   </p:cSld>
   <p:clrMap bg1="lt1" tx1="dk1" bg2="lt2" tx2="dk2" accent1="accent1" accent2="accent2" accent3="accent3" accent4="accent4" accent5="accent5" accent6="accent6" hlink="hlink" folHlink="folHlink"/>
   <p:hf hdr="0" ftr="0" dt="0"/>
@@ -379,6 +404,7 @@
           <a:p>
             <a:fld id="{A05DA3EF-18EA-43DE-B1BB-402A3C558822}" type="datetimeFigureOut">
               <a:rPr lang="pt-BR" smtClean="0"/>
+              <a:t>07/09/2021</a:t>
             </a:fld>
             <a:endParaRPr lang="pt-BR"/>
           </a:p>
@@ -447,7 +473,6 @@
               <a:rPr lang="pt-BR"/>
               <a:t>Clique para editar os estilos do texto mestre</a:t>
             </a:r>
-            <a:endParaRPr lang="pt-BR"/>
           </a:p>
           <a:p>
             <a:pPr lvl="1"/>
@@ -455,7 +480,6 @@
               <a:rPr lang="pt-BR"/>
               <a:t>Segundo nível</a:t>
             </a:r>
-            <a:endParaRPr lang="pt-BR"/>
           </a:p>
           <a:p>
             <a:pPr lvl="2"/>
@@ -463,7 +487,6 @@
               <a:rPr lang="pt-BR"/>
               <a:t>Terceiro nível</a:t>
             </a:r>
-            <a:endParaRPr lang="pt-BR"/>
           </a:p>
           <a:p>
             <a:pPr lvl="3"/>
@@ -471,7 +494,6 @@
               <a:rPr lang="pt-BR"/>
               <a:t>Quarto nível</a:t>
             </a:r>
-            <a:endParaRPr lang="pt-BR"/>
           </a:p>
           <a:p>
             <a:pPr lvl="4"/>
@@ -479,7 +501,6 @@
               <a:rPr lang="pt-BR"/>
               <a:t>Quinto nível</a:t>
             </a:r>
-            <a:endParaRPr lang="pt-BR"/>
           </a:p>
         </p:txBody>
       </p:sp>
@@ -543,6 +564,7 @@
           <a:p>
             <a:fld id="{75B3645A-D0AE-4F6E-A17E-E0036A9041AF}" type="slidenum">
               <a:rPr lang="pt-BR" smtClean="0"/>
+              <a:t>‹nº›</a:t>
             </a:fld>
             <a:endParaRPr lang="pt-BR"/>
           </a:p>
@@ -717,6 +739,7 @@
           <a:p>
             <a:fld id="{75B3645A-D0AE-4F6E-A17E-E0036A9041AF}" type="slidenum">
               <a:rPr lang="pt-BR" smtClean="0"/>
+              <a:t>2</a:t>
             </a:fld>
             <a:endParaRPr lang="pt-BR"/>
           </a:p>
@@ -749,7 +772,7 @@
       </p:grpSpPr>
       <p:sp>
         <p:nvSpPr>
-          <p:cNvPr id="2" name="Slide Image Placeholder 1"/>
+          <p:cNvPr id="2" name="Espaço Reservado para Imagem de Slide 1"/>
           <p:cNvSpPr>
             <a:spLocks noGrp="1" noRot="1" noChangeAspect="1"/>
           </p:cNvSpPr>
@@ -757,11 +780,16 @@
             <p:ph type="sldImg"/>
           </p:nvPr>
         </p:nvSpPr>
-        <p:spPr/>
+        <p:spPr>
+          <a:xfrm>
+            <a:off x="141288" y="768350"/>
+            <a:ext cx="6821487" cy="3836988"/>
+          </a:xfrm>
+        </p:spPr>
       </p:sp>
       <p:sp>
         <p:nvSpPr>
-          <p:cNvPr id="3" name="Notes Placeholder 2"/>
+          <p:cNvPr id="3" name="Espaço Reservado para Anotações 2"/>
           <p:cNvSpPr>
             <a:spLocks noGrp="1"/>
           </p:cNvSpPr>
@@ -774,13 +802,13 @@
           <a:bodyPr/>
           <a:lstStyle/>
           <a:p>
-            <a:endParaRPr lang="en-US"/>
+            <a:endParaRPr lang="pt-BR" dirty="0"/>
           </a:p>
         </p:txBody>
       </p:sp>
       <p:sp>
         <p:nvSpPr>
-          <p:cNvPr id="4" name="Slide Number Placeholder 3"/>
+          <p:cNvPr id="4" name="Espaço Reservado para Número de Slide 3"/>
           <p:cNvSpPr>
             <a:spLocks noGrp="1"/>
           </p:cNvSpPr>
@@ -793,22 +821,20 @@
           <a:bodyPr/>
           <a:lstStyle/>
           <a:p>
-            <a:fld id="{B39AF3DB-B6A1-2444-9DD8-53D016F8E638}" type="slidenum">
-              <a:rPr lang="pt-BR" smtClean="0">
-                <a:solidFill>
-                  <a:prstClr val="black"/>
-                </a:solidFill>
-              </a:rPr>
+            <a:fld id="{75B3645A-D0AE-4F6E-A17E-E0036A9041AF}" type="slidenum">
+              <a:rPr lang="pt-BR" smtClean="0"/>
+              <a:t>3</a:t>
             </a:fld>
-            <a:endParaRPr lang="pt-BR">
-              <a:solidFill>
-                <a:prstClr val="black"/>
-              </a:solidFill>
-            </a:endParaRPr>
+            <a:endParaRPr lang="pt-BR"/>
           </a:p>
         </p:txBody>
       </p:sp>
     </p:spTree>
+    <p:extLst>
+      <p:ext uri="{BB962C8B-B14F-4D97-AF65-F5344CB8AC3E}">
+        <p14:creationId xmlns:p14="http://schemas.microsoft.com/office/powerpoint/2010/main" val="561356721"/>
+      </p:ext>
+    </p:extLst>
   </p:cSld>
   <p:clrMapOvr>
     <a:masterClrMapping/>
@@ -885,6 +911,7 @@
                   <a:prstClr val="black"/>
                 </a:solidFill>
               </a:rPr>
+              <a:t>4</a:t>
             </a:fld>
             <a:endParaRPr lang="pt-BR">
               <a:solidFill>
@@ -971,6 +998,7 @@
                   <a:prstClr val="black"/>
                 </a:solidFill>
               </a:rPr>
+              <a:t>5</a:t>
             </a:fld>
             <a:endParaRPr lang="pt-BR">
               <a:solidFill>
@@ -981,6 +1009,185 @@
         </p:txBody>
       </p:sp>
     </p:spTree>
+  </p:cSld>
+  <p:clrMapOvr>
+    <a:masterClrMapping/>
+  </p:clrMapOvr>
+</p:notes>
+</file>
+
+<file path=ppt/notesSlides/notesSlide5.xml><?xml version="1.0" encoding="utf-8"?>
+<p:notes xmlns:a="http://schemas.openxmlformats.org/drawingml/2006/main" xmlns:r="http://schemas.openxmlformats.org/officeDocument/2006/relationships" xmlns:p="http://schemas.openxmlformats.org/presentationml/2006/main">
+  <p:cSld>
+    <p:spTree>
+      <p:nvGrpSpPr>
+        <p:cNvPr id="1" name=""/>
+        <p:cNvGrpSpPr/>
+        <p:nvPr/>
+      </p:nvGrpSpPr>
+      <p:grpSpPr>
+        <a:xfrm>
+          <a:off x="0" y="0"/>
+          <a:ext cx="0" cy="0"/>
+          <a:chOff x="0" y="0"/>
+          <a:chExt cx="0" cy="0"/>
+        </a:xfrm>
+      </p:grpSpPr>
+      <p:sp>
+        <p:nvSpPr>
+          <p:cNvPr id="2" name="Slide Image Placeholder 1"/>
+          <p:cNvSpPr>
+            <a:spLocks noGrp="1" noRot="1" noChangeAspect="1"/>
+          </p:cNvSpPr>
+          <p:nvPr>
+            <p:ph type="sldImg"/>
+          </p:nvPr>
+        </p:nvSpPr>
+        <p:spPr/>
+      </p:sp>
+      <p:sp>
+        <p:nvSpPr>
+          <p:cNvPr id="3" name="Notes Placeholder 2"/>
+          <p:cNvSpPr>
+            <a:spLocks noGrp="1"/>
+          </p:cNvSpPr>
+          <p:nvPr>
+            <p:ph type="body" idx="1"/>
+          </p:nvPr>
+        </p:nvSpPr>
+        <p:spPr/>
+        <p:txBody>
+          <a:bodyPr/>
+          <a:lstStyle/>
+          <a:p>
+            <a:endParaRPr lang="en-US"/>
+          </a:p>
+        </p:txBody>
+      </p:sp>
+      <p:sp>
+        <p:nvSpPr>
+          <p:cNvPr id="4" name="Slide Number Placeholder 3"/>
+          <p:cNvSpPr>
+            <a:spLocks noGrp="1"/>
+          </p:cNvSpPr>
+          <p:nvPr>
+            <p:ph type="sldNum" sz="quarter" idx="10"/>
+          </p:nvPr>
+        </p:nvSpPr>
+        <p:spPr/>
+        <p:txBody>
+          <a:bodyPr/>
+          <a:lstStyle/>
+          <a:p>
+            <a:fld id="{B39AF3DB-B6A1-2444-9DD8-53D016F8E638}" type="slidenum">
+              <a:rPr lang="pt-BR" smtClean="0">
+                <a:solidFill>
+                  <a:prstClr val="black"/>
+                </a:solidFill>
+              </a:rPr>
+              <a:t>6</a:t>
+            </a:fld>
+            <a:endParaRPr lang="pt-BR">
+              <a:solidFill>
+                <a:prstClr val="black"/>
+              </a:solidFill>
+            </a:endParaRPr>
+          </a:p>
+        </p:txBody>
+      </p:sp>
+    </p:spTree>
+  </p:cSld>
+  <p:clrMapOvr>
+    <a:masterClrMapping/>
+  </p:clrMapOvr>
+</p:notes>
+</file>
+
+<file path=ppt/notesSlides/notesSlide6.xml><?xml version="1.0" encoding="utf-8"?>
+<p:notes xmlns:a="http://schemas.openxmlformats.org/drawingml/2006/main" xmlns:r="http://schemas.openxmlformats.org/officeDocument/2006/relationships" xmlns:p="http://schemas.openxmlformats.org/presentationml/2006/main">
+  <p:cSld>
+    <p:spTree>
+      <p:nvGrpSpPr>
+        <p:cNvPr id="1" name=""/>
+        <p:cNvGrpSpPr/>
+        <p:nvPr/>
+      </p:nvGrpSpPr>
+      <p:grpSpPr>
+        <a:xfrm>
+          <a:off x="0" y="0"/>
+          <a:ext cx="0" cy="0"/>
+          <a:chOff x="0" y="0"/>
+          <a:chExt cx="0" cy="0"/>
+        </a:xfrm>
+      </p:grpSpPr>
+      <p:sp>
+        <p:nvSpPr>
+          <p:cNvPr id="2" name="Slide Image Placeholder 1"/>
+          <p:cNvSpPr>
+            <a:spLocks noGrp="1" noRot="1" noChangeAspect="1"/>
+          </p:cNvSpPr>
+          <p:nvPr>
+            <p:ph type="sldImg"/>
+          </p:nvPr>
+        </p:nvSpPr>
+        <p:spPr/>
+      </p:sp>
+      <p:sp>
+        <p:nvSpPr>
+          <p:cNvPr id="3" name="Notes Placeholder 2"/>
+          <p:cNvSpPr>
+            <a:spLocks noGrp="1"/>
+          </p:cNvSpPr>
+          <p:nvPr>
+            <p:ph type="body" idx="1"/>
+          </p:nvPr>
+        </p:nvSpPr>
+        <p:spPr/>
+        <p:txBody>
+          <a:bodyPr/>
+          <a:lstStyle/>
+          <a:p>
+            <a:endParaRPr lang="en-US"/>
+          </a:p>
+        </p:txBody>
+      </p:sp>
+      <p:sp>
+        <p:nvSpPr>
+          <p:cNvPr id="4" name="Slide Number Placeholder 3"/>
+          <p:cNvSpPr>
+            <a:spLocks noGrp="1"/>
+          </p:cNvSpPr>
+          <p:nvPr>
+            <p:ph type="sldNum" sz="quarter" idx="10"/>
+          </p:nvPr>
+        </p:nvSpPr>
+        <p:spPr/>
+        <p:txBody>
+          <a:bodyPr/>
+          <a:lstStyle/>
+          <a:p>
+            <a:fld id="{B39AF3DB-B6A1-2444-9DD8-53D016F8E638}" type="slidenum">
+              <a:rPr lang="pt-BR" smtClean="0">
+                <a:solidFill>
+                  <a:prstClr val="black"/>
+                </a:solidFill>
+              </a:rPr>
+              <a:t>7</a:t>
+            </a:fld>
+            <a:endParaRPr lang="pt-BR">
+              <a:solidFill>
+                <a:prstClr val="black"/>
+              </a:solidFill>
+            </a:endParaRPr>
+          </a:p>
+        </p:txBody>
+      </p:sp>
+    </p:spTree>
+    <p:extLst>
+      <p:ext uri="{BB962C8B-B14F-4D97-AF65-F5344CB8AC3E}">
+        <p14:creationId xmlns:p14="http://schemas.microsoft.com/office/powerpoint/2010/main" val="1107564568"/>
+      </p:ext>
+    </p:extLst>
   </p:cSld>
   <p:clrMapOvr>
     <a:masterClrMapping/>
@@ -3469,7 +3676,6 @@
               <a:rPr lang="pt-BR"/>
               <a:t>Clique para editar os estilos do texto mestre</a:t>
             </a:r>
-            <a:endParaRPr lang="pt-BR"/>
           </a:p>
           <a:p>
             <a:pPr lvl="1"/>
@@ -3477,7 +3683,6 @@
               <a:rPr lang="pt-BR"/>
               <a:t>Segundo nível</a:t>
             </a:r>
-            <a:endParaRPr lang="pt-BR"/>
           </a:p>
           <a:p>
             <a:pPr lvl="2"/>
@@ -3485,7 +3690,6 @@
               <a:rPr lang="pt-BR"/>
               <a:t>Terceiro nível</a:t>
             </a:r>
-            <a:endParaRPr lang="pt-BR"/>
           </a:p>
           <a:p>
             <a:pPr lvl="3"/>
@@ -3493,7 +3697,6 @@
               <a:rPr lang="pt-BR"/>
               <a:t>Quarto nível</a:t>
             </a:r>
-            <a:endParaRPr lang="pt-BR"/>
           </a:p>
           <a:p>
             <a:pPr lvl="4"/>
@@ -3556,6 +3759,7 @@
             </a:pPr>
             <a:fld id="{B66251D2-9488-44CD-87B4-F793A73C4A01}" type="slidenum">
               <a:rPr lang="pt-BR" smtClean="0"/>
+              <a:t>‹nº›</a:t>
             </a:fld>
             <a:endParaRPr lang="pt-BR" sz="700" dirty="0"/>
           </a:p>
@@ -4053,7 +4257,6 @@
               <a:rPr lang="pt-BR" dirty="0"/>
               <a:t>Clique para editar título do slide</a:t>
             </a:r>
-            <a:endParaRPr lang="pt-BR" dirty="0"/>
           </a:p>
         </p:txBody>
       </p:sp>
@@ -4180,7 +4383,6 @@
               <a:rPr lang="pt-BR"/>
               <a:t>Clique para editar os estilos do texto mestre</a:t>
             </a:r>
-            <a:endParaRPr lang="pt-BR"/>
           </a:p>
         </p:txBody>
       </p:sp>
@@ -4250,7 +4452,6 @@
               <a:rPr lang="pt-BR"/>
               <a:t>Clique para editar os estilos do texto mestre</a:t>
             </a:r>
-            <a:endParaRPr lang="pt-BR"/>
           </a:p>
           <a:p>
             <a:pPr lvl="1"/>
@@ -4258,7 +4459,6 @@
               <a:rPr lang="pt-BR"/>
               <a:t>Segundo nível</a:t>
             </a:r>
-            <a:endParaRPr lang="pt-BR"/>
           </a:p>
           <a:p>
             <a:pPr lvl="2"/>
@@ -4266,7 +4466,6 @@
               <a:rPr lang="pt-BR"/>
               <a:t>Terceiro nível</a:t>
             </a:r>
-            <a:endParaRPr lang="pt-BR"/>
           </a:p>
           <a:p>
             <a:pPr lvl="3"/>
@@ -4274,7 +4473,6 @@
               <a:rPr lang="pt-BR"/>
               <a:t>Quarto nível</a:t>
             </a:r>
-            <a:endParaRPr lang="pt-BR"/>
           </a:p>
           <a:p>
             <a:pPr lvl="4"/>
@@ -4353,7 +4551,6 @@
               <a:rPr lang="pt-BR"/>
               <a:t>Clique para editar os estilos do texto mestre</a:t>
             </a:r>
-            <a:endParaRPr lang="pt-BR"/>
           </a:p>
         </p:txBody>
       </p:sp>
@@ -4423,7 +4620,6 @@
               <a:rPr lang="pt-BR"/>
               <a:t>Clique para editar os estilos do texto mestre</a:t>
             </a:r>
-            <a:endParaRPr lang="pt-BR"/>
           </a:p>
           <a:p>
             <a:pPr lvl="1"/>
@@ -4431,7 +4627,6 @@
               <a:rPr lang="pt-BR"/>
               <a:t>Segundo nível</a:t>
             </a:r>
-            <a:endParaRPr lang="pt-BR"/>
           </a:p>
           <a:p>
             <a:pPr lvl="2"/>
@@ -4439,7 +4634,6 @@
               <a:rPr lang="pt-BR"/>
               <a:t>Terceiro nível</a:t>
             </a:r>
-            <a:endParaRPr lang="pt-BR"/>
           </a:p>
           <a:p>
             <a:pPr lvl="3"/>
@@ -4447,7 +4641,6 @@
               <a:rPr lang="pt-BR"/>
               <a:t>Quarto nível</a:t>
             </a:r>
-            <a:endParaRPr lang="pt-BR"/>
           </a:p>
           <a:p>
             <a:pPr lvl="4"/>
@@ -4951,7 +5144,6 @@
               <a:rPr lang="pt-BR" dirty="0"/>
               <a:t>Clique para editar título do slide</a:t>
             </a:r>
-            <a:endParaRPr lang="pt-BR" dirty="0"/>
           </a:p>
         </p:txBody>
       </p:sp>
@@ -5017,7 +5209,6 @@
               <a:rPr lang="pt-BR" dirty="0"/>
               <a:t>Clique para editar título do slide</a:t>
             </a:r>
-            <a:endParaRPr lang="pt-BR" dirty="0"/>
           </a:p>
         </p:txBody>
       </p:sp>
@@ -5334,6 +5525,7 @@
             </a:pPr>
             <a:fld id="{B66251D2-9488-44CD-87B4-F793A73C4A01}" type="slidenum">
               <a:rPr lang="pt-BR" smtClean="0"/>
+              <a:t>‹nº›</a:t>
             </a:fld>
             <a:endParaRPr lang="pt-BR" sz="700" dirty="0"/>
           </a:p>
@@ -7323,7 +7515,6 @@
               <a:rPr lang="pt-BR" dirty="0"/>
               <a:t>Clique para editar o texto de agradecimento.</a:t>
             </a:r>
-            <a:endParaRPr lang="pt-BR" dirty="0"/>
           </a:p>
         </p:txBody>
       </p:sp>
@@ -7396,7 +7587,6 @@
               <a:rPr lang="pt-BR" dirty="0"/>
               <a:t>Clique para editar as informações de contatos (endereços, e-mails, telefones, etc.)</a:t>
             </a:r>
-            <a:endParaRPr lang="pt-BR" dirty="0"/>
           </a:p>
         </p:txBody>
       </p:sp>
@@ -9338,7 +9528,6 @@
               <a:rPr lang="pt-BR" dirty="0"/>
               <a:t>Clique para editar o texto de agradecimento.</a:t>
             </a:r>
-            <a:endParaRPr lang="pt-BR" dirty="0"/>
           </a:p>
         </p:txBody>
       </p:sp>
@@ -9411,7 +9600,6 @@
               <a:rPr lang="pt-BR" dirty="0"/>
               <a:t>Clique para editar as informações de contatos (endereços, e-mails, telefones, etc.)</a:t>
             </a:r>
-            <a:endParaRPr lang="pt-BR" dirty="0"/>
           </a:p>
         </p:txBody>
       </p:sp>
@@ -12811,7 +12999,6 @@
               <a:rPr lang="pt-BR" dirty="0"/>
               <a:t>Clique para editar o texto Título</a:t>
             </a:r>
-            <a:endParaRPr lang="pt-BR" dirty="0"/>
           </a:p>
         </p:txBody>
       </p:sp>
@@ -12869,7 +13056,6 @@
               <a:rPr lang="pt-BR" dirty="0"/>
               <a:t>Clique para editar o texto subtítulo</a:t>
             </a:r>
-            <a:endParaRPr lang="pt-BR" dirty="0"/>
           </a:p>
         </p:txBody>
       </p:sp>
@@ -12999,7 +13185,6 @@
               <a:rPr lang="pt-BR" dirty="0"/>
               <a:t>Clique para editar o texto Título</a:t>
             </a:r>
-            <a:endParaRPr lang="pt-BR" dirty="0"/>
           </a:p>
         </p:txBody>
       </p:sp>
@@ -13057,7 +13242,6 @@
               <a:rPr lang="pt-BR" dirty="0"/>
               <a:t>Clique para editar o texto subtítulo</a:t>
             </a:r>
-            <a:endParaRPr lang="pt-BR" dirty="0"/>
           </a:p>
         </p:txBody>
       </p:sp>
@@ -18666,7 +18850,6 @@
               <a:rPr lang="pt-BR" dirty="0"/>
               <a:t>Clique para editar o texto Título</a:t>
             </a:r>
-            <a:endParaRPr lang="pt-BR" dirty="0"/>
           </a:p>
         </p:txBody>
       </p:sp>
@@ -18724,7 +18907,6 @@
               <a:rPr lang="pt-BR" dirty="0"/>
               <a:t>Clique para editar o texto subtítulo</a:t>
             </a:r>
-            <a:endParaRPr lang="pt-BR" dirty="0"/>
           </a:p>
         </p:txBody>
       </p:sp>
@@ -21325,7 +21507,6 @@
               <a:rPr lang="pt-BR" dirty="0"/>
               <a:t>Clique para editar o texto Título</a:t>
             </a:r>
-            <a:endParaRPr lang="pt-BR" dirty="0"/>
           </a:p>
         </p:txBody>
       </p:sp>
@@ -21383,7 +21564,6 @@
               <a:rPr lang="pt-BR" dirty="0"/>
               <a:t>Clique para editar o texto subtítulo</a:t>
             </a:r>
-            <a:endParaRPr lang="pt-BR" dirty="0"/>
           </a:p>
         </p:txBody>
       </p:sp>
@@ -21495,6 +21675,7 @@
                   </a:prstClr>
                 </a:solidFill>
               </a:rPr>
+              <a:t>‹nº›</a:t>
             </a:fld>
             <a:endParaRPr lang="pt-BR" dirty="0">
               <a:solidFill>
@@ -22476,7 +22657,6 @@
               <a:rPr lang="pt-BR" dirty="0"/>
               <a:t>Reunião Semanal </a:t>
             </a:r>
-            <a:endParaRPr lang="pt-BR" dirty="0"/>
           </a:p>
         </p:txBody>
       </p:sp>
@@ -22507,33 +22687,29 @@
               <a:rPr lang="pt-BR" dirty="0"/>
               <a:t> do Projeto </a:t>
             </a:r>
-            <a:endParaRPr lang="pt-BR" dirty="0"/>
           </a:p>
           <a:p>
             <a:r>
               <a:rPr lang="pt-BR" dirty="0"/>
-              <a:t>&lt; nome do Projeto&gt; </a:t>
+              <a:t>Solução para contratação de domésticas </a:t>
             </a:r>
-            <a:endParaRPr lang="pt-BR" dirty="0"/>
           </a:p>
           <a:p>
             <a:r>
               <a:rPr lang="pt-BR" dirty="0"/>
               <a:t>Data: </a:t>
             </a:r>
-            <a:endParaRPr lang="pt-BR" dirty="0"/>
           </a:p>
           <a:p>
             <a:r>
               <a:rPr lang="pt-BR" dirty="0"/>
-              <a:t>DD/MM/AAAA</a:t>
+              <a:t>07/09/2021</a:t>
             </a:r>
-            <a:endParaRPr lang="pt-BR" dirty="0"/>
           </a:p>
           <a:p>
             <a:r>
-              <a:rPr lang="pt-BR" dirty="0"/>
-              <a:t>&lt;Nome do Grupo&gt;</a:t>
+              <a:rPr lang="pt-BR" dirty="0" err="1"/>
+              <a:t>IClean</a:t>
             </a:r>
             <a:endParaRPr lang="pt-BR" dirty="0"/>
           </a:p>
@@ -22542,7 +22718,6 @@
               <a:rPr lang="pt-BR" dirty="0"/>
               <a:t>Professor.: Alexander Barreira</a:t>
             </a:r>
-            <a:endParaRPr lang="pt-BR" dirty="0"/>
           </a:p>
           <a:p>
             <a:endParaRPr lang="pt-BR" dirty="0"/>
@@ -22558,6 +22733,115 @@
 </file>
 
 <file path=ppt/slides/slide3.xml><?xml version="1.0" encoding="utf-8"?>
+<p:sld xmlns:a="http://schemas.openxmlformats.org/drawingml/2006/main" xmlns:r="http://schemas.openxmlformats.org/officeDocument/2006/relationships" xmlns:p="http://schemas.openxmlformats.org/presentationml/2006/main">
+  <p:cSld>
+    <p:spTree>
+      <p:nvGrpSpPr>
+        <p:cNvPr id="1" name=""/>
+        <p:cNvGrpSpPr/>
+        <p:nvPr/>
+      </p:nvGrpSpPr>
+      <p:grpSpPr>
+        <a:xfrm>
+          <a:off x="0" y="0"/>
+          <a:ext cx="0" cy="0"/>
+          <a:chOff x="0" y="0"/>
+          <a:chExt cx="0" cy="0"/>
+        </a:xfrm>
+      </p:grpSpPr>
+      <p:sp>
+        <p:nvSpPr>
+          <p:cNvPr id="2" name="Espaço Reservado para Texto 1"/>
+          <p:cNvSpPr>
+            <a:spLocks noGrp="1"/>
+          </p:cNvSpPr>
+          <p:nvPr>
+            <p:ph type="body" sz="quarter" idx="11"/>
+          </p:nvPr>
+        </p:nvSpPr>
+        <p:spPr/>
+        <p:txBody>
+          <a:bodyPr/>
+          <a:lstStyle/>
+          <a:p>
+            <a:r>
+              <a:rPr lang="pt-BR" dirty="0"/>
+              <a:t>Membros</a:t>
+            </a:r>
+          </a:p>
+        </p:txBody>
+      </p:sp>
+      <p:sp>
+        <p:nvSpPr>
+          <p:cNvPr id="4" name="Espaço Reservado para Texto 3"/>
+          <p:cNvSpPr>
+            <a:spLocks noGrp="1"/>
+          </p:cNvSpPr>
+          <p:nvPr>
+            <p:ph type="body" sz="quarter" idx="12"/>
+          </p:nvPr>
+        </p:nvSpPr>
+        <p:spPr/>
+        <p:txBody>
+          <a:bodyPr/>
+          <a:lstStyle/>
+          <a:p>
+            <a:r>
+              <a:rPr lang="pt-BR" dirty="0"/>
+              <a:t>Carlos Gomes</a:t>
+            </a:r>
+          </a:p>
+          <a:p>
+            <a:r>
+              <a:rPr lang="pt-BR" dirty="0"/>
+              <a:t>Guilherme Souza </a:t>
+            </a:r>
+          </a:p>
+          <a:p>
+            <a:r>
+              <a:rPr lang="pt-BR" dirty="0"/>
+              <a:t>Guilherme Soares </a:t>
+            </a:r>
+          </a:p>
+          <a:p>
+            <a:r>
+              <a:rPr lang="pt-BR" dirty="0"/>
+              <a:t>Leonardo Victor </a:t>
+            </a:r>
+          </a:p>
+          <a:p>
+            <a:r>
+              <a:rPr lang="pt-BR" dirty="0"/>
+              <a:t>Lucas </a:t>
+            </a:r>
+            <a:r>
+              <a:rPr lang="pt-BR" dirty="0" err="1"/>
+              <a:t>Yudi</a:t>
+            </a:r>
+            <a:endParaRPr lang="pt-BR" dirty="0"/>
+          </a:p>
+          <a:p>
+            <a:r>
+              <a:rPr lang="pt-BR" dirty="0"/>
+              <a:t>Roberto Gomes</a:t>
+            </a:r>
+          </a:p>
+        </p:txBody>
+      </p:sp>
+    </p:spTree>
+    <p:extLst>
+      <p:ext uri="{BB962C8B-B14F-4D97-AF65-F5344CB8AC3E}">
+        <p14:creationId xmlns:p14="http://schemas.microsoft.com/office/powerpoint/2010/main" val="3847932905"/>
+      </p:ext>
+    </p:extLst>
+  </p:cSld>
+  <p:clrMapOvr>
+    <a:masterClrMapping/>
+  </p:clrMapOvr>
+</p:sld>
+</file>
+
+<file path=ppt/slides/slide4.xml><?xml version="1.0" encoding="utf-8"?>
 <p:sld xmlns:a="http://schemas.openxmlformats.org/drawingml/2006/main" xmlns:r="http://schemas.openxmlformats.org/officeDocument/2006/relationships" xmlns:p="http://schemas.openxmlformats.org/presentationml/2006/main">
   <p:cSld>
     <p:spTree>
@@ -22667,13 +22951,6 @@
               </a:rPr>
               <a:t>SEMANA 1 - 12/08/2021</a:t>
             </a:r>
-            <a:endParaRPr lang="en-US" sz="2645" dirty="0">
-              <a:solidFill>
-                <a:prstClr val="black"/>
-              </a:solidFill>
-              <a:latin typeface="Simplon Oi Headline"/>
-              <a:cs typeface="Simplon Oi Headline"/>
-            </a:endParaRPr>
           </a:p>
         </p:txBody>
       </p:sp>
@@ -22790,12 +23067,6 @@
               </a:rPr>
               <a:t>Negócios</a:t>
             </a:r>
-            <a:endParaRPr lang="pt-BR" sz="1175" b="0" dirty="0">
-              <a:solidFill>
-                <a:prstClr val="black"/>
-              </a:solidFill>
-              <a:latin typeface="Simplon BP Bold" pitchFamily="2" charset="0"/>
-            </a:endParaRPr>
           </a:p>
         </p:txBody>
       </p:sp>
@@ -22968,12 +23239,6 @@
               </a:rPr>
               <a:t>Plataforma</a:t>
             </a:r>
-            <a:endParaRPr lang="pt-BR" sz="1175" b="0" dirty="0">
-              <a:solidFill>
-                <a:prstClr val="black"/>
-              </a:solidFill>
-              <a:latin typeface="Simplon BP Bold" pitchFamily="2" charset="0"/>
-            </a:endParaRPr>
           </a:p>
         </p:txBody>
       </p:sp>
@@ -23090,12 +23355,6 @@
               </a:rPr>
               <a:t>Back</a:t>
             </a:r>
-            <a:endParaRPr lang="pt-BR" sz="1175" b="0" dirty="0">
-              <a:solidFill>
-                <a:prstClr val="black"/>
-              </a:solidFill>
-              <a:latin typeface="Simplon BP Bold" pitchFamily="2" charset="0"/>
-            </a:endParaRPr>
           </a:p>
         </p:txBody>
       </p:sp>
@@ -23212,12 +23471,6 @@
               </a:rPr>
               <a:t>Front</a:t>
             </a:r>
-            <a:endParaRPr lang="pt-BR" sz="1175" b="0" dirty="0">
-              <a:solidFill>
-                <a:prstClr val="black"/>
-              </a:solidFill>
-              <a:latin typeface="Simplon BP Bold" pitchFamily="2" charset="0"/>
-            </a:endParaRPr>
           </a:p>
         </p:txBody>
       </p:sp>
@@ -23473,11 +23726,6 @@
               </a:rPr>
               <a:t>Pontos atenção/ Principais Riscos</a:t>
             </a:r>
-            <a:endParaRPr lang="pt-BR" sz="1545" dirty="0">
-              <a:latin typeface="Simplon Oi Headline" charset="0"/>
-              <a:ea typeface="Simplon Oi Headline" charset="0"/>
-              <a:cs typeface="Simplon Oi Headline" charset="0"/>
-            </a:endParaRPr>
           </a:p>
         </p:txBody>
       </p:sp>
@@ -23514,11 +23762,6 @@
               </a:rPr>
               <a:t>Próximos Passos/ Decisões a tomar</a:t>
             </a:r>
-            <a:endParaRPr lang="pt-BR" sz="1545" dirty="0">
-              <a:latin typeface="Simplon Oi Headline" charset="0"/>
-              <a:ea typeface="Simplon Oi Headline" charset="0"/>
-              <a:cs typeface="Simplon Oi Headline" charset="0"/>
-            </a:endParaRPr>
           </a:p>
         </p:txBody>
       </p:sp>
@@ -23675,13 +23918,6 @@
               </a:rPr>
               <a:t>Frente Negócios</a:t>
             </a:r>
-            <a:endParaRPr lang="pt-BR" sz="1400" b="1" dirty="0">
-              <a:solidFill>
-                <a:schemeClr val="tx1"/>
-              </a:solidFill>
-              <a:latin typeface="Calibri" panose="020F0502020204030204" pitchFamily="34" charset="0"/>
-              <a:cs typeface="Simplon BP Regular"/>
-            </a:endParaRPr>
           </a:p>
           <a:p>
             <a:pPr marL="252095" lvl="1" indent="-252095">
@@ -23731,13 +23967,6 @@
               </a:rPr>
               <a:t>Personas</a:t>
             </a:r>
-            <a:endParaRPr lang="pt-BR" sz="1400" dirty="0">
-              <a:solidFill>
-                <a:schemeClr val="tx1"/>
-              </a:solidFill>
-              <a:latin typeface="Calibri" panose="020F0502020204030204" pitchFamily="34" charset="0"/>
-              <a:cs typeface="Simplon BP Regular"/>
-            </a:endParaRPr>
           </a:p>
           <a:p>
             <a:pPr marL="252095" lvl="1" indent="-252095">
@@ -23754,13 +23983,6 @@
               </a:rPr>
               <a:t>LLD</a:t>
             </a:r>
-            <a:endParaRPr lang="pt-BR" sz="1400" dirty="0">
-              <a:solidFill>
-                <a:schemeClr val="tx1"/>
-              </a:solidFill>
-              <a:latin typeface="Calibri" panose="020F0502020204030204" pitchFamily="34" charset="0"/>
-              <a:cs typeface="Simplon BP Regular"/>
-            </a:endParaRPr>
           </a:p>
           <a:p>
             <a:pPr marL="252095" lvl="1" indent="-252095">
@@ -23777,13 +23999,6 @@
               </a:rPr>
               <a:t>Contextualização</a:t>
             </a:r>
-            <a:endParaRPr lang="pt-BR" sz="1400" dirty="0">
-              <a:solidFill>
-                <a:schemeClr val="tx1"/>
-              </a:solidFill>
-              <a:latin typeface="Calibri" panose="020F0502020204030204" pitchFamily="34" charset="0"/>
-              <a:cs typeface="Simplon BP Regular"/>
-            </a:endParaRPr>
           </a:p>
           <a:p>
             <a:pPr marL="252095" lvl="1" indent="-252095">
@@ -23810,13 +24025,6 @@
               </a:rPr>
               <a:t> Stories</a:t>
             </a:r>
-            <a:endParaRPr lang="pt-BR" sz="1400" dirty="0">
-              <a:solidFill>
-                <a:schemeClr val="tx1"/>
-              </a:solidFill>
-              <a:latin typeface="Calibri" panose="020F0502020204030204" pitchFamily="34" charset="0"/>
-              <a:cs typeface="Simplon BP Regular"/>
-            </a:endParaRPr>
           </a:p>
           <a:p>
             <a:pPr marL="252095" lvl="1" indent="-252095">
@@ -23833,13 +24041,6 @@
               </a:rPr>
               <a:t>Lean UX</a:t>
             </a:r>
-            <a:endParaRPr lang="pt-BR" sz="1400" dirty="0">
-              <a:solidFill>
-                <a:schemeClr val="tx1"/>
-              </a:solidFill>
-              <a:latin typeface="Calibri" panose="020F0502020204030204" pitchFamily="34" charset="0"/>
-              <a:cs typeface="Simplon BP Regular"/>
-            </a:endParaRPr>
           </a:p>
           <a:p>
             <a:pPr marL="252095" lvl="1" indent="-252095">
@@ -24233,12 +24434,6 @@
               </a:rPr>
               <a:t>   </a:t>
             </a:r>
-            <a:endParaRPr lang="en-US" sz="1175" b="0" dirty="0">
-              <a:solidFill>
-                <a:prstClr val="black"/>
-              </a:solidFill>
-              <a:latin typeface="Simplon BP Bold" pitchFamily="2" charset="0"/>
-            </a:endParaRPr>
           </a:p>
         </p:txBody>
       </p:sp>
@@ -24250,7 +24445,7 @@
 </p:sld>
 </file>
 
-<file path=ppt/slides/slide4.xml><?xml version="1.0" encoding="utf-8"?>
+<file path=ppt/slides/slide5.xml><?xml version="1.0" encoding="utf-8"?>
 <p:sld xmlns:a="http://schemas.openxmlformats.org/drawingml/2006/main" xmlns:r="http://schemas.openxmlformats.org/officeDocument/2006/relationships" xmlns:p="http://schemas.openxmlformats.org/presentationml/2006/main">
   <p:cSld>
     <p:spTree>
@@ -24360,13 +24555,6 @@
               </a:rPr>
               <a:t>SEMANA 2 - 19/08/2021</a:t>
             </a:r>
-            <a:endParaRPr lang="en-US" sz="2645" dirty="0">
-              <a:solidFill>
-                <a:prstClr val="black"/>
-              </a:solidFill>
-              <a:latin typeface="Simplon Oi Headline"/>
-              <a:cs typeface="Simplon Oi Headline"/>
-            </a:endParaRPr>
           </a:p>
         </p:txBody>
       </p:sp>
@@ -24444,11 +24632,6 @@
               </a:rPr>
               <a:t>Pontos atenção/ Principais Riscos</a:t>
             </a:r>
-            <a:endParaRPr lang="pt-BR" sz="1545" dirty="0">
-              <a:latin typeface="Simplon Oi Headline" charset="0"/>
-              <a:ea typeface="Simplon Oi Headline" charset="0"/>
-              <a:cs typeface="Simplon Oi Headline" charset="0"/>
-            </a:endParaRPr>
           </a:p>
         </p:txBody>
       </p:sp>
@@ -24485,11 +24668,6 @@
               </a:rPr>
               <a:t>Próximos Passos/ Decisões a tomar</a:t>
             </a:r>
-            <a:endParaRPr lang="pt-BR" sz="1545" dirty="0">
-              <a:latin typeface="Simplon Oi Headline" charset="0"/>
-              <a:ea typeface="Simplon Oi Headline" charset="0"/>
-              <a:cs typeface="Simplon Oi Headline" charset="0"/>
-            </a:endParaRPr>
           </a:p>
         </p:txBody>
       </p:sp>
@@ -24552,13 +24730,6 @@
               </a:rPr>
               <a:t>O que foi superado na última semana </a:t>
             </a:r>
-            <a:endParaRPr lang="pt-BR" sz="1325" b="1" dirty="0">
-              <a:solidFill>
-                <a:schemeClr val="tx1"/>
-              </a:solidFill>
-              <a:latin typeface="Calibri" panose="020F0502020204030204" pitchFamily="34" charset="0"/>
-              <a:cs typeface="Simplon BP Regular"/>
-            </a:endParaRPr>
           </a:p>
           <a:p>
             <a:pPr marL="252095" indent="-252095" fontAlgn="base">
@@ -24712,13 +24883,6 @@
               </a:rPr>
               <a:t>Frente Negócios</a:t>
             </a:r>
-            <a:endParaRPr lang="pt-BR" sz="1400" b="1" dirty="0">
-              <a:solidFill>
-                <a:schemeClr val="tx1"/>
-              </a:solidFill>
-              <a:latin typeface="Calibri" panose="020F0502020204030204" pitchFamily="34" charset="0"/>
-              <a:cs typeface="Simplon BP Regular"/>
-            </a:endParaRPr>
           </a:p>
           <a:p>
             <a:pPr marL="252095" lvl="1" indent="-252095">
@@ -24758,13 +24922,6 @@
               </a:rPr>
               <a:t>Mapa de empatia</a:t>
             </a:r>
-            <a:endParaRPr lang="pt-BR" sz="1400" dirty="0">
-              <a:solidFill>
-                <a:schemeClr val="tx1"/>
-              </a:solidFill>
-              <a:latin typeface="Calibri" panose="020F0502020204030204" pitchFamily="34" charset="0"/>
-              <a:cs typeface="Simplon BP Regular"/>
-            </a:endParaRPr>
           </a:p>
           <a:p>
             <a:pPr marL="252095" lvl="1" indent="-252095">
@@ -24781,13 +24938,6 @@
               </a:rPr>
               <a:t>Jornada do Usuário</a:t>
             </a:r>
-            <a:endParaRPr lang="pt-BR" sz="1400" dirty="0">
-              <a:solidFill>
-                <a:schemeClr val="tx1"/>
-              </a:solidFill>
-              <a:latin typeface="Calibri" panose="020F0502020204030204" pitchFamily="34" charset="0"/>
-              <a:cs typeface="Simplon BP Regular"/>
-            </a:endParaRPr>
           </a:p>
           <a:p>
             <a:pPr marL="252095" lvl="1" indent="-252095">
@@ -24804,13 +24954,6 @@
               </a:rPr>
               <a:t>DER</a:t>
             </a:r>
-            <a:endParaRPr lang="pt-BR" sz="1400" dirty="0">
-              <a:solidFill>
-                <a:schemeClr val="tx1"/>
-              </a:solidFill>
-              <a:latin typeface="Calibri" panose="020F0502020204030204" pitchFamily="34" charset="0"/>
-              <a:cs typeface="Simplon BP Regular"/>
-            </a:endParaRPr>
           </a:p>
           <a:p>
             <a:pPr marL="252095" lvl="1" indent="-252095">
@@ -24827,13 +24970,6 @@
               </a:rPr>
               <a:t>Caso de Uso</a:t>
             </a:r>
-            <a:endParaRPr lang="pt-BR" sz="1400" dirty="0">
-              <a:solidFill>
-                <a:schemeClr val="tx1"/>
-              </a:solidFill>
-              <a:latin typeface="Calibri" panose="020F0502020204030204" pitchFamily="34" charset="0"/>
-              <a:cs typeface="Simplon BP Regular"/>
-            </a:endParaRPr>
           </a:p>
           <a:p>
             <a:pPr marL="252095" lvl="1" indent="-252095">
@@ -24850,13 +24986,6 @@
               </a:rPr>
               <a:t>BPMN</a:t>
             </a:r>
-            <a:endParaRPr lang="pt-BR" sz="1400" dirty="0">
-              <a:solidFill>
-                <a:schemeClr val="tx1"/>
-              </a:solidFill>
-              <a:latin typeface="Calibri" panose="020F0502020204030204" pitchFamily="34" charset="0"/>
-              <a:cs typeface="Simplon BP Regular"/>
-            </a:endParaRPr>
           </a:p>
           <a:p>
             <a:pPr marL="252095" lvl="1" indent="-252095">
@@ -24873,13 +25002,6 @@
               </a:rPr>
               <a:t>Protótipo de Tela</a:t>
             </a:r>
-            <a:endParaRPr lang="pt-BR" sz="1600" dirty="0">
-              <a:solidFill>
-                <a:schemeClr val="tx1"/>
-              </a:solidFill>
-              <a:latin typeface="Calibri" panose="020F0502020204030204" pitchFamily="34" charset="0"/>
-              <a:cs typeface="Simplon BP Regular"/>
-            </a:endParaRPr>
           </a:p>
           <a:p>
             <a:pPr marL="252095" lvl="1" indent="-252095">
@@ -25009,12 +25131,6 @@
               </a:rPr>
               <a:t>Negócios</a:t>
             </a:r>
-            <a:endParaRPr lang="pt-BR" sz="1175" b="0" dirty="0">
-              <a:solidFill>
-                <a:prstClr val="black"/>
-              </a:solidFill>
-              <a:latin typeface="Simplon BP Bold" pitchFamily="2" charset="0"/>
-            </a:endParaRPr>
           </a:p>
         </p:txBody>
       </p:sp>
@@ -25028,7 +25144,7 @@
         </p:nvSpPr>
         <p:spPr>
           <a:xfrm>
-            <a:off x="11193898" y="288405"/>
+            <a:off x="11193898" y="297930"/>
             <a:ext cx="211404" cy="211689"/>
           </a:xfrm>
           <a:prstGeom prst="ellipse">
@@ -25039,9 +25155,7 @@
           </a:solidFill>
           <a:ln w="12700">
             <a:solidFill>
-              <a:schemeClr val="accent3">
-                <a:lumMod val="50000"/>
-              </a:schemeClr>
+              <a:schemeClr val="accent3"/>
             </a:solidFill>
           </a:ln>
         </p:spPr>
@@ -25189,12 +25303,6 @@
               </a:rPr>
               <a:t>Plataforma</a:t>
             </a:r>
-            <a:endParaRPr lang="pt-BR" sz="1175" b="0" dirty="0">
-              <a:solidFill>
-                <a:prstClr val="black"/>
-              </a:solidFill>
-              <a:latin typeface="Simplon BP Bold" pitchFamily="2" charset="0"/>
-            </a:endParaRPr>
           </a:p>
         </p:txBody>
       </p:sp>
@@ -25311,12 +25419,6 @@
               </a:rPr>
               <a:t>Back</a:t>
             </a:r>
-            <a:endParaRPr lang="pt-BR" sz="1175" b="0" dirty="0">
-              <a:solidFill>
-                <a:prstClr val="black"/>
-              </a:solidFill>
-              <a:latin typeface="Simplon BP Bold" pitchFamily="2" charset="0"/>
-            </a:endParaRPr>
           </a:p>
         </p:txBody>
       </p:sp>
@@ -25433,12 +25535,6 @@
               </a:rPr>
               <a:t>Front</a:t>
             </a:r>
-            <a:endParaRPr lang="pt-BR" sz="1175" b="0" dirty="0">
-              <a:solidFill>
-                <a:prstClr val="black"/>
-              </a:solidFill>
-              <a:latin typeface="Simplon BP Bold" pitchFamily="2" charset="0"/>
-            </a:endParaRPr>
           </a:p>
         </p:txBody>
       </p:sp>
@@ -25452,7 +25548,7 @@
         </p:nvSpPr>
         <p:spPr>
           <a:xfrm>
-            <a:off x="8470225" y="262844"/>
+            <a:off x="8443555" y="282529"/>
             <a:ext cx="211404" cy="211689"/>
           </a:xfrm>
           <a:prstGeom prst="ellipse">
@@ -25463,9 +25559,7 @@
           </a:solidFill>
           <a:ln w="12700">
             <a:solidFill>
-              <a:schemeClr val="accent3">
-                <a:lumMod val="50000"/>
-              </a:schemeClr>
+              <a:schemeClr val="accent3"/>
             </a:solidFill>
           </a:ln>
         </p:spPr>
@@ -25632,7 +25726,7 @@
         </p:nvSpPr>
         <p:spPr>
           <a:xfrm>
-            <a:off x="9278660" y="278719"/>
+            <a:off x="9225955" y="282529"/>
             <a:ext cx="211404" cy="211689"/>
           </a:xfrm>
           <a:prstGeom prst="ellipse">
@@ -25643,9 +25737,7 @@
           </a:solidFill>
           <a:ln w="12700">
             <a:solidFill>
-              <a:schemeClr val="accent3">
-                <a:lumMod val="50000"/>
-              </a:schemeClr>
+              <a:schemeClr val="accent3"/>
             </a:solidFill>
           </a:ln>
         </p:spPr>
@@ -25701,9 +25793,7 @@
           </a:solidFill>
           <a:ln w="12700">
             <a:solidFill>
-              <a:schemeClr val="accent3">
-                <a:lumMod val="50000"/>
-              </a:schemeClr>
+              <a:schemeClr val="accent3"/>
             </a:solidFill>
           </a:ln>
         </p:spPr>
@@ -25759,9 +25849,7 @@
           </a:solidFill>
           <a:ln w="12700">
             <a:solidFill>
-              <a:schemeClr val="accent3">
-                <a:lumMod val="50000"/>
-              </a:schemeClr>
+              <a:schemeClr val="accent3"/>
             </a:solidFill>
           </a:ln>
         </p:spPr>
@@ -25995,12 +26083,6 @@
               </a:rPr>
               <a:t>   </a:t>
             </a:r>
-            <a:endParaRPr lang="en-US" sz="1175" b="0" dirty="0">
-              <a:solidFill>
-                <a:prstClr val="black"/>
-              </a:solidFill>
-              <a:latin typeface="Simplon BP Bold" pitchFamily="2" charset="0"/>
-            </a:endParaRPr>
           </a:p>
         </p:txBody>
       </p:sp>
@@ -26012,7 +26094,7 @@
 </p:sld>
 </file>
 
-<file path=ppt/slides/slide5.xml><?xml version="1.0" encoding="utf-8"?>
+<file path=ppt/slides/slide6.xml><?xml version="1.0" encoding="utf-8"?>
 <p:sld xmlns:a="http://schemas.openxmlformats.org/drawingml/2006/main" xmlns:r="http://schemas.openxmlformats.org/officeDocument/2006/relationships" xmlns:p="http://schemas.openxmlformats.org/presentationml/2006/main">
   <p:cSld>
     <p:spTree>
@@ -26182,13 +26264,6 @@
               </a:rPr>
               <a:t>/2021</a:t>
             </a:r>
-            <a:endParaRPr lang="en-US" sz="2645" dirty="0">
-              <a:solidFill>
-                <a:prstClr val="black"/>
-              </a:solidFill>
-              <a:latin typeface="Simplon Oi Headline"/>
-              <a:cs typeface="Simplon Oi Headline"/>
-            </a:endParaRPr>
           </a:p>
         </p:txBody>
       </p:sp>
@@ -26266,11 +26341,6 @@
               </a:rPr>
               <a:t>Pontos atenção/ Principais Riscos</a:t>
             </a:r>
-            <a:endParaRPr lang="pt-BR" sz="1545" dirty="0">
-              <a:latin typeface="Simplon Oi Headline" charset="0"/>
-              <a:ea typeface="Simplon Oi Headline" charset="0"/>
-              <a:cs typeface="Simplon Oi Headline" charset="0"/>
-            </a:endParaRPr>
           </a:p>
         </p:txBody>
       </p:sp>
@@ -26307,11 +26377,6 @@
               </a:rPr>
               <a:t>Próximos Passos/ Decisões a tomar</a:t>
             </a:r>
-            <a:endParaRPr lang="pt-BR" sz="1545" dirty="0">
-              <a:latin typeface="Simplon Oi Headline" charset="0"/>
-              <a:ea typeface="Simplon Oi Headline" charset="0"/>
-              <a:cs typeface="Simplon Oi Headline" charset="0"/>
-            </a:endParaRPr>
           </a:p>
         </p:txBody>
       </p:sp>
@@ -26374,13 +26439,6 @@
               </a:rPr>
               <a:t>Inicio da api</a:t>
             </a:r>
-            <a:endParaRPr lang="pt-PT" altLang="pt-BR" sz="1325" b="1" dirty="0">
-              <a:solidFill>
-                <a:schemeClr val="tx1"/>
-              </a:solidFill>
-              <a:latin typeface="Calibri" panose="020F0502020204030204" pitchFamily="34" charset="0"/>
-              <a:cs typeface="Simplon BP Regular"/>
-            </a:endParaRPr>
           </a:p>
           <a:p>
             <a:pPr marL="252095" indent="-252095" fontAlgn="base">
@@ -26399,15 +26457,8 @@
                 <a:latin typeface="Calibri" panose="020F0502020204030204" pitchFamily="34" charset="0"/>
                 <a:cs typeface="Simplon BP Regular"/>
               </a:rPr>
-              <a:t>jornada do usuario terminada</a:t>
+              <a:t>jornada do usuario</a:t>
             </a:r>
-            <a:endParaRPr lang="pt-PT" altLang="pt-BR" sz="1325" b="1" dirty="0">
-              <a:solidFill>
-                <a:schemeClr val="tx1"/>
-              </a:solidFill>
-              <a:latin typeface="Calibri" panose="020F0502020204030204" pitchFamily="34" charset="0"/>
-              <a:cs typeface="Simplon BP Regular"/>
-            </a:endParaRPr>
           </a:p>
           <a:p>
             <a:pPr marL="252095" indent="-252095" fontAlgn="base">
@@ -26428,13 +26479,6 @@
               </a:rPr>
               <a:t>Inicio dos slide</a:t>
             </a:r>
-            <a:endParaRPr lang="pt-PT" altLang="pt-BR" sz="1325" b="1" dirty="0">
-              <a:solidFill>
-                <a:schemeClr val="tx1"/>
-              </a:solidFill>
-              <a:latin typeface="Calibri" panose="020F0502020204030204" pitchFamily="34" charset="0"/>
-              <a:cs typeface="Simplon BP Regular"/>
-            </a:endParaRPr>
           </a:p>
           <a:p>
             <a:pPr marL="252095" indent="-252095" fontAlgn="base">
@@ -26455,13 +26499,6 @@
               </a:rPr>
               <a:t>Atualização do mapa de empatia </a:t>
             </a:r>
-            <a:endParaRPr lang="pt-PT" altLang="pt-BR" sz="1325" b="1" dirty="0">
-              <a:solidFill>
-                <a:schemeClr val="tx1"/>
-              </a:solidFill>
-              <a:latin typeface="Calibri" panose="020F0502020204030204" pitchFamily="34" charset="0"/>
-              <a:cs typeface="Simplon BP Regular"/>
-            </a:endParaRPr>
           </a:p>
           <a:p>
             <a:pPr marL="252095" indent="-252095" fontAlgn="base">
@@ -26480,79 +26517,8 @@
                 <a:latin typeface="Calibri" panose="020F0502020204030204" pitchFamily="34" charset="0"/>
                 <a:cs typeface="Simplon BP Regular"/>
               </a:rPr>
-              <a:t>DER finalizado </a:t>
+              <a:t>Inicio do DER  </a:t>
             </a:r>
-            <a:endParaRPr lang="pt-PT" altLang="pt-BR" sz="1325" b="1" dirty="0">
-              <a:solidFill>
-                <a:schemeClr val="tx1"/>
-              </a:solidFill>
-              <a:latin typeface="Calibri" panose="020F0502020204030204" pitchFamily="34" charset="0"/>
-              <a:cs typeface="Simplon BP Regular"/>
-            </a:endParaRPr>
-          </a:p>
-          <a:p>
-            <a:pPr marL="252095" indent="-252095" fontAlgn="base">
-              <a:spcBef>
-                <a:spcPct val="0"/>
-              </a:spcBef>
-              <a:buFont typeface="Wingdings" panose="05000000000000000000" pitchFamily="2" charset="2"/>
-              <a:buChar char="ü"/>
-              <a:defRPr/>
-            </a:pPr>
-            <a:r>
-              <a:rPr lang="pt-PT" altLang="pt-BR" sz="1325" b="1" dirty="0">
-                <a:solidFill>
-                  <a:schemeClr val="tx1"/>
-                </a:solidFill>
-                <a:latin typeface="Calibri" panose="020F0502020204030204" pitchFamily="34" charset="0"/>
-                <a:cs typeface="Simplon BP Regular"/>
-              </a:rPr>
-              <a:t>Caso de uso finalizado</a:t>
-            </a:r>
-            <a:endParaRPr lang="pt-PT" altLang="pt-BR" sz="1325" b="1" dirty="0">
-              <a:solidFill>
-                <a:schemeClr val="tx1"/>
-              </a:solidFill>
-              <a:latin typeface="Calibri" panose="020F0502020204030204" pitchFamily="34" charset="0"/>
-              <a:cs typeface="Simplon BP Regular"/>
-            </a:endParaRPr>
-          </a:p>
-          <a:p>
-            <a:pPr marL="252095" indent="-252095" fontAlgn="base">
-              <a:spcBef>
-                <a:spcPct val="0"/>
-              </a:spcBef>
-              <a:buFont typeface="Wingdings" panose="05000000000000000000" pitchFamily="2" charset="2"/>
-              <a:buChar char="ü"/>
-              <a:defRPr/>
-            </a:pPr>
-            <a:r>
-              <a:rPr lang="pt-PT" altLang="pt-BR" sz="1325" b="1" dirty="0">
-                <a:solidFill>
-                  <a:schemeClr val="tx1"/>
-                </a:solidFill>
-                <a:latin typeface="Calibri" panose="020F0502020204030204" pitchFamily="34" charset="0"/>
-                <a:cs typeface="Simplon BP Regular"/>
-              </a:rPr>
-              <a:t>Inicio do prótotipo de telas</a:t>
-            </a:r>
-            <a:endParaRPr lang="pt-PT" altLang="pt-BR" sz="1325" b="1" dirty="0">
-              <a:solidFill>
-                <a:schemeClr val="tx1"/>
-              </a:solidFill>
-              <a:latin typeface="Calibri" panose="020F0502020204030204" pitchFamily="34" charset="0"/>
-              <a:cs typeface="Simplon BP Regular"/>
-            </a:endParaRPr>
-          </a:p>
-          <a:p>
-            <a:pPr marL="252095" indent="-252095" fontAlgn="base">
-              <a:spcBef>
-                <a:spcPct val="0"/>
-              </a:spcBef>
-              <a:buFont typeface="Wingdings" panose="05000000000000000000" pitchFamily="2" charset="2"/>
-              <a:buChar char="ü"/>
-              <a:defRPr/>
-            </a:pPr>
             <a:endParaRPr lang="pt-BR" sz="1325" b="1" dirty="0">
               <a:solidFill>
                 <a:schemeClr val="tx1"/>
@@ -26676,13 +26642,6 @@
               </a:rPr>
               <a:t>Frente Negócios</a:t>
             </a:r>
-            <a:endParaRPr lang="pt-BR" sz="1400" b="1" dirty="0">
-              <a:solidFill>
-                <a:schemeClr val="tx1"/>
-              </a:solidFill>
-              <a:latin typeface="Calibri" panose="020F0502020204030204" pitchFamily="34" charset="0"/>
-              <a:cs typeface="Simplon BP Regular"/>
-            </a:endParaRPr>
           </a:p>
           <a:p>
             <a:pPr marL="252095" lvl="1" indent="-252095">
@@ -26698,29 +26657,6 @@
                 <a:cs typeface="Simplon BP Regular"/>
               </a:rPr>
               <a:t>Apresentação da sprint</a:t>
-            </a:r>
-            <a:endParaRPr lang="pt-PT" altLang="pt-BR" sz="1600" dirty="0">
-              <a:solidFill>
-                <a:schemeClr val="tx1"/>
-              </a:solidFill>
-              <a:latin typeface="Calibri" panose="020F0502020204030204" pitchFamily="34" charset="0"/>
-              <a:cs typeface="Simplon BP Regular"/>
-            </a:endParaRPr>
-          </a:p>
-          <a:p>
-            <a:pPr marL="252095" lvl="1" indent="-252095">
-              <a:buFont typeface="Wingdings" panose="05000000000000000000" pitchFamily="2" charset="2"/>
-              <a:buChar char="§"/>
-            </a:pPr>
-            <a:r>
-              <a:rPr lang="pt-PT" altLang="pt-BR" sz="1600" dirty="0">
-                <a:solidFill>
-                  <a:schemeClr val="tx1"/>
-                </a:solidFill>
-                <a:latin typeface="Calibri" panose="020F0502020204030204" pitchFamily="34" charset="0"/>
-                <a:cs typeface="Simplon BP Regular"/>
-              </a:rPr>
-              <a:t>Terminar a aplicação</a:t>
             </a:r>
             <a:endParaRPr lang="pt-BR" sz="1600" dirty="0">
               <a:solidFill>
@@ -26735,53 +26671,7 @@
               <a:buFont typeface="Wingdings" panose="05000000000000000000" pitchFamily="2" charset="2"/>
               <a:buChar char="§"/>
             </a:pPr>
-            <a:r>
-              <a:rPr lang="pt-PT" altLang="pt-BR" sz="1400" b="1" dirty="0">
-                <a:solidFill>
-                  <a:schemeClr val="tx1"/>
-                </a:solidFill>
-                <a:latin typeface="Calibri" panose="020F0502020204030204" pitchFamily="34" charset="0"/>
-                <a:cs typeface="Simplon BP Regular"/>
-              </a:rPr>
-              <a:t>Terminar os slides</a:t>
-            </a:r>
-            <a:endParaRPr lang="pt-PT" altLang="pt-BR" sz="1400" b="1" dirty="0">
-              <a:solidFill>
-                <a:schemeClr val="tx1"/>
-              </a:solidFill>
-              <a:latin typeface="Calibri" panose="020F0502020204030204" pitchFamily="34" charset="0"/>
-              <a:cs typeface="Simplon BP Regular"/>
-            </a:endParaRPr>
-          </a:p>
-          <a:p>
-            <a:pPr marL="252095" lvl="1" indent="-252095">
-              <a:buFont typeface="Wingdings" panose="05000000000000000000" pitchFamily="2" charset="2"/>
-              <a:buChar char="§"/>
-            </a:pPr>
-            <a:r>
-              <a:rPr lang="pt-PT" altLang="pt-BR" sz="1400" b="1" dirty="0">
-                <a:solidFill>
-                  <a:schemeClr val="tx1"/>
-                </a:solidFill>
-                <a:latin typeface="Calibri" panose="020F0502020204030204" pitchFamily="34" charset="0"/>
-                <a:cs typeface="Simplon BP Regular"/>
-              </a:rPr>
-              <a:t>Terminar o BPMN</a:t>
-            </a:r>
-            <a:endParaRPr lang="pt-PT" altLang="pt-BR" sz="1400" b="1" dirty="0">
-              <a:solidFill>
-                <a:schemeClr val="tx1"/>
-              </a:solidFill>
-              <a:latin typeface="Calibri" panose="020F0502020204030204" pitchFamily="34" charset="0"/>
-              <a:cs typeface="Simplon BP Regular"/>
-            </a:endParaRPr>
-          </a:p>
-          <a:p>
-            <a:pPr marL="252095" lvl="1" indent="-252095">
-              <a:buFont typeface="Wingdings" panose="05000000000000000000" pitchFamily="2" charset="2"/>
-              <a:buChar char="§"/>
-            </a:pPr>
-            <a:endParaRPr lang="pt-PT" altLang="pt-BR" sz="1400" b="1" dirty="0">
+            <a:endParaRPr lang="pt-BR" sz="1400" b="1" dirty="0">
               <a:solidFill>
                 <a:schemeClr val="tx1"/>
               </a:solidFill>
@@ -26904,12 +26794,6 @@
               </a:rPr>
               <a:t>Negócios</a:t>
             </a:r>
-            <a:endParaRPr lang="pt-BR" sz="1175" b="0" dirty="0">
-              <a:solidFill>
-                <a:prstClr val="black"/>
-              </a:solidFill>
-              <a:latin typeface="Simplon BP Bold" pitchFamily="2" charset="0"/>
-            </a:endParaRPr>
           </a:p>
         </p:txBody>
       </p:sp>
@@ -27082,12 +26966,6 @@
               </a:rPr>
               <a:t>Plataforma</a:t>
             </a:r>
-            <a:endParaRPr lang="pt-BR" sz="1175" b="0" dirty="0">
-              <a:solidFill>
-                <a:prstClr val="black"/>
-              </a:solidFill>
-              <a:latin typeface="Simplon BP Bold" pitchFamily="2" charset="0"/>
-            </a:endParaRPr>
           </a:p>
         </p:txBody>
       </p:sp>
@@ -27204,12 +27082,6 @@
               </a:rPr>
               <a:t>Back</a:t>
             </a:r>
-            <a:endParaRPr lang="pt-BR" sz="1175" b="0" dirty="0">
-              <a:solidFill>
-                <a:prstClr val="black"/>
-              </a:solidFill>
-              <a:latin typeface="Simplon BP Bold" pitchFamily="2" charset="0"/>
-            </a:endParaRPr>
           </a:p>
         </p:txBody>
       </p:sp>
@@ -27326,12 +27198,6 @@
               </a:rPr>
               <a:t>Front</a:t>
             </a:r>
-            <a:endParaRPr lang="pt-BR" sz="1175" b="0" dirty="0">
-              <a:solidFill>
-                <a:prstClr val="black"/>
-              </a:solidFill>
-              <a:latin typeface="Simplon BP Bold" pitchFamily="2" charset="0"/>
-            </a:endParaRPr>
           </a:p>
         </p:txBody>
       </p:sp>
@@ -27352,7 +27218,7 @@
             <a:avLst/>
           </a:prstGeom>
           <a:solidFill>
-            <a:srgbClr val="00B050"/>
+            <a:srgbClr val="1BCF13"/>
           </a:solidFill>
           <a:ln w="12700">
             <a:solidFill>
@@ -27880,6 +27746,1475 @@
               </a:rPr>
               <a:t>   </a:t>
             </a:r>
+          </a:p>
+        </p:txBody>
+      </p:sp>
+      <p:sp>
+        <p:nvSpPr>
+          <p:cNvPr id="4" name="Oval 3"/>
+          <p:cNvSpPr/>
+          <p:nvPr/>
+        </p:nvSpPr>
+        <p:spPr>
+          <a:xfrm>
+            <a:off x="9221470" y="293370"/>
+            <a:ext cx="215900" cy="215900"/>
+          </a:xfrm>
+          <a:prstGeom prst="ellipse">
+            <a:avLst/>
+          </a:prstGeom>
+          <a:solidFill>
+            <a:srgbClr val="00B050"/>
+          </a:solidFill>
+          <a:ln>
+            <a:solidFill>
+              <a:srgbClr val="FFFF00"/>
+            </a:solidFill>
+          </a:ln>
+        </p:spPr>
+        <p:style>
+          <a:lnRef idx="2">
+            <a:schemeClr val="accent2">
+              <a:shade val="50000"/>
+            </a:schemeClr>
+          </a:lnRef>
+          <a:fillRef idx="1">
+            <a:schemeClr val="accent2"/>
+          </a:fillRef>
+          <a:effectRef idx="0">
+            <a:schemeClr val="accent2"/>
+          </a:effectRef>
+          <a:fontRef idx="minor">
+            <a:schemeClr val="lt1"/>
+          </a:fontRef>
+        </p:style>
+        <p:txBody>
+          <a:bodyPr rtlCol="0" anchor="ctr"/>
+          <a:lstStyle/>
+          <a:p>
+            <a:pPr algn="ctr"/>
+            <a:endParaRPr lang="en-US"/>
+          </a:p>
+        </p:txBody>
+      </p:sp>
+      <p:sp>
+        <p:nvSpPr>
+          <p:cNvPr id="5" name="Oval 4"/>
+          <p:cNvSpPr/>
+          <p:nvPr/>
+        </p:nvSpPr>
+        <p:spPr>
+          <a:xfrm>
+            <a:off x="10196195" y="283845"/>
+            <a:ext cx="215900" cy="215900"/>
+          </a:xfrm>
+          <a:prstGeom prst="ellipse">
+            <a:avLst/>
+          </a:prstGeom>
+          <a:solidFill>
+            <a:srgbClr val="00B050"/>
+          </a:solidFill>
+          <a:ln>
+            <a:solidFill>
+              <a:srgbClr val="FFFF00"/>
+            </a:solidFill>
+          </a:ln>
+        </p:spPr>
+        <p:style>
+          <a:lnRef idx="2">
+            <a:schemeClr val="accent2">
+              <a:shade val="50000"/>
+            </a:schemeClr>
+          </a:lnRef>
+          <a:fillRef idx="1">
+            <a:schemeClr val="accent2"/>
+          </a:fillRef>
+          <a:effectRef idx="0">
+            <a:schemeClr val="accent2"/>
+          </a:effectRef>
+          <a:fontRef idx="minor">
+            <a:schemeClr val="lt1"/>
+          </a:fontRef>
+        </p:style>
+        <p:txBody>
+          <a:bodyPr rtlCol="0" anchor="ctr"/>
+          <a:lstStyle/>
+          <a:p>
+            <a:pPr algn="ctr"/>
+            <a:endParaRPr lang="en-US"/>
+          </a:p>
+        </p:txBody>
+      </p:sp>
+      <p:sp>
+        <p:nvSpPr>
+          <p:cNvPr id="6" name="Oval 5"/>
+          <p:cNvSpPr/>
+          <p:nvPr/>
+        </p:nvSpPr>
+        <p:spPr>
+          <a:xfrm>
+            <a:off x="11189335" y="297815"/>
+            <a:ext cx="215900" cy="215900"/>
+          </a:xfrm>
+          <a:prstGeom prst="ellipse">
+            <a:avLst/>
+          </a:prstGeom>
+          <a:solidFill>
+            <a:srgbClr val="00B050"/>
+          </a:solidFill>
+          <a:ln>
+            <a:solidFill>
+              <a:srgbClr val="FFFF00"/>
+            </a:solidFill>
+          </a:ln>
+        </p:spPr>
+        <p:style>
+          <a:lnRef idx="2">
+            <a:schemeClr val="accent2">
+              <a:shade val="50000"/>
+            </a:schemeClr>
+          </a:lnRef>
+          <a:fillRef idx="1">
+            <a:schemeClr val="accent2"/>
+          </a:fillRef>
+          <a:effectRef idx="0">
+            <a:schemeClr val="accent2"/>
+          </a:effectRef>
+          <a:fontRef idx="minor">
+            <a:schemeClr val="lt1"/>
+          </a:fontRef>
+        </p:style>
+        <p:txBody>
+          <a:bodyPr rtlCol="0" anchor="ctr"/>
+          <a:lstStyle/>
+          <a:p>
+            <a:pPr algn="ctr"/>
+            <a:endParaRPr lang="en-US"/>
+          </a:p>
+        </p:txBody>
+      </p:sp>
+      <p:sp>
+        <p:nvSpPr>
+          <p:cNvPr id="7" name="Oval 6"/>
+          <p:cNvSpPr/>
+          <p:nvPr/>
+        </p:nvSpPr>
+        <p:spPr>
+          <a:xfrm>
+            <a:off x="12155805" y="297815"/>
+            <a:ext cx="215900" cy="215900"/>
+          </a:xfrm>
+          <a:prstGeom prst="ellipse">
+            <a:avLst/>
+          </a:prstGeom>
+          <a:solidFill>
+            <a:srgbClr val="00B050"/>
+          </a:solidFill>
+          <a:ln>
+            <a:solidFill>
+              <a:srgbClr val="FFFF00"/>
+            </a:solidFill>
+          </a:ln>
+        </p:spPr>
+        <p:style>
+          <a:lnRef idx="2">
+            <a:schemeClr val="accent2">
+              <a:shade val="50000"/>
+            </a:schemeClr>
+          </a:lnRef>
+          <a:fillRef idx="1">
+            <a:schemeClr val="accent2"/>
+          </a:fillRef>
+          <a:effectRef idx="0">
+            <a:schemeClr val="accent2"/>
+          </a:effectRef>
+          <a:fontRef idx="minor">
+            <a:schemeClr val="lt1"/>
+          </a:fontRef>
+        </p:style>
+        <p:txBody>
+          <a:bodyPr rtlCol="0" anchor="ctr"/>
+          <a:lstStyle/>
+          <a:p>
+            <a:pPr algn="ctr"/>
+            <a:endParaRPr lang="en-US"/>
+          </a:p>
+        </p:txBody>
+      </p:sp>
+    </p:spTree>
+  </p:cSld>
+  <p:clrMapOvr>
+    <a:masterClrMapping/>
+  </p:clrMapOvr>
+</p:sld>
+</file>
+
+<file path=ppt/slides/slide7.xml><?xml version="1.0" encoding="utf-8"?>
+<p:sld xmlns:a="http://schemas.openxmlformats.org/drawingml/2006/main" xmlns:r="http://schemas.openxmlformats.org/officeDocument/2006/relationships" xmlns:p="http://schemas.openxmlformats.org/presentationml/2006/main">
+  <p:cSld>
+    <p:spTree>
+      <p:nvGrpSpPr>
+        <p:cNvPr id="1" name=""/>
+        <p:cNvGrpSpPr/>
+        <p:nvPr/>
+      </p:nvGrpSpPr>
+      <p:grpSpPr>
+        <a:xfrm>
+          <a:off x="0" y="0"/>
+          <a:ext cx="0" cy="0"/>
+          <a:chOff x="0" y="0"/>
+          <a:chExt cx="0" cy="0"/>
+        </a:xfrm>
+      </p:grpSpPr>
+      <p:sp>
+        <p:nvSpPr>
+          <p:cNvPr id="43" name="Rectangle 42"/>
+          <p:cNvSpPr/>
+          <p:nvPr/>
+        </p:nvSpPr>
+        <p:spPr>
+          <a:xfrm>
+            <a:off x="6804883" y="1106495"/>
+            <a:ext cx="6209639" cy="2235805"/>
+          </a:xfrm>
+          <a:prstGeom prst="rect">
+            <a:avLst/>
+          </a:prstGeom>
+          <a:noFill/>
+          <a:ln w="12700">
+            <a:solidFill>
+              <a:schemeClr val="bg1">
+                <a:lumMod val="50000"/>
+              </a:schemeClr>
+            </a:solidFill>
+          </a:ln>
+        </p:spPr>
+        <p:style>
+          <a:lnRef idx="2">
+            <a:schemeClr val="accent4"/>
+          </a:lnRef>
+          <a:fillRef idx="1">
+            <a:schemeClr val="lt1"/>
+          </a:fillRef>
+          <a:effectRef idx="0">
+            <a:schemeClr val="accent4"/>
+          </a:effectRef>
+          <a:fontRef idx="minor">
+            <a:schemeClr val="dk1"/>
+          </a:fontRef>
+        </p:style>
+        <p:txBody>
+          <a:bodyPr tIns="105844" rtlCol="0" anchor="t"/>
+          <a:lstStyle/>
+          <a:p>
+            <a:pPr defTabSz="671830">
+              <a:spcAft>
+                <a:spcPts val="880"/>
+              </a:spcAft>
+            </a:pPr>
+            <a:endParaRPr lang="pt-BR" sz="1470" dirty="0">
+              <a:solidFill>
+                <a:schemeClr val="tx1"/>
+              </a:solidFill>
+              <a:latin typeface="Calibri" panose="020F0502020204030204" pitchFamily="34" charset="0"/>
+              <a:cs typeface="Simplon BP Regular"/>
+            </a:endParaRPr>
+          </a:p>
+        </p:txBody>
+      </p:sp>
+      <p:sp>
+        <p:nvSpPr>
+          <p:cNvPr id="3" name="Title 2"/>
+          <p:cNvSpPr>
+            <a:spLocks noGrp="1"/>
+          </p:cNvSpPr>
+          <p:nvPr>
+            <p:ph type="title"/>
+          </p:nvPr>
+        </p:nvSpPr>
+        <p:spPr>
+          <a:xfrm>
+            <a:off x="469692" y="185232"/>
+            <a:ext cx="12098020" cy="800352"/>
+          </a:xfrm>
+        </p:spPr>
+        <p:txBody>
+          <a:bodyPr vert="horz" wrap="square" lIns="105844" tIns="0" rIns="105844" bIns="0" numCol="1" anchor="t" anchorCtr="0" compatLnSpc="1">
+            <a:noAutofit/>
+          </a:bodyPr>
+          <a:lstStyle/>
+          <a:p>
+            <a:pPr algn="l">
+              <a:spcAft>
+                <a:spcPts val="880"/>
+              </a:spcAft>
+            </a:pPr>
+            <a:r>
+              <a:rPr lang="en-US" sz="2645" dirty="0">
+                <a:solidFill>
+                  <a:prstClr val="black"/>
+                </a:solidFill>
+                <a:latin typeface="Simplon Oi Headline"/>
+                <a:cs typeface="Simplon Oi Headline"/>
+              </a:rPr>
+              <a:t>SEMANA </a:t>
+            </a:r>
+            <a:r>
+              <a:rPr lang="pt-PT" sz="2645" dirty="0">
+                <a:solidFill>
+                  <a:prstClr val="black"/>
+                </a:solidFill>
+                <a:latin typeface="Simplon Oi Headline"/>
+                <a:cs typeface="Simplon Oi Headline"/>
+              </a:rPr>
+              <a:t>4</a:t>
+            </a:r>
+            <a:r>
+              <a:rPr lang="en-US" sz="2645" dirty="0">
+                <a:solidFill>
+                  <a:prstClr val="black"/>
+                </a:solidFill>
+                <a:latin typeface="Simplon Oi Headline"/>
+                <a:cs typeface="Simplon Oi Headline"/>
+              </a:rPr>
+              <a:t> - </a:t>
+            </a:r>
+            <a:r>
+              <a:rPr lang="pt-PT" altLang="en-US" sz="2645" dirty="0">
+                <a:solidFill>
+                  <a:prstClr val="black"/>
+                </a:solidFill>
+                <a:latin typeface="Simplon Oi Headline"/>
+                <a:cs typeface="Simplon Oi Headline"/>
+              </a:rPr>
+              <a:t>09</a:t>
+            </a:r>
+            <a:r>
+              <a:rPr lang="en-US" sz="2645" dirty="0">
+                <a:solidFill>
+                  <a:prstClr val="black"/>
+                </a:solidFill>
+                <a:latin typeface="Simplon Oi Headline"/>
+                <a:cs typeface="Simplon Oi Headline"/>
+              </a:rPr>
+              <a:t>/0</a:t>
+            </a:r>
+            <a:r>
+              <a:rPr lang="pt-PT" altLang="en-US" sz="2645" dirty="0">
+                <a:solidFill>
+                  <a:prstClr val="black"/>
+                </a:solidFill>
+                <a:latin typeface="Simplon Oi Headline"/>
+                <a:cs typeface="Simplon Oi Headline"/>
+              </a:rPr>
+              <a:t>9</a:t>
+            </a:r>
+            <a:r>
+              <a:rPr lang="en-US" sz="2645" dirty="0">
+                <a:solidFill>
+                  <a:prstClr val="black"/>
+                </a:solidFill>
+                <a:latin typeface="Simplon Oi Headline"/>
+                <a:cs typeface="Simplon Oi Headline"/>
+              </a:rPr>
+              <a:t>/2021</a:t>
+            </a:r>
+          </a:p>
+        </p:txBody>
+      </p:sp>
+      <p:sp>
+        <p:nvSpPr>
+          <p:cNvPr id="64" name="Retângulo 63"/>
+          <p:cNvSpPr/>
+          <p:nvPr/>
+        </p:nvSpPr>
+        <p:spPr>
+          <a:xfrm>
+            <a:off x="512766" y="868345"/>
+            <a:ext cx="6186608" cy="238150"/>
+          </a:xfrm>
+          <a:prstGeom prst="rect">
+            <a:avLst/>
+          </a:prstGeom>
+          <a:solidFill>
+            <a:schemeClr val="bg1">
+              <a:lumMod val="85000"/>
+            </a:schemeClr>
+          </a:solidFill>
+        </p:spPr>
+        <p:txBody>
+          <a:bodyPr vert="horz" lIns="134422" tIns="67211" rIns="134422" bIns="67211" rtlCol="0" anchor="ctr"/>
+          <a:lstStyle/>
+          <a:p>
+            <a:pPr defTabSz="671830"/>
+            <a:r>
+              <a:rPr lang="en-US" sz="1545" dirty="0">
+                <a:latin typeface="Simplon Oi Headline" charset="0"/>
+                <a:ea typeface="Simplon Oi Headline" charset="0"/>
+                <a:cs typeface="Simplon Oi Headline" charset="0"/>
+              </a:rPr>
+              <a:t>PROGRESSOS</a:t>
+            </a:r>
+            <a:endParaRPr lang="pt-BR" sz="1545" dirty="0">
+              <a:latin typeface="Simplon Oi Headline" charset="0"/>
+              <a:ea typeface="Simplon Oi Headline" charset="0"/>
+              <a:cs typeface="Simplon Oi Headline" charset="0"/>
+            </a:endParaRPr>
+          </a:p>
+        </p:txBody>
+      </p:sp>
+      <p:sp>
+        <p:nvSpPr>
+          <p:cNvPr id="65" name="Retângulo 64"/>
+          <p:cNvSpPr/>
+          <p:nvPr/>
+        </p:nvSpPr>
+        <p:spPr>
+          <a:xfrm>
+            <a:off x="6814576" y="868345"/>
+            <a:ext cx="6194715" cy="238150"/>
+          </a:xfrm>
+          <a:prstGeom prst="rect">
+            <a:avLst/>
+          </a:prstGeom>
+          <a:solidFill>
+            <a:schemeClr val="bg1">
+              <a:lumMod val="85000"/>
+            </a:schemeClr>
+          </a:solidFill>
+        </p:spPr>
+        <p:txBody>
+          <a:bodyPr vert="horz" lIns="134422" tIns="67211" rIns="134422" bIns="67211" rtlCol="0" anchor="ctr"/>
+          <a:lstStyle/>
+          <a:p>
+            <a:pPr defTabSz="671830"/>
+            <a:r>
+              <a:rPr lang="pt-BR" sz="1545" dirty="0">
+                <a:latin typeface="Simplon Oi Headline" charset="0"/>
+                <a:ea typeface="Simplon Oi Headline" charset="0"/>
+                <a:cs typeface="Simplon Oi Headline" charset="0"/>
+              </a:rPr>
+              <a:t>Pontos atenção/ Principais Riscos</a:t>
+            </a:r>
+          </a:p>
+        </p:txBody>
+      </p:sp>
+      <p:sp>
+        <p:nvSpPr>
+          <p:cNvPr id="66" name="Retângulo 65"/>
+          <p:cNvSpPr/>
+          <p:nvPr/>
+        </p:nvSpPr>
+        <p:spPr>
+          <a:xfrm>
+            <a:off x="507536" y="3418875"/>
+            <a:ext cx="12505521" cy="238150"/>
+          </a:xfrm>
+          <a:prstGeom prst="rect">
+            <a:avLst/>
+          </a:prstGeom>
+          <a:solidFill>
+            <a:schemeClr val="bg1">
+              <a:lumMod val="85000"/>
+            </a:schemeClr>
+          </a:solidFill>
+        </p:spPr>
+        <p:txBody>
+          <a:bodyPr vert="horz" lIns="134422" tIns="67211" rIns="134422" bIns="67211" rtlCol="0" anchor="ctr"/>
+          <a:lstStyle/>
+          <a:p>
+            <a:pPr defTabSz="671830"/>
+            <a:r>
+              <a:rPr lang="pt-BR" sz="1545" dirty="0">
+                <a:latin typeface="Simplon Oi Headline" charset="0"/>
+                <a:ea typeface="Simplon Oi Headline" charset="0"/>
+                <a:cs typeface="Simplon Oi Headline" charset="0"/>
+              </a:rPr>
+              <a:t>Próximos Passos/ Decisões a tomar</a:t>
+            </a:r>
+          </a:p>
+        </p:txBody>
+      </p:sp>
+      <p:sp>
+        <p:nvSpPr>
+          <p:cNvPr id="63" name="Rectangle 37"/>
+          <p:cNvSpPr/>
+          <p:nvPr/>
+        </p:nvSpPr>
+        <p:spPr>
+          <a:xfrm>
+            <a:off x="492320" y="1106495"/>
+            <a:ext cx="6207777" cy="2235805"/>
+          </a:xfrm>
+          <a:prstGeom prst="rect">
+            <a:avLst/>
+          </a:prstGeom>
+          <a:noFill/>
+          <a:ln w="12700">
+            <a:solidFill>
+              <a:schemeClr val="bg1">
+                <a:lumMod val="50000"/>
+              </a:schemeClr>
+            </a:solidFill>
+          </a:ln>
+        </p:spPr>
+        <p:style>
+          <a:lnRef idx="2">
+            <a:schemeClr val="accent4"/>
+          </a:lnRef>
+          <a:fillRef idx="1">
+            <a:schemeClr val="lt1"/>
+          </a:fillRef>
+          <a:effectRef idx="0">
+            <a:schemeClr val="accent4"/>
+          </a:effectRef>
+          <a:fontRef idx="minor">
+            <a:schemeClr val="dk1"/>
+          </a:fontRef>
+        </p:style>
+        <p:txBody>
+          <a:bodyPr tIns="105844" rtlCol="0" anchor="t"/>
+          <a:lstStyle/>
+          <a:p>
+            <a:pPr marL="252095" indent="-252095" fontAlgn="base">
+              <a:spcBef>
+                <a:spcPct val="0"/>
+              </a:spcBef>
+              <a:buFont typeface="Wingdings" panose="05000000000000000000" pitchFamily="2" charset="2"/>
+              <a:buChar char="ü"/>
+              <a:defRPr/>
+            </a:pPr>
+            <a:r>
+              <a:rPr lang="pt-PT" altLang="pt-BR" sz="1325" b="1" dirty="0">
+                <a:solidFill>
+                  <a:schemeClr val="tx1"/>
+                </a:solidFill>
+                <a:latin typeface="Calibri" panose="020F0502020204030204" pitchFamily="34" charset="0"/>
+                <a:cs typeface="Simplon BP Regular"/>
+              </a:rPr>
+              <a:t>Storyboard finalizado </a:t>
+            </a:r>
+          </a:p>
+          <a:p>
+            <a:pPr marL="252095" indent="-252095" fontAlgn="base">
+              <a:spcBef>
+                <a:spcPct val="0"/>
+              </a:spcBef>
+              <a:buFont typeface="Wingdings" panose="05000000000000000000" pitchFamily="2" charset="2"/>
+              <a:buChar char="ü"/>
+              <a:defRPr/>
+            </a:pPr>
+            <a:r>
+              <a:rPr lang="pt-PT" altLang="pt-BR" sz="1325" b="1" dirty="0">
+                <a:solidFill>
+                  <a:schemeClr val="tx1"/>
+                </a:solidFill>
+                <a:latin typeface="Calibri" panose="020F0502020204030204" pitchFamily="34" charset="0"/>
+                <a:cs typeface="Simplon BP Regular"/>
+              </a:rPr>
+              <a:t>jornada do usuario</a:t>
+            </a:r>
+          </a:p>
+          <a:p>
+            <a:pPr marL="252095" indent="-252095" fontAlgn="base">
+              <a:spcBef>
+                <a:spcPct val="0"/>
+              </a:spcBef>
+              <a:buFont typeface="Wingdings" panose="05000000000000000000" pitchFamily="2" charset="2"/>
+              <a:buChar char="ü"/>
+              <a:defRPr/>
+            </a:pPr>
+            <a:r>
+              <a:rPr lang="pt-PT" altLang="pt-BR" sz="1325" b="1" dirty="0">
+                <a:solidFill>
+                  <a:schemeClr val="tx1"/>
+                </a:solidFill>
+                <a:latin typeface="Calibri" panose="020F0502020204030204" pitchFamily="34" charset="0"/>
+                <a:cs typeface="Simplon BP Regular"/>
+              </a:rPr>
+              <a:t>Slide</a:t>
+            </a:r>
+          </a:p>
+          <a:p>
+            <a:pPr marL="252095" indent="-252095" fontAlgn="base">
+              <a:spcBef>
+                <a:spcPct val="0"/>
+              </a:spcBef>
+              <a:buFont typeface="Wingdings" panose="05000000000000000000" pitchFamily="2" charset="2"/>
+              <a:buChar char="ü"/>
+              <a:defRPr/>
+            </a:pPr>
+            <a:r>
+              <a:rPr lang="pt-PT" sz="1325" b="1" dirty="0">
+                <a:solidFill>
+                  <a:schemeClr val="tx1"/>
+                </a:solidFill>
+                <a:latin typeface="Calibri" panose="020F0502020204030204" pitchFamily="34" charset="0"/>
+                <a:cs typeface="Simplon BP Regular"/>
+              </a:rPr>
+              <a:t>Conclusão do diagrama de classes</a:t>
+            </a:r>
+            <a:endParaRPr lang="pt-BR" sz="1325" b="1" dirty="0">
+              <a:solidFill>
+                <a:schemeClr val="tx1"/>
+              </a:solidFill>
+              <a:latin typeface="Calibri" panose="020F0502020204030204" pitchFamily="34" charset="0"/>
+              <a:cs typeface="Simplon BP Regular"/>
+            </a:endParaRPr>
+          </a:p>
+          <a:p>
+            <a:pPr marL="252095" lvl="1" indent="-252095" fontAlgn="base">
+              <a:spcBef>
+                <a:spcPct val="0"/>
+              </a:spcBef>
+              <a:buFont typeface="Wingdings" panose="05000000000000000000" pitchFamily="2" charset="2"/>
+              <a:buChar char="ü"/>
+              <a:defRPr/>
+            </a:pPr>
+            <a:r>
+              <a:rPr lang="pt-BR" sz="1325" b="1">
+                <a:solidFill>
+                  <a:schemeClr val="tx1"/>
+                </a:solidFill>
+                <a:latin typeface="Calibri" panose="020F0502020204030204" pitchFamily="34" charset="0"/>
+                <a:cs typeface="Simplon BP Regular"/>
+              </a:rPr>
+              <a:t>BPMN</a:t>
+            </a:r>
+            <a:endParaRPr lang="pt-BR" sz="1325" b="1" dirty="0">
+              <a:solidFill>
+                <a:schemeClr val="tx1"/>
+              </a:solidFill>
+              <a:latin typeface="Calibri" panose="020F0502020204030204" pitchFamily="34" charset="0"/>
+              <a:cs typeface="Simplon BP Regular"/>
+            </a:endParaRPr>
+          </a:p>
+          <a:p>
+            <a:pPr marL="252095" indent="-252095" fontAlgn="base">
+              <a:spcBef>
+                <a:spcPct val="0"/>
+              </a:spcBef>
+              <a:buFont typeface="Wingdings" panose="05000000000000000000" pitchFamily="2" charset="2"/>
+              <a:buChar char="ü"/>
+              <a:defRPr/>
+            </a:pPr>
+            <a:endParaRPr lang="pt-BR" sz="1325" b="1" dirty="0">
+              <a:solidFill>
+                <a:schemeClr val="tx1"/>
+              </a:solidFill>
+              <a:latin typeface="Calibri" panose="020F0502020204030204" pitchFamily="34" charset="0"/>
+              <a:cs typeface="Simplon BP Regular"/>
+            </a:endParaRPr>
+          </a:p>
+          <a:p>
+            <a:pPr marL="252095" indent="-252095" fontAlgn="base">
+              <a:spcBef>
+                <a:spcPct val="0"/>
+              </a:spcBef>
+              <a:buFont typeface="Wingdings" panose="05000000000000000000" pitchFamily="2" charset="2"/>
+              <a:buChar char="ü"/>
+              <a:defRPr/>
+            </a:pPr>
+            <a:endParaRPr lang="pt-BR" sz="1325" b="1" dirty="0">
+              <a:solidFill>
+                <a:schemeClr val="tx1"/>
+              </a:solidFill>
+              <a:latin typeface="Calibri" panose="020F0502020204030204" pitchFamily="34" charset="0"/>
+              <a:cs typeface="Simplon BP Regular"/>
+            </a:endParaRPr>
+          </a:p>
+        </p:txBody>
+      </p:sp>
+      <p:sp>
+        <p:nvSpPr>
+          <p:cNvPr id="2" name="Rectangle 43"/>
+          <p:cNvSpPr/>
+          <p:nvPr/>
+        </p:nvSpPr>
+        <p:spPr>
+          <a:xfrm>
+            <a:off x="512766" y="3728204"/>
+            <a:ext cx="12496524" cy="3581485"/>
+          </a:xfrm>
+          <a:prstGeom prst="rect">
+            <a:avLst/>
+          </a:prstGeom>
+          <a:noFill/>
+          <a:ln w="12700">
+            <a:solidFill>
+              <a:schemeClr val="bg1">
+                <a:lumMod val="50000"/>
+              </a:schemeClr>
+            </a:solidFill>
+          </a:ln>
+        </p:spPr>
+        <p:style>
+          <a:lnRef idx="2">
+            <a:schemeClr val="accent4"/>
+          </a:lnRef>
+          <a:fillRef idx="1">
+            <a:schemeClr val="lt1"/>
+          </a:fillRef>
+          <a:effectRef idx="0">
+            <a:schemeClr val="accent4"/>
+          </a:effectRef>
+          <a:fontRef idx="minor">
+            <a:schemeClr val="dk1"/>
+          </a:fontRef>
+        </p:style>
+        <p:txBody>
+          <a:bodyPr wrap="square" tIns="105844" numCol="3" rtlCol="0" anchor="ctr"/>
+          <a:lstStyle/>
+          <a:p>
+            <a:pPr marL="0" lvl="1" defTabSz="671830"/>
+            <a:endParaRPr lang="pt-BR" sz="1600" b="1" dirty="0">
+              <a:solidFill>
+                <a:schemeClr val="tx1"/>
+              </a:solidFill>
+              <a:latin typeface="Calibri" panose="020F0502020204030204" pitchFamily="34" charset="0"/>
+              <a:cs typeface="Simplon BP Regular"/>
+            </a:endParaRPr>
+          </a:p>
+          <a:p>
+            <a:pPr marL="0" lvl="1" defTabSz="671830"/>
+            <a:r>
+              <a:rPr lang="pt-BR" sz="1400" b="1" dirty="0">
+                <a:solidFill>
+                  <a:schemeClr val="tx1"/>
+                </a:solidFill>
+                <a:latin typeface="Calibri" panose="020F0502020204030204" pitchFamily="34" charset="0"/>
+                <a:cs typeface="Simplon BP Regular"/>
+              </a:rPr>
+              <a:t>Frente Negócios</a:t>
+            </a:r>
+          </a:p>
+          <a:p>
+            <a:pPr marL="252095" lvl="1" indent="-252095">
+              <a:buFont typeface="Wingdings" panose="05000000000000000000" pitchFamily="2" charset="2"/>
+              <a:buChar char="§"/>
+            </a:pPr>
+            <a:r>
+              <a:rPr lang="pt-PT" altLang="pt-BR" sz="1600" dirty="0">
+                <a:solidFill>
+                  <a:schemeClr val="tx1"/>
+                </a:solidFill>
+                <a:latin typeface="Calibri" panose="020F0502020204030204" pitchFamily="34" charset="0"/>
+                <a:cs typeface="Simplon BP Regular"/>
+              </a:rPr>
+              <a:t>Apresentação da sprint</a:t>
+            </a:r>
+            <a:endParaRPr lang="pt-BR" sz="1600" dirty="0">
+              <a:solidFill>
+                <a:schemeClr val="tx1"/>
+              </a:solidFill>
+              <a:latin typeface="Calibri" panose="020F0502020204030204" pitchFamily="34" charset="0"/>
+              <a:cs typeface="Simplon BP Regular"/>
+            </a:endParaRPr>
+          </a:p>
+          <a:p>
+            <a:pPr marL="252095" lvl="1" indent="-252095">
+              <a:buFont typeface="Wingdings" panose="05000000000000000000" pitchFamily="2" charset="2"/>
+              <a:buChar char="§"/>
+            </a:pPr>
+            <a:endParaRPr lang="pt-BR" sz="1400" b="1" dirty="0">
+              <a:solidFill>
+                <a:schemeClr val="tx1"/>
+              </a:solidFill>
+              <a:latin typeface="Calibri" panose="020F0502020204030204" pitchFamily="34" charset="0"/>
+              <a:cs typeface="Simplon BP Regular"/>
+            </a:endParaRPr>
+          </a:p>
+        </p:txBody>
+      </p:sp>
+      <p:sp>
+        <p:nvSpPr>
+          <p:cNvPr id="44" name="TextBox 118"/>
+          <p:cNvSpPr txBox="1"/>
+          <p:nvPr/>
+        </p:nvSpPr>
+        <p:spPr>
+          <a:xfrm>
+            <a:off x="11822773" y="576471"/>
+            <a:ext cx="899678" cy="179824"/>
+          </a:xfrm>
+          <a:prstGeom prst="rect">
+            <a:avLst/>
+          </a:prstGeom>
+          <a:noFill/>
+          <a:ln w="12700">
+            <a:noFill/>
+          </a:ln>
+        </p:spPr>
+        <p:style>
+          <a:lnRef idx="2">
+            <a:schemeClr val="accent4"/>
+          </a:lnRef>
+          <a:fillRef idx="1">
+            <a:schemeClr val="lt1"/>
+          </a:fillRef>
+          <a:effectRef idx="0">
+            <a:schemeClr val="accent4"/>
+          </a:effectRef>
+          <a:fontRef idx="minor">
+            <a:schemeClr val="dk1"/>
+          </a:fontRef>
+        </p:style>
+        <p:txBody>
+          <a:bodyPr wrap="none" lIns="52922" tIns="52922" rIns="52922" bIns="0" rtlCol="0" anchor="b"/>
+          <a:lstStyle>
+            <a:defPPr>
+              <a:defRPr lang="en-US"/>
+            </a:defPPr>
+            <a:lvl1pPr algn="ctr">
+              <a:defRPr sz="1000" b="1">
+                <a:latin typeface="Simplon BP Regular"/>
+                <a:cs typeface="Simplon BP Regular"/>
+              </a:defRPr>
+            </a:lvl1pPr>
+            <a:lvl2pPr>
+              <a:defRPr>
+                <a:solidFill>
+                  <a:schemeClr val="dk1"/>
+                </a:solidFill>
+              </a:defRPr>
+            </a:lvl2pPr>
+            <a:lvl3pPr>
+              <a:defRPr>
+                <a:solidFill>
+                  <a:schemeClr val="dk1"/>
+                </a:solidFill>
+              </a:defRPr>
+            </a:lvl3pPr>
+            <a:lvl4pPr>
+              <a:defRPr>
+                <a:solidFill>
+                  <a:schemeClr val="dk1"/>
+                </a:solidFill>
+              </a:defRPr>
+            </a:lvl4pPr>
+            <a:lvl5pPr>
+              <a:defRPr>
+                <a:solidFill>
+                  <a:schemeClr val="dk1"/>
+                </a:solidFill>
+              </a:defRPr>
+            </a:lvl5pPr>
+            <a:lvl6pPr>
+              <a:defRPr>
+                <a:solidFill>
+                  <a:schemeClr val="dk1"/>
+                </a:solidFill>
+              </a:defRPr>
+            </a:lvl6pPr>
+            <a:lvl7pPr>
+              <a:defRPr>
+                <a:solidFill>
+                  <a:schemeClr val="dk1"/>
+                </a:solidFill>
+              </a:defRPr>
+            </a:lvl7pPr>
+            <a:lvl8pPr>
+              <a:defRPr>
+                <a:solidFill>
+                  <a:schemeClr val="dk1"/>
+                </a:solidFill>
+              </a:defRPr>
+            </a:lvl8pPr>
+            <a:lvl9pPr>
+              <a:defRPr>
+                <a:solidFill>
+                  <a:schemeClr val="dk1"/>
+                </a:solidFill>
+              </a:defRPr>
+            </a:lvl9pPr>
+          </a:lstStyle>
+          <a:p>
+            <a:pPr defTabSz="671830"/>
+            <a:r>
+              <a:rPr lang="pt-BR" sz="1175" b="0" dirty="0">
+                <a:solidFill>
+                  <a:prstClr val="black"/>
+                </a:solidFill>
+                <a:latin typeface="Simplon BP Bold" pitchFamily="2" charset="0"/>
+              </a:rPr>
+              <a:t>Negócios</a:t>
+            </a:r>
+          </a:p>
+        </p:txBody>
+      </p:sp>
+      <p:sp>
+        <p:nvSpPr>
+          <p:cNvPr id="45" name="Oval 120"/>
+          <p:cNvSpPr>
+            <a:spLocks noChangeAspect="1"/>
+          </p:cNvSpPr>
+          <p:nvPr/>
+        </p:nvSpPr>
+        <p:spPr>
+          <a:xfrm>
+            <a:off x="11193898" y="297930"/>
+            <a:ext cx="211404" cy="211689"/>
+          </a:xfrm>
+          <a:prstGeom prst="ellipse">
+            <a:avLst/>
+          </a:prstGeom>
+          <a:solidFill>
+            <a:srgbClr val="00B050"/>
+          </a:solidFill>
+          <a:ln w="12700">
+            <a:solidFill>
+              <a:schemeClr val="accent3"/>
+            </a:solidFill>
+          </a:ln>
+        </p:spPr>
+        <p:style>
+          <a:lnRef idx="2">
+            <a:schemeClr val="accent1">
+              <a:shade val="50000"/>
+            </a:schemeClr>
+          </a:lnRef>
+          <a:fillRef idx="1">
+            <a:schemeClr val="accent1"/>
+          </a:fillRef>
+          <a:effectRef idx="0">
+            <a:schemeClr val="accent1"/>
+          </a:effectRef>
+          <a:fontRef idx="minor">
+            <a:schemeClr val="lt1"/>
+          </a:fontRef>
+        </p:style>
+        <p:txBody>
+          <a:bodyPr wrap="none" lIns="52922" tIns="52922" rIns="52922" rtlCol="0" anchor="ctr"/>
+          <a:lstStyle/>
+          <a:p>
+            <a:pPr algn="ctr" defTabSz="671830"/>
+            <a:endParaRPr lang="en-US" sz="1175" dirty="0">
+              <a:solidFill>
+                <a:prstClr val="black"/>
+              </a:solidFill>
+              <a:latin typeface="Simplon BP Regular"/>
+              <a:cs typeface="Simplon BP Regular"/>
+            </a:endParaRPr>
+          </a:p>
+        </p:txBody>
+      </p:sp>
+      <p:sp>
+        <p:nvSpPr>
+          <p:cNvPr id="46" name="TextBox 123"/>
+          <p:cNvSpPr txBox="1"/>
+          <p:nvPr/>
+        </p:nvSpPr>
+        <p:spPr>
+          <a:xfrm>
+            <a:off x="10852497" y="576471"/>
+            <a:ext cx="899678" cy="179824"/>
+          </a:xfrm>
+          <a:prstGeom prst="rect">
+            <a:avLst/>
+          </a:prstGeom>
+          <a:noFill/>
+          <a:ln w="12700">
+            <a:noFill/>
+          </a:ln>
+        </p:spPr>
+        <p:style>
+          <a:lnRef idx="2">
+            <a:schemeClr val="accent4"/>
+          </a:lnRef>
+          <a:fillRef idx="1">
+            <a:schemeClr val="lt1"/>
+          </a:fillRef>
+          <a:effectRef idx="0">
+            <a:schemeClr val="accent4"/>
+          </a:effectRef>
+          <a:fontRef idx="minor">
+            <a:schemeClr val="dk1"/>
+          </a:fontRef>
+        </p:style>
+        <p:txBody>
+          <a:bodyPr wrap="none" lIns="52922" tIns="52922" rIns="52922" bIns="0" rtlCol="0" anchor="b"/>
+          <a:lstStyle>
+            <a:defPPr>
+              <a:defRPr lang="en-US"/>
+            </a:defPPr>
+            <a:lvl1pPr algn="ctr">
+              <a:defRPr sz="1000" b="1">
+                <a:latin typeface="Simplon BP Regular"/>
+                <a:cs typeface="Simplon BP Regular"/>
+              </a:defRPr>
+            </a:lvl1pPr>
+            <a:lvl2pPr>
+              <a:defRPr>
+                <a:solidFill>
+                  <a:schemeClr val="dk1"/>
+                </a:solidFill>
+              </a:defRPr>
+            </a:lvl2pPr>
+            <a:lvl3pPr>
+              <a:defRPr>
+                <a:solidFill>
+                  <a:schemeClr val="dk1"/>
+                </a:solidFill>
+              </a:defRPr>
+            </a:lvl3pPr>
+            <a:lvl4pPr>
+              <a:defRPr>
+                <a:solidFill>
+                  <a:schemeClr val="dk1"/>
+                </a:solidFill>
+              </a:defRPr>
+            </a:lvl4pPr>
+            <a:lvl5pPr>
+              <a:defRPr>
+                <a:solidFill>
+                  <a:schemeClr val="dk1"/>
+                </a:solidFill>
+              </a:defRPr>
+            </a:lvl5pPr>
+            <a:lvl6pPr>
+              <a:defRPr>
+                <a:solidFill>
+                  <a:schemeClr val="dk1"/>
+                </a:solidFill>
+              </a:defRPr>
+            </a:lvl6pPr>
+            <a:lvl7pPr>
+              <a:defRPr>
+                <a:solidFill>
+                  <a:schemeClr val="dk1"/>
+                </a:solidFill>
+              </a:defRPr>
+            </a:lvl7pPr>
+            <a:lvl8pPr>
+              <a:defRPr>
+                <a:solidFill>
+                  <a:schemeClr val="dk1"/>
+                </a:solidFill>
+              </a:defRPr>
+            </a:lvl8pPr>
+            <a:lvl9pPr>
+              <a:defRPr>
+                <a:solidFill>
+                  <a:schemeClr val="dk1"/>
+                </a:solidFill>
+              </a:defRPr>
+            </a:lvl9pPr>
+          </a:lstStyle>
+          <a:p>
+            <a:pPr defTabSz="671830"/>
+            <a:r>
+              <a:rPr lang="pt-BR" sz="1175" b="0" dirty="0">
+                <a:solidFill>
+                  <a:prstClr val="black"/>
+                </a:solidFill>
+                <a:latin typeface="Simplon BP Bold" pitchFamily="2" charset="0"/>
+              </a:rPr>
+              <a:t>Plataforma</a:t>
+            </a:r>
+          </a:p>
+        </p:txBody>
+      </p:sp>
+      <p:sp>
+        <p:nvSpPr>
+          <p:cNvPr id="47" name="TextBox 128"/>
+          <p:cNvSpPr txBox="1"/>
+          <p:nvPr/>
+        </p:nvSpPr>
+        <p:spPr>
+          <a:xfrm>
+            <a:off x="9854245" y="576471"/>
+            <a:ext cx="899678" cy="179824"/>
+          </a:xfrm>
+          <a:prstGeom prst="rect">
+            <a:avLst/>
+          </a:prstGeom>
+          <a:noFill/>
+          <a:ln w="12700">
+            <a:noFill/>
+          </a:ln>
+        </p:spPr>
+        <p:style>
+          <a:lnRef idx="2">
+            <a:schemeClr val="accent4"/>
+          </a:lnRef>
+          <a:fillRef idx="1">
+            <a:schemeClr val="lt1"/>
+          </a:fillRef>
+          <a:effectRef idx="0">
+            <a:schemeClr val="accent4"/>
+          </a:effectRef>
+          <a:fontRef idx="minor">
+            <a:schemeClr val="dk1"/>
+          </a:fontRef>
+        </p:style>
+        <p:txBody>
+          <a:bodyPr wrap="none" lIns="52922" tIns="52922" rIns="52922" bIns="0" rtlCol="0" anchor="b"/>
+          <a:lstStyle>
+            <a:defPPr>
+              <a:defRPr lang="en-US"/>
+            </a:defPPr>
+            <a:lvl1pPr algn="ctr">
+              <a:defRPr sz="1000" b="1">
+                <a:latin typeface="Simplon BP Regular"/>
+                <a:cs typeface="Simplon BP Regular"/>
+              </a:defRPr>
+            </a:lvl1pPr>
+            <a:lvl2pPr>
+              <a:defRPr>
+                <a:solidFill>
+                  <a:schemeClr val="dk1"/>
+                </a:solidFill>
+              </a:defRPr>
+            </a:lvl2pPr>
+            <a:lvl3pPr>
+              <a:defRPr>
+                <a:solidFill>
+                  <a:schemeClr val="dk1"/>
+                </a:solidFill>
+              </a:defRPr>
+            </a:lvl3pPr>
+            <a:lvl4pPr>
+              <a:defRPr>
+                <a:solidFill>
+                  <a:schemeClr val="dk1"/>
+                </a:solidFill>
+              </a:defRPr>
+            </a:lvl4pPr>
+            <a:lvl5pPr>
+              <a:defRPr>
+                <a:solidFill>
+                  <a:schemeClr val="dk1"/>
+                </a:solidFill>
+              </a:defRPr>
+            </a:lvl5pPr>
+            <a:lvl6pPr>
+              <a:defRPr>
+                <a:solidFill>
+                  <a:schemeClr val="dk1"/>
+                </a:solidFill>
+              </a:defRPr>
+            </a:lvl6pPr>
+            <a:lvl7pPr>
+              <a:defRPr>
+                <a:solidFill>
+                  <a:schemeClr val="dk1"/>
+                </a:solidFill>
+              </a:defRPr>
+            </a:lvl7pPr>
+            <a:lvl8pPr>
+              <a:defRPr>
+                <a:solidFill>
+                  <a:schemeClr val="dk1"/>
+                </a:solidFill>
+              </a:defRPr>
+            </a:lvl8pPr>
+            <a:lvl9pPr>
+              <a:defRPr>
+                <a:solidFill>
+                  <a:schemeClr val="dk1"/>
+                </a:solidFill>
+              </a:defRPr>
+            </a:lvl9pPr>
+          </a:lstStyle>
+          <a:p>
+            <a:pPr defTabSz="671830"/>
+            <a:r>
+              <a:rPr lang="pt-BR" sz="1175" b="0" dirty="0">
+                <a:solidFill>
+                  <a:prstClr val="black"/>
+                </a:solidFill>
+                <a:latin typeface="Simplon BP Bold" pitchFamily="2" charset="0"/>
+              </a:rPr>
+              <a:t>Back</a:t>
+            </a:r>
+          </a:p>
+        </p:txBody>
+      </p:sp>
+      <p:sp>
+        <p:nvSpPr>
+          <p:cNvPr id="48" name="TextBox 133"/>
+          <p:cNvSpPr txBox="1"/>
+          <p:nvPr/>
+        </p:nvSpPr>
+        <p:spPr>
+          <a:xfrm>
+            <a:off x="8934246" y="576471"/>
+            <a:ext cx="899678" cy="179824"/>
+          </a:xfrm>
+          <a:prstGeom prst="rect">
+            <a:avLst/>
+          </a:prstGeom>
+          <a:noFill/>
+          <a:ln w="12700">
+            <a:noFill/>
+          </a:ln>
+        </p:spPr>
+        <p:style>
+          <a:lnRef idx="2">
+            <a:schemeClr val="accent4"/>
+          </a:lnRef>
+          <a:fillRef idx="1">
+            <a:schemeClr val="lt1"/>
+          </a:fillRef>
+          <a:effectRef idx="0">
+            <a:schemeClr val="accent4"/>
+          </a:effectRef>
+          <a:fontRef idx="minor">
+            <a:schemeClr val="dk1"/>
+          </a:fontRef>
+        </p:style>
+        <p:txBody>
+          <a:bodyPr wrap="none" lIns="52922" tIns="52922" rIns="52922" bIns="0" rtlCol="0" anchor="b"/>
+          <a:lstStyle>
+            <a:defPPr>
+              <a:defRPr lang="en-US"/>
+            </a:defPPr>
+            <a:lvl1pPr algn="ctr">
+              <a:defRPr sz="1000" b="1">
+                <a:latin typeface="Simplon BP Regular"/>
+                <a:cs typeface="Simplon BP Regular"/>
+              </a:defRPr>
+            </a:lvl1pPr>
+            <a:lvl2pPr>
+              <a:defRPr>
+                <a:solidFill>
+                  <a:schemeClr val="dk1"/>
+                </a:solidFill>
+              </a:defRPr>
+            </a:lvl2pPr>
+            <a:lvl3pPr>
+              <a:defRPr>
+                <a:solidFill>
+                  <a:schemeClr val="dk1"/>
+                </a:solidFill>
+              </a:defRPr>
+            </a:lvl3pPr>
+            <a:lvl4pPr>
+              <a:defRPr>
+                <a:solidFill>
+                  <a:schemeClr val="dk1"/>
+                </a:solidFill>
+              </a:defRPr>
+            </a:lvl4pPr>
+            <a:lvl5pPr>
+              <a:defRPr>
+                <a:solidFill>
+                  <a:schemeClr val="dk1"/>
+                </a:solidFill>
+              </a:defRPr>
+            </a:lvl5pPr>
+            <a:lvl6pPr>
+              <a:defRPr>
+                <a:solidFill>
+                  <a:schemeClr val="dk1"/>
+                </a:solidFill>
+              </a:defRPr>
+            </a:lvl6pPr>
+            <a:lvl7pPr>
+              <a:defRPr>
+                <a:solidFill>
+                  <a:schemeClr val="dk1"/>
+                </a:solidFill>
+              </a:defRPr>
+            </a:lvl7pPr>
+            <a:lvl8pPr>
+              <a:defRPr>
+                <a:solidFill>
+                  <a:schemeClr val="dk1"/>
+                </a:solidFill>
+              </a:defRPr>
+            </a:lvl8pPr>
+            <a:lvl9pPr>
+              <a:defRPr>
+                <a:solidFill>
+                  <a:schemeClr val="dk1"/>
+                </a:solidFill>
+              </a:defRPr>
+            </a:lvl9pPr>
+          </a:lstStyle>
+          <a:p>
+            <a:pPr defTabSz="671830"/>
+            <a:r>
+              <a:rPr lang="pt-BR" sz="1175" b="0" dirty="0">
+                <a:solidFill>
+                  <a:prstClr val="black"/>
+                </a:solidFill>
+                <a:latin typeface="Simplon BP Bold" pitchFamily="2" charset="0"/>
+              </a:rPr>
+              <a:t>Front</a:t>
+            </a:r>
+          </a:p>
+        </p:txBody>
+      </p:sp>
+      <p:sp>
+        <p:nvSpPr>
+          <p:cNvPr id="49" name="Oval 134"/>
+          <p:cNvSpPr>
+            <a:spLocks noChangeAspect="1"/>
+          </p:cNvSpPr>
+          <p:nvPr/>
+        </p:nvSpPr>
+        <p:spPr>
+          <a:xfrm>
+            <a:off x="8443555" y="282529"/>
+            <a:ext cx="211404" cy="211689"/>
+          </a:xfrm>
+          <a:prstGeom prst="ellipse">
+            <a:avLst/>
+          </a:prstGeom>
+          <a:solidFill>
+            <a:srgbClr val="FFFF00"/>
+          </a:solidFill>
+          <a:ln w="12700">
+            <a:solidFill>
+              <a:schemeClr val="accent3"/>
+            </a:solidFill>
+          </a:ln>
+        </p:spPr>
+        <p:style>
+          <a:lnRef idx="2">
+            <a:schemeClr val="accent1">
+              <a:shade val="50000"/>
+            </a:schemeClr>
+          </a:lnRef>
+          <a:fillRef idx="1">
+            <a:schemeClr val="accent1"/>
+          </a:fillRef>
+          <a:effectRef idx="0">
+            <a:schemeClr val="accent1"/>
+          </a:effectRef>
+          <a:fontRef idx="minor">
+            <a:schemeClr val="lt1"/>
+          </a:fontRef>
+        </p:style>
+        <p:txBody>
+          <a:bodyPr wrap="none" lIns="52922" tIns="52922" rIns="52922" rtlCol="0" anchor="ctr"/>
+          <a:lstStyle/>
+          <a:p>
+            <a:pPr algn="ctr" defTabSz="671830"/>
+            <a:endParaRPr lang="en-US" sz="1175" dirty="0">
+              <a:solidFill>
+                <a:prstClr val="black"/>
+              </a:solidFill>
+              <a:latin typeface="Simplon BP Regular"/>
+              <a:cs typeface="Simplon BP Regular"/>
+            </a:endParaRPr>
+          </a:p>
+        </p:txBody>
+      </p:sp>
+      <p:sp>
+        <p:nvSpPr>
+          <p:cNvPr id="50" name="TextBox 138"/>
+          <p:cNvSpPr txBox="1"/>
+          <p:nvPr/>
+        </p:nvSpPr>
+        <p:spPr>
+          <a:xfrm>
+            <a:off x="8126053" y="576471"/>
+            <a:ext cx="899678" cy="179824"/>
+          </a:xfrm>
+          <a:prstGeom prst="rect">
+            <a:avLst/>
+          </a:prstGeom>
+          <a:noFill/>
+          <a:ln w="12700">
+            <a:noFill/>
+          </a:ln>
+        </p:spPr>
+        <p:style>
+          <a:lnRef idx="2">
+            <a:schemeClr val="accent4"/>
+          </a:lnRef>
+          <a:fillRef idx="1">
+            <a:schemeClr val="lt1"/>
+          </a:fillRef>
+          <a:effectRef idx="0">
+            <a:schemeClr val="accent4"/>
+          </a:effectRef>
+          <a:fontRef idx="minor">
+            <a:schemeClr val="dk1"/>
+          </a:fontRef>
+        </p:style>
+        <p:txBody>
+          <a:bodyPr wrap="none" lIns="52922" tIns="52922" rIns="52922" bIns="0" rtlCol="0" anchor="b"/>
+          <a:lstStyle>
+            <a:defPPr>
+              <a:defRPr lang="en-US"/>
+            </a:defPPr>
+            <a:lvl1pPr algn="ctr">
+              <a:defRPr sz="1000" b="1">
+                <a:latin typeface="Simplon BP Regular"/>
+                <a:cs typeface="Simplon BP Regular"/>
+              </a:defRPr>
+            </a:lvl1pPr>
+            <a:lvl2pPr>
+              <a:defRPr>
+                <a:solidFill>
+                  <a:schemeClr val="dk1"/>
+                </a:solidFill>
+              </a:defRPr>
+            </a:lvl2pPr>
+            <a:lvl3pPr>
+              <a:defRPr>
+                <a:solidFill>
+                  <a:schemeClr val="dk1"/>
+                </a:solidFill>
+              </a:defRPr>
+            </a:lvl3pPr>
+            <a:lvl4pPr>
+              <a:defRPr>
+                <a:solidFill>
+                  <a:schemeClr val="dk1"/>
+                </a:solidFill>
+              </a:defRPr>
+            </a:lvl4pPr>
+            <a:lvl5pPr>
+              <a:defRPr>
+                <a:solidFill>
+                  <a:schemeClr val="dk1"/>
+                </a:solidFill>
+              </a:defRPr>
+            </a:lvl5pPr>
+            <a:lvl6pPr>
+              <a:defRPr>
+                <a:solidFill>
+                  <a:schemeClr val="dk1"/>
+                </a:solidFill>
+              </a:defRPr>
+            </a:lvl6pPr>
+            <a:lvl7pPr>
+              <a:defRPr>
+                <a:solidFill>
+                  <a:schemeClr val="dk1"/>
+                </a:solidFill>
+              </a:defRPr>
+            </a:lvl7pPr>
+            <a:lvl8pPr>
+              <a:defRPr>
+                <a:solidFill>
+                  <a:schemeClr val="dk1"/>
+                </a:solidFill>
+              </a:defRPr>
+            </a:lvl8pPr>
+            <a:lvl9pPr>
+              <a:defRPr>
+                <a:solidFill>
+                  <a:schemeClr val="dk1"/>
+                </a:solidFill>
+              </a:defRPr>
+            </a:lvl9pPr>
+          </a:lstStyle>
+          <a:p>
+            <a:pPr defTabSz="671830"/>
+            <a:r>
+              <a:rPr lang="en-US" sz="1175" b="0" dirty="0" err="1">
+                <a:solidFill>
+                  <a:prstClr val="black"/>
+                </a:solidFill>
+                <a:latin typeface="Simplon BP Bold" pitchFamily="2" charset="0"/>
+              </a:rPr>
+              <a:t>Equipe</a:t>
+            </a:r>
             <a:endParaRPr lang="en-US" sz="1175" b="0" dirty="0">
               <a:solidFill>
                 <a:prstClr val="black"/>
@@ -27889,7 +29224,382 @@
           </a:p>
         </p:txBody>
       </p:sp>
+      <p:sp>
+        <p:nvSpPr>
+          <p:cNvPr id="51" name="Oval 134"/>
+          <p:cNvSpPr>
+            <a:spLocks noChangeAspect="1"/>
+          </p:cNvSpPr>
+          <p:nvPr/>
+        </p:nvSpPr>
+        <p:spPr>
+          <a:xfrm>
+            <a:off x="9225955" y="282529"/>
+            <a:ext cx="211404" cy="211689"/>
+          </a:xfrm>
+          <a:prstGeom prst="ellipse">
+            <a:avLst/>
+          </a:prstGeom>
+          <a:solidFill>
+            <a:srgbClr val="00B050"/>
+          </a:solidFill>
+          <a:ln w="12700">
+            <a:solidFill>
+              <a:schemeClr val="accent3"/>
+            </a:solidFill>
+          </a:ln>
+        </p:spPr>
+        <p:style>
+          <a:lnRef idx="2">
+            <a:schemeClr val="accent1">
+              <a:shade val="50000"/>
+            </a:schemeClr>
+          </a:lnRef>
+          <a:fillRef idx="1">
+            <a:schemeClr val="accent1"/>
+          </a:fillRef>
+          <a:effectRef idx="0">
+            <a:schemeClr val="accent1"/>
+          </a:effectRef>
+          <a:fontRef idx="minor">
+            <a:schemeClr val="lt1"/>
+          </a:fontRef>
+        </p:style>
+        <p:txBody>
+          <a:bodyPr wrap="none" lIns="52922" tIns="52922" rIns="52922" rtlCol="0" anchor="ctr"/>
+          <a:lstStyle/>
+          <a:p>
+            <a:pPr algn="ctr" defTabSz="671830"/>
+            <a:endParaRPr lang="en-US" sz="1175" dirty="0">
+              <a:solidFill>
+                <a:prstClr val="black"/>
+              </a:solidFill>
+              <a:latin typeface="Simplon BP Regular"/>
+              <a:cs typeface="Simplon BP Regular"/>
+            </a:endParaRPr>
+          </a:p>
+        </p:txBody>
+      </p:sp>
+      <p:sp>
+        <p:nvSpPr>
+          <p:cNvPr id="52" name="Oval 134"/>
+          <p:cNvSpPr>
+            <a:spLocks noChangeAspect="1"/>
+          </p:cNvSpPr>
+          <p:nvPr/>
+        </p:nvSpPr>
+        <p:spPr>
+          <a:xfrm>
+            <a:off x="12155999" y="278623"/>
+            <a:ext cx="211404" cy="211689"/>
+          </a:xfrm>
+          <a:prstGeom prst="ellipse">
+            <a:avLst/>
+          </a:prstGeom>
+          <a:solidFill>
+            <a:srgbClr val="00B050"/>
+          </a:solidFill>
+          <a:ln w="12700">
+            <a:solidFill>
+              <a:schemeClr val="accent3"/>
+            </a:solidFill>
+          </a:ln>
+        </p:spPr>
+        <p:style>
+          <a:lnRef idx="2">
+            <a:schemeClr val="accent1">
+              <a:shade val="50000"/>
+            </a:schemeClr>
+          </a:lnRef>
+          <a:fillRef idx="1">
+            <a:schemeClr val="accent1"/>
+          </a:fillRef>
+          <a:effectRef idx="0">
+            <a:schemeClr val="accent1"/>
+          </a:effectRef>
+          <a:fontRef idx="minor">
+            <a:schemeClr val="lt1"/>
+          </a:fontRef>
+        </p:style>
+        <p:txBody>
+          <a:bodyPr wrap="none" lIns="52922" tIns="52922" rIns="52922" rtlCol="0" anchor="ctr"/>
+          <a:lstStyle/>
+          <a:p>
+            <a:pPr algn="ctr" defTabSz="671830"/>
+            <a:endParaRPr lang="en-US" sz="1175" dirty="0">
+              <a:solidFill>
+                <a:prstClr val="black"/>
+              </a:solidFill>
+              <a:latin typeface="Simplon BP Regular"/>
+              <a:cs typeface="Simplon BP Regular"/>
+            </a:endParaRPr>
+          </a:p>
+        </p:txBody>
+      </p:sp>
+      <p:sp>
+        <p:nvSpPr>
+          <p:cNvPr id="53" name="Oval 120"/>
+          <p:cNvSpPr>
+            <a:spLocks noChangeAspect="1"/>
+          </p:cNvSpPr>
+          <p:nvPr/>
+        </p:nvSpPr>
+        <p:spPr>
+          <a:xfrm>
+            <a:off x="10188056" y="288207"/>
+            <a:ext cx="211404" cy="211689"/>
+          </a:xfrm>
+          <a:prstGeom prst="ellipse">
+            <a:avLst/>
+          </a:prstGeom>
+          <a:solidFill>
+            <a:srgbClr val="00B050"/>
+          </a:solidFill>
+          <a:ln w="12700">
+            <a:solidFill>
+              <a:schemeClr val="accent3"/>
+            </a:solidFill>
+          </a:ln>
+        </p:spPr>
+        <p:style>
+          <a:lnRef idx="2">
+            <a:schemeClr val="accent1">
+              <a:shade val="50000"/>
+            </a:schemeClr>
+          </a:lnRef>
+          <a:fillRef idx="1">
+            <a:schemeClr val="accent1"/>
+          </a:fillRef>
+          <a:effectRef idx="0">
+            <a:schemeClr val="accent1"/>
+          </a:effectRef>
+          <a:fontRef idx="minor">
+            <a:schemeClr val="lt1"/>
+          </a:fontRef>
+        </p:style>
+        <p:txBody>
+          <a:bodyPr wrap="none" lIns="52922" tIns="52922" rIns="52922" rtlCol="0" anchor="ctr"/>
+          <a:lstStyle/>
+          <a:p>
+            <a:pPr algn="ctr" defTabSz="671830"/>
+            <a:endParaRPr lang="en-US" sz="1175" dirty="0">
+              <a:solidFill>
+                <a:prstClr val="black"/>
+              </a:solidFill>
+              <a:latin typeface="Simplon BP Regular"/>
+              <a:cs typeface="Simplon BP Regular"/>
+            </a:endParaRPr>
+          </a:p>
+        </p:txBody>
+      </p:sp>
+      <p:sp>
+        <p:nvSpPr>
+          <p:cNvPr id="54" name="Retângulo 53"/>
+          <p:cNvSpPr/>
+          <p:nvPr/>
+        </p:nvSpPr>
+        <p:spPr>
+          <a:xfrm>
+            <a:off x="8017619" y="180231"/>
+            <a:ext cx="4937689" cy="618769"/>
+          </a:xfrm>
+          <a:prstGeom prst="rect">
+            <a:avLst/>
+          </a:prstGeom>
+          <a:noFill/>
+          <a:ln w="6350">
+            <a:solidFill>
+              <a:schemeClr val="bg1">
+                <a:lumMod val="75000"/>
+              </a:schemeClr>
+            </a:solidFill>
+          </a:ln>
+        </p:spPr>
+        <p:style>
+          <a:lnRef idx="2">
+            <a:schemeClr val="accent1">
+              <a:shade val="50000"/>
+            </a:schemeClr>
+          </a:lnRef>
+          <a:fillRef idx="1">
+            <a:schemeClr val="accent1"/>
+          </a:fillRef>
+          <a:effectRef idx="0">
+            <a:schemeClr val="accent1"/>
+          </a:effectRef>
+          <a:fontRef idx="minor">
+            <a:schemeClr val="lt1"/>
+          </a:fontRef>
+        </p:style>
+        <p:txBody>
+          <a:bodyPr rtlCol="0" anchor="ctr"/>
+          <a:lstStyle/>
+          <a:p>
+            <a:pPr algn="ctr"/>
+            <a:endParaRPr lang="pt-BR"/>
+          </a:p>
+        </p:txBody>
+      </p:sp>
+      <p:sp>
+        <p:nvSpPr>
+          <p:cNvPr id="55" name="TextBox 138"/>
+          <p:cNvSpPr txBox="1"/>
+          <p:nvPr/>
+        </p:nvSpPr>
+        <p:spPr>
+          <a:xfrm>
+            <a:off x="9554520" y="40775"/>
+            <a:ext cx="1478088" cy="211688"/>
+          </a:xfrm>
+          <a:prstGeom prst="rect">
+            <a:avLst/>
+          </a:prstGeom>
+          <a:solidFill>
+            <a:schemeClr val="bg1"/>
+          </a:solidFill>
+          <a:ln w="12700">
+            <a:noFill/>
+          </a:ln>
+        </p:spPr>
+        <p:style>
+          <a:lnRef idx="2">
+            <a:schemeClr val="accent4"/>
+          </a:lnRef>
+          <a:fillRef idx="1">
+            <a:schemeClr val="lt1"/>
+          </a:fillRef>
+          <a:effectRef idx="0">
+            <a:schemeClr val="accent4"/>
+          </a:effectRef>
+          <a:fontRef idx="minor">
+            <a:schemeClr val="dk1"/>
+          </a:fontRef>
+        </p:style>
+        <p:txBody>
+          <a:bodyPr wrap="none" lIns="52922" tIns="52922" rIns="52922" bIns="0" rtlCol="0" anchor="b"/>
+          <a:lstStyle>
+            <a:defPPr>
+              <a:defRPr lang="en-US"/>
+            </a:defPPr>
+            <a:lvl1pPr algn="ctr">
+              <a:defRPr sz="1000" b="1">
+                <a:latin typeface="Simplon BP Regular"/>
+                <a:cs typeface="Simplon BP Regular"/>
+              </a:defRPr>
+            </a:lvl1pPr>
+            <a:lvl2pPr>
+              <a:defRPr>
+                <a:solidFill>
+                  <a:schemeClr val="dk1"/>
+                </a:solidFill>
+              </a:defRPr>
+            </a:lvl2pPr>
+            <a:lvl3pPr>
+              <a:defRPr>
+                <a:solidFill>
+                  <a:schemeClr val="dk1"/>
+                </a:solidFill>
+              </a:defRPr>
+            </a:lvl3pPr>
+            <a:lvl4pPr>
+              <a:defRPr>
+                <a:solidFill>
+                  <a:schemeClr val="dk1"/>
+                </a:solidFill>
+              </a:defRPr>
+            </a:lvl4pPr>
+            <a:lvl5pPr>
+              <a:defRPr>
+                <a:solidFill>
+                  <a:schemeClr val="dk1"/>
+                </a:solidFill>
+              </a:defRPr>
+            </a:lvl5pPr>
+            <a:lvl6pPr>
+              <a:defRPr>
+                <a:solidFill>
+                  <a:schemeClr val="dk1"/>
+                </a:solidFill>
+              </a:defRPr>
+            </a:lvl6pPr>
+            <a:lvl7pPr>
+              <a:defRPr>
+                <a:solidFill>
+                  <a:schemeClr val="dk1"/>
+                </a:solidFill>
+              </a:defRPr>
+            </a:lvl7pPr>
+            <a:lvl8pPr>
+              <a:defRPr>
+                <a:solidFill>
+                  <a:schemeClr val="dk1"/>
+                </a:solidFill>
+              </a:defRPr>
+            </a:lvl8pPr>
+            <a:lvl9pPr>
+              <a:defRPr>
+                <a:solidFill>
+                  <a:schemeClr val="dk1"/>
+                </a:solidFill>
+              </a:defRPr>
+            </a:lvl9pPr>
+          </a:lstStyle>
+          <a:p>
+            <a:pPr defTabSz="671830"/>
+            <a:r>
+              <a:rPr lang="en-US" sz="1175" b="0" dirty="0">
+                <a:solidFill>
+                  <a:prstClr val="black"/>
+                </a:solidFill>
+                <a:latin typeface="Simplon BP Bold" pitchFamily="2" charset="0"/>
+              </a:rPr>
+              <a:t>    </a:t>
+            </a:r>
+            <a:r>
+              <a:rPr lang="en-US" sz="1175" b="0" dirty="0" err="1">
+                <a:solidFill>
+                  <a:prstClr val="black"/>
+                </a:solidFill>
+                <a:latin typeface="Simplon BP Bold" pitchFamily="2" charset="0"/>
+              </a:rPr>
+              <a:t>Farol</a:t>
+            </a:r>
+            <a:r>
+              <a:rPr lang="en-US" sz="1175" b="0" dirty="0">
+                <a:solidFill>
+                  <a:prstClr val="black"/>
+                </a:solidFill>
+                <a:latin typeface="Simplon BP Bold" pitchFamily="2" charset="0"/>
+              </a:rPr>
+              <a:t> do </a:t>
+            </a:r>
+            <a:r>
+              <a:rPr lang="en-US" sz="1175" b="0" dirty="0" err="1">
+                <a:solidFill>
+                  <a:prstClr val="black"/>
+                </a:solidFill>
+                <a:latin typeface="Simplon BP Bold" pitchFamily="2" charset="0"/>
+              </a:rPr>
+              <a:t>Projeto</a:t>
+            </a:r>
+            <a:r>
+              <a:rPr lang="en-US" sz="1175" b="0" dirty="0">
+                <a:solidFill>
+                  <a:prstClr val="black"/>
+                </a:solidFill>
+                <a:latin typeface="Simplon BP Bold" pitchFamily="2" charset="0"/>
+              </a:rPr>
+              <a:t>   </a:t>
+            </a:r>
+          </a:p>
+        </p:txBody>
+      </p:sp>
     </p:spTree>
+    <p:extLst>
+      <p:ext uri="{BB962C8B-B14F-4D97-AF65-F5344CB8AC3E}">
+        <p14:creationId xmlns:p14="http://schemas.microsoft.com/office/powerpoint/2010/main" val="2329309713"/>
+      </p:ext>
+    </p:extLst>
   </p:cSld>
   <p:clrMapOvr>
     <a:masterClrMapping/>
@@ -28175,6 +29885,8 @@
       </a:bgFillStyleLst>
     </a:fmtScheme>
   </a:themeElements>
+  <a:objectDefaults/>
+  <a:extraClrSchemeLst/>
   <a:extLst>
     <a:ext uri="{05A4C25C-085E-4340-85A3-A5531E510DB2}">
       <thm15:themeFamily xmlns:thm15="http://schemas.microsoft.com/office/thememl/2012/main" name="Office Theme" id="{62F939B6-93AF-4DB8-9C6B-D6C7DFDC589F}" vid="{4A3C46E8-61CC-4603-A589-7422A47A8E4A}"/>
@@ -28461,6 +30173,8 @@
       </a:bgFillStyleLst>
     </a:fmtScheme>
   </a:themeElements>
+  <a:objectDefaults/>
+  <a:extraClrSchemeLst/>
   <a:extLst>
     <a:ext uri="{05A4C25C-085E-4340-85A3-A5531E510DB2}">
       <thm15:themeFamily xmlns:thm15="http://schemas.microsoft.com/office/thememl/2012/main" name="Office Theme" id="{62F939B6-93AF-4DB8-9C6B-D6C7DFDC589F}" vid="{4A3C46E8-61CC-4603-A589-7422A47A8E4A}"/>
@@ -28747,6 +30461,8 @@
       </a:bgFillStyleLst>
     </a:fmtScheme>
   </a:themeElements>
+  <a:objectDefaults/>
+  <a:extraClrSchemeLst/>
   <a:extLst>
     <a:ext uri="{05A4C25C-085E-4340-85A3-A5531E510DB2}">
       <thm15:themeFamily xmlns:thm15="http://schemas.microsoft.com/office/thememl/2012/main" name="Office Theme" id="{62F939B6-93AF-4DB8-9C6B-D6C7DFDC589F}" vid="{4A3C46E8-61CC-4603-A589-7422A47A8E4A}"/>
@@ -29033,6 +30749,8 @@
       </a:bgFillStyleLst>
     </a:fmtScheme>
   </a:themeElements>
+  <a:objectDefaults/>
+  <a:extraClrSchemeLst/>
   <a:extLst>
     <a:ext uri="{05A4C25C-085E-4340-85A3-A5531E510DB2}">
       <thm15:themeFamily xmlns:thm15="http://schemas.microsoft.com/office/thememl/2012/main" name="Office Theme" id="{62F939B6-93AF-4DB8-9C6B-D6C7DFDC589F}" vid="{4A3C46E8-61CC-4603-A589-7422A47A8E4A}"/>
@@ -29319,6 +31037,8 @@
       </a:bgFillStyleLst>
     </a:fmtScheme>
   </a:themeElements>
+  <a:objectDefaults/>
+  <a:extraClrSchemeLst/>
   <a:extLst>
     <a:ext uri="{05A4C25C-085E-4340-85A3-A5531E510DB2}">
       <thm15:themeFamily xmlns:thm15="http://schemas.microsoft.com/office/thememl/2012/main" name="Office Theme" id="{62F939B6-93AF-4DB8-9C6B-D6C7DFDC589F}" vid="{4A3C46E8-61CC-4603-A589-7422A47A8E4A}"/>

--- a/Documentação/Status report/Status report.pptx
+++ b/Documentação/Status report/Status report.pptx
@@ -7,10 +7,10 @@
     <p:sldMasterId id="2147483661" r:id="rId3"/>
   </p:sldMasterIdLst>
   <p:notesMasterIdLst>
-    <p:notesMasterId r:id="rId11"/>
+    <p:notesMasterId r:id="rId12"/>
   </p:notesMasterIdLst>
   <p:handoutMasterIdLst>
-    <p:handoutMasterId r:id="rId12"/>
+    <p:handoutMasterId r:id="rId13"/>
   </p:handoutMasterIdLst>
   <p:sldIdLst>
     <p:sldId id="256" r:id="rId4"/>
@@ -20,6 +20,7 @@
     <p:sldId id="472" r:id="rId8"/>
     <p:sldId id="473" r:id="rId9"/>
     <p:sldId id="474" r:id="rId10"/>
+    <p:sldId id="476" r:id="rId11"/>
   </p:sldIdLst>
   <p:sldSz cx="13442950" cy="7561263"/>
   <p:notesSz cx="7104063" cy="10234613"/>
@@ -134,6 +135,7 @@
             <p14:sldId id="472"/>
             <p14:sldId id="473"/>
             <p14:sldId id="474"/>
+            <p14:sldId id="476"/>
           </p14:sldIdLst>
         </p14:section>
       </p14:sectionLst>
@@ -238,7 +240,7 @@
           <a:p>
             <a:fld id="{C3CD65D1-5C11-455D-9F9A-0E035F00A0DA}" type="datetimeFigureOut">
               <a:rPr lang="pt-BR" smtClean="0"/>
-              <a:t>07/09/2021</a:t>
+              <a:t>16/09/2021</a:t>
             </a:fld>
             <a:endParaRPr lang="pt-BR"/>
           </a:p>
@@ -404,7 +406,7 @@
           <a:p>
             <a:fld id="{A05DA3EF-18EA-43DE-B1BB-402A3C558822}" type="datetimeFigureOut">
               <a:rPr lang="pt-BR" smtClean="0"/>
-              <a:t>07/09/2021</a:t>
+              <a:t>16/09/2021</a:t>
             </a:fld>
             <a:endParaRPr lang="pt-BR"/>
           </a:p>
@@ -1186,6 +1188,98 @@
     <p:extLst>
       <p:ext uri="{BB962C8B-B14F-4D97-AF65-F5344CB8AC3E}">
         <p14:creationId xmlns:p14="http://schemas.microsoft.com/office/powerpoint/2010/main" val="1107564568"/>
+      </p:ext>
+    </p:extLst>
+  </p:cSld>
+  <p:clrMapOvr>
+    <a:masterClrMapping/>
+  </p:clrMapOvr>
+</p:notes>
+</file>
+
+<file path=ppt/notesSlides/notesSlide7.xml><?xml version="1.0" encoding="utf-8"?>
+<p:notes xmlns:a="http://schemas.openxmlformats.org/drawingml/2006/main" xmlns:r="http://schemas.openxmlformats.org/officeDocument/2006/relationships" xmlns:p="http://schemas.openxmlformats.org/presentationml/2006/main">
+  <p:cSld>
+    <p:spTree>
+      <p:nvGrpSpPr>
+        <p:cNvPr id="1" name=""/>
+        <p:cNvGrpSpPr/>
+        <p:nvPr/>
+      </p:nvGrpSpPr>
+      <p:grpSpPr>
+        <a:xfrm>
+          <a:off x="0" y="0"/>
+          <a:ext cx="0" cy="0"/>
+          <a:chOff x="0" y="0"/>
+          <a:chExt cx="0" cy="0"/>
+        </a:xfrm>
+      </p:grpSpPr>
+      <p:sp>
+        <p:nvSpPr>
+          <p:cNvPr id="2" name="Slide Image Placeholder 1"/>
+          <p:cNvSpPr>
+            <a:spLocks noGrp="1" noRot="1" noChangeAspect="1"/>
+          </p:cNvSpPr>
+          <p:nvPr>
+            <p:ph type="sldImg"/>
+          </p:nvPr>
+        </p:nvSpPr>
+        <p:spPr/>
+      </p:sp>
+      <p:sp>
+        <p:nvSpPr>
+          <p:cNvPr id="3" name="Notes Placeholder 2"/>
+          <p:cNvSpPr>
+            <a:spLocks noGrp="1"/>
+          </p:cNvSpPr>
+          <p:nvPr>
+            <p:ph type="body" idx="1"/>
+          </p:nvPr>
+        </p:nvSpPr>
+        <p:spPr/>
+        <p:txBody>
+          <a:bodyPr/>
+          <a:lstStyle/>
+          <a:p>
+            <a:endParaRPr lang="en-US"/>
+          </a:p>
+        </p:txBody>
+      </p:sp>
+      <p:sp>
+        <p:nvSpPr>
+          <p:cNvPr id="4" name="Slide Number Placeholder 3"/>
+          <p:cNvSpPr>
+            <a:spLocks noGrp="1"/>
+          </p:cNvSpPr>
+          <p:nvPr>
+            <p:ph type="sldNum" sz="quarter" idx="10"/>
+          </p:nvPr>
+        </p:nvSpPr>
+        <p:spPr/>
+        <p:txBody>
+          <a:bodyPr/>
+          <a:lstStyle/>
+          <a:p>
+            <a:fld id="{B39AF3DB-B6A1-2444-9DD8-53D016F8E638}" type="slidenum">
+              <a:rPr lang="pt-BR" smtClean="0">
+                <a:solidFill>
+                  <a:prstClr val="black"/>
+                </a:solidFill>
+              </a:rPr>
+              <a:t>8</a:t>
+            </a:fld>
+            <a:endParaRPr lang="pt-BR">
+              <a:solidFill>
+                <a:prstClr val="black"/>
+              </a:solidFill>
+            </a:endParaRPr>
+          </a:p>
+        </p:txBody>
+      </p:sp>
+    </p:spTree>
+    <p:extLst>
+      <p:ext uri="{BB962C8B-B14F-4D97-AF65-F5344CB8AC3E}">
+        <p14:creationId xmlns:p14="http://schemas.microsoft.com/office/powerpoint/2010/main" val="3081658571"/>
       </p:ext>
     </p:extLst>
   </p:cSld>
@@ -29598,6 +29692,1657 @@
     <p:extLst>
       <p:ext uri="{BB962C8B-B14F-4D97-AF65-F5344CB8AC3E}">
         <p14:creationId xmlns:p14="http://schemas.microsoft.com/office/powerpoint/2010/main" val="2329309713"/>
+      </p:ext>
+    </p:extLst>
+  </p:cSld>
+  <p:clrMapOvr>
+    <a:masterClrMapping/>
+  </p:clrMapOvr>
+</p:sld>
+</file>
+
+<file path=ppt/slides/slide8.xml><?xml version="1.0" encoding="utf-8"?>
+<p:sld xmlns:a="http://schemas.openxmlformats.org/drawingml/2006/main" xmlns:r="http://schemas.openxmlformats.org/officeDocument/2006/relationships" xmlns:p="http://schemas.openxmlformats.org/presentationml/2006/main">
+  <p:cSld>
+    <p:spTree>
+      <p:nvGrpSpPr>
+        <p:cNvPr id="1" name=""/>
+        <p:cNvGrpSpPr/>
+        <p:nvPr/>
+      </p:nvGrpSpPr>
+      <p:grpSpPr>
+        <a:xfrm>
+          <a:off x="0" y="0"/>
+          <a:ext cx="0" cy="0"/>
+          <a:chOff x="0" y="0"/>
+          <a:chExt cx="0" cy="0"/>
+        </a:xfrm>
+      </p:grpSpPr>
+      <p:sp>
+        <p:nvSpPr>
+          <p:cNvPr id="43" name="Rectangle 42"/>
+          <p:cNvSpPr/>
+          <p:nvPr/>
+        </p:nvSpPr>
+        <p:spPr>
+          <a:xfrm>
+            <a:off x="6804883" y="1106495"/>
+            <a:ext cx="6209639" cy="2235805"/>
+          </a:xfrm>
+          <a:prstGeom prst="rect">
+            <a:avLst/>
+          </a:prstGeom>
+          <a:noFill/>
+          <a:ln w="12700">
+            <a:solidFill>
+              <a:schemeClr val="bg1">
+                <a:lumMod val="50000"/>
+              </a:schemeClr>
+            </a:solidFill>
+          </a:ln>
+        </p:spPr>
+        <p:style>
+          <a:lnRef idx="2">
+            <a:schemeClr val="accent4"/>
+          </a:lnRef>
+          <a:fillRef idx="1">
+            <a:schemeClr val="lt1"/>
+          </a:fillRef>
+          <a:effectRef idx="0">
+            <a:schemeClr val="accent4"/>
+          </a:effectRef>
+          <a:fontRef idx="minor">
+            <a:schemeClr val="dk1"/>
+          </a:fontRef>
+        </p:style>
+        <p:txBody>
+          <a:bodyPr tIns="105844" rtlCol="0" anchor="t"/>
+          <a:lstStyle/>
+          <a:p>
+            <a:pPr defTabSz="671830">
+              <a:spcAft>
+                <a:spcPts val="880"/>
+              </a:spcAft>
+            </a:pPr>
+            <a:endParaRPr lang="pt-BR" sz="1470" dirty="0">
+              <a:solidFill>
+                <a:schemeClr val="tx1"/>
+              </a:solidFill>
+              <a:latin typeface="Calibri" panose="020F0502020204030204" pitchFamily="34" charset="0"/>
+              <a:cs typeface="Simplon BP Regular"/>
+            </a:endParaRPr>
+          </a:p>
+        </p:txBody>
+      </p:sp>
+      <p:sp>
+        <p:nvSpPr>
+          <p:cNvPr id="3" name="Title 2"/>
+          <p:cNvSpPr>
+            <a:spLocks noGrp="1"/>
+          </p:cNvSpPr>
+          <p:nvPr>
+            <p:ph type="title"/>
+          </p:nvPr>
+        </p:nvSpPr>
+        <p:spPr>
+          <a:xfrm>
+            <a:off x="469692" y="185232"/>
+            <a:ext cx="12098020" cy="800352"/>
+          </a:xfrm>
+        </p:spPr>
+        <p:txBody>
+          <a:bodyPr vert="horz" wrap="square" lIns="105844" tIns="0" rIns="105844" bIns="0" numCol="1" anchor="t" anchorCtr="0" compatLnSpc="1">
+            <a:noAutofit/>
+          </a:bodyPr>
+          <a:lstStyle/>
+          <a:p>
+            <a:pPr algn="l">
+              <a:spcAft>
+                <a:spcPts val="880"/>
+              </a:spcAft>
+            </a:pPr>
+            <a:r>
+              <a:rPr lang="en-US" sz="2645" dirty="0">
+                <a:solidFill>
+                  <a:prstClr val="black"/>
+                </a:solidFill>
+                <a:latin typeface="Simplon Oi Headline"/>
+                <a:cs typeface="Simplon Oi Headline"/>
+              </a:rPr>
+              <a:t>SEMANA </a:t>
+            </a:r>
+            <a:r>
+              <a:rPr lang="pt-PT" sz="2645" dirty="0">
+                <a:solidFill>
+                  <a:prstClr val="black"/>
+                </a:solidFill>
+                <a:latin typeface="Simplon Oi Headline"/>
+                <a:cs typeface="Simplon Oi Headline"/>
+              </a:rPr>
+              <a:t>5</a:t>
+            </a:r>
+            <a:r>
+              <a:rPr lang="en-US" sz="2645" dirty="0">
+                <a:solidFill>
+                  <a:prstClr val="black"/>
+                </a:solidFill>
+                <a:latin typeface="Simplon Oi Headline"/>
+                <a:cs typeface="Simplon Oi Headline"/>
+              </a:rPr>
+              <a:t> - </a:t>
+            </a:r>
+            <a:r>
+              <a:rPr lang="pt-PT" sz="2645" dirty="0">
+                <a:solidFill>
+                  <a:prstClr val="black"/>
+                </a:solidFill>
+                <a:latin typeface="Simplon Oi Headline"/>
+                <a:cs typeface="Simplon Oi Headline"/>
+              </a:rPr>
+              <a:t>15</a:t>
+            </a:r>
+            <a:r>
+              <a:rPr lang="en-US" sz="2645" dirty="0">
+                <a:solidFill>
+                  <a:prstClr val="black"/>
+                </a:solidFill>
+                <a:latin typeface="Simplon Oi Headline"/>
+                <a:cs typeface="Simplon Oi Headline"/>
+              </a:rPr>
+              <a:t>/0</a:t>
+            </a:r>
+            <a:r>
+              <a:rPr lang="pt-PT" altLang="en-US" sz="2645" dirty="0">
+                <a:solidFill>
+                  <a:prstClr val="black"/>
+                </a:solidFill>
+                <a:latin typeface="Simplon Oi Headline"/>
+                <a:cs typeface="Simplon Oi Headline"/>
+              </a:rPr>
+              <a:t>9</a:t>
+            </a:r>
+            <a:r>
+              <a:rPr lang="en-US" sz="2645" dirty="0">
+                <a:solidFill>
+                  <a:prstClr val="black"/>
+                </a:solidFill>
+                <a:latin typeface="Simplon Oi Headline"/>
+                <a:cs typeface="Simplon Oi Headline"/>
+              </a:rPr>
+              <a:t>/2021</a:t>
+            </a:r>
+          </a:p>
+        </p:txBody>
+      </p:sp>
+      <p:sp>
+        <p:nvSpPr>
+          <p:cNvPr id="64" name="Retângulo 63"/>
+          <p:cNvSpPr/>
+          <p:nvPr/>
+        </p:nvSpPr>
+        <p:spPr>
+          <a:xfrm>
+            <a:off x="512766" y="868345"/>
+            <a:ext cx="6186608" cy="238150"/>
+          </a:xfrm>
+          <a:prstGeom prst="rect">
+            <a:avLst/>
+          </a:prstGeom>
+          <a:solidFill>
+            <a:schemeClr val="bg1">
+              <a:lumMod val="85000"/>
+            </a:schemeClr>
+          </a:solidFill>
+        </p:spPr>
+        <p:txBody>
+          <a:bodyPr vert="horz" lIns="134422" tIns="67211" rIns="134422" bIns="67211" rtlCol="0" anchor="ctr"/>
+          <a:lstStyle/>
+          <a:p>
+            <a:pPr defTabSz="671830"/>
+            <a:r>
+              <a:rPr lang="en-US" sz="1545" dirty="0">
+                <a:latin typeface="Simplon Oi Headline" charset="0"/>
+                <a:ea typeface="Simplon Oi Headline" charset="0"/>
+                <a:cs typeface="Simplon Oi Headline" charset="0"/>
+              </a:rPr>
+              <a:t>PROGRESSOS</a:t>
+            </a:r>
+            <a:endParaRPr lang="pt-BR" sz="1545" dirty="0">
+              <a:latin typeface="Simplon Oi Headline" charset="0"/>
+              <a:ea typeface="Simplon Oi Headline" charset="0"/>
+              <a:cs typeface="Simplon Oi Headline" charset="0"/>
+            </a:endParaRPr>
+          </a:p>
+        </p:txBody>
+      </p:sp>
+      <p:sp>
+        <p:nvSpPr>
+          <p:cNvPr id="65" name="Retângulo 64"/>
+          <p:cNvSpPr/>
+          <p:nvPr/>
+        </p:nvSpPr>
+        <p:spPr>
+          <a:xfrm>
+            <a:off x="6814576" y="868345"/>
+            <a:ext cx="6194715" cy="238150"/>
+          </a:xfrm>
+          <a:prstGeom prst="rect">
+            <a:avLst/>
+          </a:prstGeom>
+          <a:solidFill>
+            <a:schemeClr val="bg1">
+              <a:lumMod val="85000"/>
+            </a:schemeClr>
+          </a:solidFill>
+        </p:spPr>
+        <p:txBody>
+          <a:bodyPr vert="horz" lIns="134422" tIns="67211" rIns="134422" bIns="67211" rtlCol="0" anchor="ctr"/>
+          <a:lstStyle/>
+          <a:p>
+            <a:pPr defTabSz="671830"/>
+            <a:r>
+              <a:rPr lang="pt-BR" sz="1545" dirty="0">
+                <a:latin typeface="Simplon Oi Headline" charset="0"/>
+                <a:ea typeface="Simplon Oi Headline" charset="0"/>
+                <a:cs typeface="Simplon Oi Headline" charset="0"/>
+              </a:rPr>
+              <a:t>Pontos atenção/ Principais Riscos</a:t>
+            </a:r>
+          </a:p>
+        </p:txBody>
+      </p:sp>
+      <p:sp>
+        <p:nvSpPr>
+          <p:cNvPr id="66" name="Retângulo 65"/>
+          <p:cNvSpPr/>
+          <p:nvPr/>
+        </p:nvSpPr>
+        <p:spPr>
+          <a:xfrm>
+            <a:off x="507536" y="3418875"/>
+            <a:ext cx="12505521" cy="238150"/>
+          </a:xfrm>
+          <a:prstGeom prst="rect">
+            <a:avLst/>
+          </a:prstGeom>
+          <a:solidFill>
+            <a:schemeClr val="bg1">
+              <a:lumMod val="85000"/>
+            </a:schemeClr>
+          </a:solidFill>
+        </p:spPr>
+        <p:txBody>
+          <a:bodyPr vert="horz" lIns="134422" tIns="67211" rIns="134422" bIns="67211" rtlCol="0" anchor="ctr"/>
+          <a:lstStyle/>
+          <a:p>
+            <a:pPr defTabSz="671830"/>
+            <a:r>
+              <a:rPr lang="pt-BR" sz="1545" dirty="0">
+                <a:latin typeface="Simplon Oi Headline" charset="0"/>
+                <a:ea typeface="Simplon Oi Headline" charset="0"/>
+                <a:cs typeface="Simplon Oi Headline" charset="0"/>
+              </a:rPr>
+              <a:t>Próximos Passos/ Decisões a tomar</a:t>
+            </a:r>
+          </a:p>
+        </p:txBody>
+      </p:sp>
+      <p:sp>
+        <p:nvSpPr>
+          <p:cNvPr id="63" name="Rectangle 37"/>
+          <p:cNvSpPr/>
+          <p:nvPr/>
+        </p:nvSpPr>
+        <p:spPr>
+          <a:xfrm>
+            <a:off x="492320" y="1106495"/>
+            <a:ext cx="6207777" cy="2235805"/>
+          </a:xfrm>
+          <a:prstGeom prst="rect">
+            <a:avLst/>
+          </a:prstGeom>
+          <a:noFill/>
+          <a:ln w="12700">
+            <a:solidFill>
+              <a:schemeClr val="bg1">
+                <a:lumMod val="50000"/>
+              </a:schemeClr>
+            </a:solidFill>
+          </a:ln>
+        </p:spPr>
+        <p:style>
+          <a:lnRef idx="2">
+            <a:schemeClr val="accent4"/>
+          </a:lnRef>
+          <a:fillRef idx="1">
+            <a:schemeClr val="lt1"/>
+          </a:fillRef>
+          <a:effectRef idx="0">
+            <a:schemeClr val="accent4"/>
+          </a:effectRef>
+          <a:fontRef idx="minor">
+            <a:schemeClr val="dk1"/>
+          </a:fontRef>
+        </p:style>
+        <p:txBody>
+          <a:bodyPr tIns="105844" rtlCol="0" anchor="t"/>
+          <a:lstStyle/>
+          <a:p>
+            <a:pPr marL="252095" indent="-252095" fontAlgn="base">
+              <a:spcBef>
+                <a:spcPct val="0"/>
+              </a:spcBef>
+              <a:buFont typeface="Wingdings" panose="05000000000000000000" pitchFamily="2" charset="2"/>
+              <a:buChar char="ü"/>
+              <a:defRPr/>
+            </a:pPr>
+            <a:r>
+              <a:rPr lang="pt-BR" sz="1325" b="1" dirty="0">
+                <a:solidFill>
+                  <a:schemeClr val="tx1"/>
+                </a:solidFill>
+                <a:latin typeface="Calibri" panose="020F0502020204030204" pitchFamily="34" charset="0"/>
+                <a:cs typeface="Simplon BP Regular"/>
+              </a:rPr>
+              <a:t>Entrega da sprint 1</a:t>
+            </a:r>
+          </a:p>
+          <a:p>
+            <a:pPr marL="252095" indent="-252095" fontAlgn="base">
+              <a:spcBef>
+                <a:spcPct val="0"/>
+              </a:spcBef>
+              <a:buFont typeface="Wingdings" panose="05000000000000000000" pitchFamily="2" charset="2"/>
+              <a:buChar char="ü"/>
+              <a:defRPr/>
+            </a:pPr>
+            <a:endParaRPr lang="pt-BR" sz="1325" b="1" dirty="0">
+              <a:solidFill>
+                <a:schemeClr val="tx1"/>
+              </a:solidFill>
+              <a:latin typeface="Calibri" panose="020F0502020204030204" pitchFamily="34" charset="0"/>
+              <a:cs typeface="Simplon BP Regular"/>
+            </a:endParaRPr>
+          </a:p>
+        </p:txBody>
+      </p:sp>
+      <p:sp>
+        <p:nvSpPr>
+          <p:cNvPr id="2" name="Rectangle 43"/>
+          <p:cNvSpPr/>
+          <p:nvPr/>
+        </p:nvSpPr>
+        <p:spPr>
+          <a:xfrm>
+            <a:off x="512766" y="3728204"/>
+            <a:ext cx="12496524" cy="3581485"/>
+          </a:xfrm>
+          <a:prstGeom prst="rect">
+            <a:avLst/>
+          </a:prstGeom>
+          <a:noFill/>
+          <a:ln w="12700">
+            <a:solidFill>
+              <a:schemeClr val="bg1">
+                <a:lumMod val="50000"/>
+              </a:schemeClr>
+            </a:solidFill>
+          </a:ln>
+        </p:spPr>
+        <p:style>
+          <a:lnRef idx="2">
+            <a:schemeClr val="accent4"/>
+          </a:lnRef>
+          <a:fillRef idx="1">
+            <a:schemeClr val="lt1"/>
+          </a:fillRef>
+          <a:effectRef idx="0">
+            <a:schemeClr val="accent4"/>
+          </a:effectRef>
+          <a:fontRef idx="minor">
+            <a:schemeClr val="dk1"/>
+          </a:fontRef>
+        </p:style>
+        <p:txBody>
+          <a:bodyPr wrap="square" tIns="105844" numCol="3" rtlCol="0" anchor="ctr"/>
+          <a:lstStyle/>
+          <a:p>
+            <a:pPr marL="0" lvl="1" defTabSz="671830"/>
+            <a:endParaRPr lang="pt-BR" sz="1600" b="1" dirty="0">
+              <a:solidFill>
+                <a:schemeClr val="tx1"/>
+              </a:solidFill>
+              <a:latin typeface="Calibri" panose="020F0502020204030204" pitchFamily="34" charset="0"/>
+              <a:cs typeface="Simplon BP Regular"/>
+            </a:endParaRPr>
+          </a:p>
+          <a:p>
+            <a:pPr marL="0" lvl="1" defTabSz="671830"/>
+            <a:r>
+              <a:rPr lang="pt-BR" sz="1400" b="1" dirty="0">
+                <a:solidFill>
+                  <a:schemeClr val="tx1"/>
+                </a:solidFill>
+                <a:latin typeface="Calibri" panose="020F0502020204030204" pitchFamily="34" charset="0"/>
+                <a:cs typeface="Simplon BP Regular"/>
+              </a:rPr>
+              <a:t>Frente Negócios</a:t>
+            </a:r>
+          </a:p>
+          <a:p>
+            <a:pPr marL="252095" lvl="1" indent="-252095">
+              <a:buFont typeface="Wingdings" panose="05000000000000000000" pitchFamily="2" charset="2"/>
+              <a:buChar char="§"/>
+            </a:pPr>
+            <a:r>
+              <a:rPr lang="pt-BR" sz="1400" b="1" dirty="0">
+                <a:solidFill>
+                  <a:schemeClr val="tx1"/>
+                </a:solidFill>
+                <a:latin typeface="Calibri" panose="020F0502020204030204" pitchFamily="34" charset="0"/>
+                <a:cs typeface="Simplon BP Regular"/>
+              </a:rPr>
+              <a:t>Definir escopo</a:t>
+            </a:r>
+          </a:p>
+          <a:p>
+            <a:pPr marL="252095" lvl="1" indent="-252095">
+              <a:buFont typeface="Wingdings" panose="05000000000000000000" pitchFamily="2" charset="2"/>
+              <a:buChar char="§"/>
+            </a:pPr>
+            <a:r>
+              <a:rPr lang="pt-BR" sz="1400" b="1" dirty="0" err="1">
+                <a:solidFill>
+                  <a:schemeClr val="tx1"/>
+                </a:solidFill>
+                <a:latin typeface="Calibri" panose="020F0502020204030204" pitchFamily="34" charset="0"/>
+                <a:cs typeface="Simplon BP Regular"/>
+              </a:rPr>
+              <a:t>Gantt</a:t>
+            </a:r>
+            <a:endParaRPr lang="pt-BR" sz="1400" b="1" dirty="0">
+              <a:solidFill>
+                <a:schemeClr val="tx1"/>
+              </a:solidFill>
+              <a:latin typeface="Calibri" panose="020F0502020204030204" pitchFamily="34" charset="0"/>
+              <a:cs typeface="Simplon BP Regular"/>
+            </a:endParaRPr>
+          </a:p>
+          <a:p>
+            <a:pPr marL="252095" lvl="1" indent="-252095">
+              <a:buFont typeface="Wingdings" panose="05000000000000000000" pitchFamily="2" charset="2"/>
+              <a:buChar char="§"/>
+            </a:pPr>
+            <a:r>
+              <a:rPr lang="pt-BR" sz="1400" b="1" dirty="0">
+                <a:solidFill>
+                  <a:schemeClr val="tx1"/>
+                </a:solidFill>
+                <a:latin typeface="Calibri" panose="020F0502020204030204" pitchFamily="34" charset="0"/>
+                <a:cs typeface="Simplon BP Regular"/>
+              </a:rPr>
+              <a:t>Reformular Backlog</a:t>
+            </a:r>
+          </a:p>
+          <a:p>
+            <a:pPr marL="252095" lvl="1" indent="-252095">
+              <a:buFont typeface="Wingdings" panose="05000000000000000000" pitchFamily="2" charset="2"/>
+              <a:buChar char="§"/>
+            </a:pPr>
+            <a:r>
+              <a:rPr lang="pt-BR" sz="1400" b="1" dirty="0">
+                <a:solidFill>
+                  <a:schemeClr val="tx1"/>
+                </a:solidFill>
+                <a:latin typeface="Calibri" panose="020F0502020204030204" pitchFamily="34" charset="0"/>
+                <a:cs typeface="Simplon BP Regular"/>
+              </a:rPr>
+              <a:t>Atividade do Gerson (Usabilidade)</a:t>
+            </a:r>
+          </a:p>
+          <a:p>
+            <a:pPr marL="252095" lvl="1" indent="-252095">
+              <a:buFont typeface="Wingdings" panose="05000000000000000000" pitchFamily="2" charset="2"/>
+              <a:buChar char="§"/>
+            </a:pPr>
+            <a:r>
+              <a:rPr lang="pt-BR" sz="1400" b="1" dirty="0">
+                <a:solidFill>
+                  <a:schemeClr val="tx1"/>
+                </a:solidFill>
+                <a:latin typeface="Calibri" panose="020F0502020204030204" pitchFamily="34" charset="0"/>
+                <a:cs typeface="Simplon BP Regular"/>
+              </a:rPr>
+              <a:t>Definir </a:t>
+            </a:r>
+            <a:r>
+              <a:rPr lang="pt-BR" sz="1400" b="1" dirty="0" err="1">
+                <a:solidFill>
+                  <a:schemeClr val="tx1"/>
+                </a:solidFill>
+                <a:latin typeface="Calibri" panose="020F0502020204030204" pitchFamily="34" charset="0"/>
+                <a:cs typeface="Simplon BP Regular"/>
+              </a:rPr>
+              <a:t>timeline</a:t>
+            </a:r>
+            <a:endParaRPr lang="pt-BR" sz="1400" b="1" dirty="0">
+              <a:solidFill>
+                <a:schemeClr val="tx1"/>
+              </a:solidFill>
+              <a:latin typeface="Calibri" panose="020F0502020204030204" pitchFamily="34" charset="0"/>
+              <a:cs typeface="Simplon BP Regular"/>
+            </a:endParaRPr>
+          </a:p>
+          <a:p>
+            <a:pPr marL="252095" lvl="1" indent="-252095">
+              <a:buFont typeface="Wingdings" panose="05000000000000000000" pitchFamily="2" charset="2"/>
+              <a:buChar char="§"/>
+            </a:pPr>
+            <a:r>
+              <a:rPr lang="pt-BR" sz="1400" b="1" dirty="0">
+                <a:solidFill>
+                  <a:schemeClr val="tx1"/>
+                </a:solidFill>
+                <a:latin typeface="Calibri" panose="020F0502020204030204" pitchFamily="34" charset="0"/>
+                <a:cs typeface="Simplon BP Regular"/>
+              </a:rPr>
+              <a:t>Definir como </a:t>
+            </a:r>
+            <a:r>
+              <a:rPr lang="pt-BR" sz="1400" b="1" dirty="0" err="1">
+                <a:solidFill>
+                  <a:schemeClr val="tx1"/>
+                </a:solidFill>
+                <a:latin typeface="Calibri" panose="020F0502020204030204" pitchFamily="34" charset="0"/>
+                <a:cs typeface="Simplon BP Regular"/>
+              </a:rPr>
+              <a:t>sera</a:t>
+            </a:r>
+            <a:r>
+              <a:rPr lang="pt-BR" sz="1400" b="1" dirty="0">
+                <a:solidFill>
+                  <a:schemeClr val="tx1"/>
+                </a:solidFill>
+                <a:latin typeface="Calibri" panose="020F0502020204030204" pitchFamily="34" charset="0"/>
+                <a:cs typeface="Simplon BP Regular"/>
+              </a:rPr>
+              <a:t> registrado as mudanças </a:t>
+            </a:r>
+          </a:p>
+        </p:txBody>
+      </p:sp>
+      <p:sp>
+        <p:nvSpPr>
+          <p:cNvPr id="44" name="TextBox 118"/>
+          <p:cNvSpPr txBox="1"/>
+          <p:nvPr/>
+        </p:nvSpPr>
+        <p:spPr>
+          <a:xfrm>
+            <a:off x="11822773" y="576471"/>
+            <a:ext cx="899678" cy="179824"/>
+          </a:xfrm>
+          <a:prstGeom prst="rect">
+            <a:avLst/>
+          </a:prstGeom>
+          <a:noFill/>
+          <a:ln w="12700">
+            <a:noFill/>
+          </a:ln>
+        </p:spPr>
+        <p:style>
+          <a:lnRef idx="2">
+            <a:schemeClr val="accent4"/>
+          </a:lnRef>
+          <a:fillRef idx="1">
+            <a:schemeClr val="lt1"/>
+          </a:fillRef>
+          <a:effectRef idx="0">
+            <a:schemeClr val="accent4"/>
+          </a:effectRef>
+          <a:fontRef idx="minor">
+            <a:schemeClr val="dk1"/>
+          </a:fontRef>
+        </p:style>
+        <p:txBody>
+          <a:bodyPr wrap="none" lIns="52922" tIns="52922" rIns="52922" bIns="0" rtlCol="0" anchor="b"/>
+          <a:lstStyle>
+            <a:defPPr>
+              <a:defRPr lang="en-US"/>
+            </a:defPPr>
+            <a:lvl1pPr algn="ctr">
+              <a:defRPr sz="1000" b="1">
+                <a:latin typeface="Simplon BP Regular"/>
+                <a:cs typeface="Simplon BP Regular"/>
+              </a:defRPr>
+            </a:lvl1pPr>
+            <a:lvl2pPr>
+              <a:defRPr>
+                <a:solidFill>
+                  <a:schemeClr val="dk1"/>
+                </a:solidFill>
+              </a:defRPr>
+            </a:lvl2pPr>
+            <a:lvl3pPr>
+              <a:defRPr>
+                <a:solidFill>
+                  <a:schemeClr val="dk1"/>
+                </a:solidFill>
+              </a:defRPr>
+            </a:lvl3pPr>
+            <a:lvl4pPr>
+              <a:defRPr>
+                <a:solidFill>
+                  <a:schemeClr val="dk1"/>
+                </a:solidFill>
+              </a:defRPr>
+            </a:lvl4pPr>
+            <a:lvl5pPr>
+              <a:defRPr>
+                <a:solidFill>
+                  <a:schemeClr val="dk1"/>
+                </a:solidFill>
+              </a:defRPr>
+            </a:lvl5pPr>
+            <a:lvl6pPr>
+              <a:defRPr>
+                <a:solidFill>
+                  <a:schemeClr val="dk1"/>
+                </a:solidFill>
+              </a:defRPr>
+            </a:lvl6pPr>
+            <a:lvl7pPr>
+              <a:defRPr>
+                <a:solidFill>
+                  <a:schemeClr val="dk1"/>
+                </a:solidFill>
+              </a:defRPr>
+            </a:lvl7pPr>
+            <a:lvl8pPr>
+              <a:defRPr>
+                <a:solidFill>
+                  <a:schemeClr val="dk1"/>
+                </a:solidFill>
+              </a:defRPr>
+            </a:lvl8pPr>
+            <a:lvl9pPr>
+              <a:defRPr>
+                <a:solidFill>
+                  <a:schemeClr val="dk1"/>
+                </a:solidFill>
+              </a:defRPr>
+            </a:lvl9pPr>
+          </a:lstStyle>
+          <a:p>
+            <a:pPr defTabSz="671830"/>
+            <a:r>
+              <a:rPr lang="pt-BR" sz="1175" b="0" dirty="0">
+                <a:solidFill>
+                  <a:prstClr val="black"/>
+                </a:solidFill>
+                <a:latin typeface="Simplon BP Bold" pitchFamily="2" charset="0"/>
+              </a:rPr>
+              <a:t>Negócios</a:t>
+            </a:r>
+          </a:p>
+        </p:txBody>
+      </p:sp>
+      <p:sp>
+        <p:nvSpPr>
+          <p:cNvPr id="45" name="Oval 120"/>
+          <p:cNvSpPr>
+            <a:spLocks noChangeAspect="1"/>
+          </p:cNvSpPr>
+          <p:nvPr/>
+        </p:nvSpPr>
+        <p:spPr>
+          <a:xfrm>
+            <a:off x="11193898" y="297930"/>
+            <a:ext cx="211404" cy="211689"/>
+          </a:xfrm>
+          <a:prstGeom prst="ellipse">
+            <a:avLst/>
+          </a:prstGeom>
+          <a:solidFill>
+            <a:srgbClr val="00B050"/>
+          </a:solidFill>
+          <a:ln w="12700">
+            <a:solidFill>
+              <a:schemeClr val="accent3"/>
+            </a:solidFill>
+          </a:ln>
+        </p:spPr>
+        <p:style>
+          <a:lnRef idx="2">
+            <a:schemeClr val="accent1">
+              <a:shade val="50000"/>
+            </a:schemeClr>
+          </a:lnRef>
+          <a:fillRef idx="1">
+            <a:schemeClr val="accent1"/>
+          </a:fillRef>
+          <a:effectRef idx="0">
+            <a:schemeClr val="accent1"/>
+          </a:effectRef>
+          <a:fontRef idx="minor">
+            <a:schemeClr val="lt1"/>
+          </a:fontRef>
+        </p:style>
+        <p:txBody>
+          <a:bodyPr wrap="none" lIns="52922" tIns="52922" rIns="52922" rtlCol="0" anchor="ctr"/>
+          <a:lstStyle/>
+          <a:p>
+            <a:pPr algn="ctr" defTabSz="671830"/>
+            <a:endParaRPr lang="en-US" sz="1175" dirty="0">
+              <a:solidFill>
+                <a:prstClr val="black"/>
+              </a:solidFill>
+              <a:latin typeface="Simplon BP Regular"/>
+              <a:cs typeface="Simplon BP Regular"/>
+            </a:endParaRPr>
+          </a:p>
+        </p:txBody>
+      </p:sp>
+      <p:sp>
+        <p:nvSpPr>
+          <p:cNvPr id="46" name="TextBox 123"/>
+          <p:cNvSpPr txBox="1"/>
+          <p:nvPr/>
+        </p:nvSpPr>
+        <p:spPr>
+          <a:xfrm>
+            <a:off x="10852497" y="576471"/>
+            <a:ext cx="899678" cy="179824"/>
+          </a:xfrm>
+          <a:prstGeom prst="rect">
+            <a:avLst/>
+          </a:prstGeom>
+          <a:noFill/>
+          <a:ln w="12700">
+            <a:noFill/>
+          </a:ln>
+        </p:spPr>
+        <p:style>
+          <a:lnRef idx="2">
+            <a:schemeClr val="accent4"/>
+          </a:lnRef>
+          <a:fillRef idx="1">
+            <a:schemeClr val="lt1"/>
+          </a:fillRef>
+          <a:effectRef idx="0">
+            <a:schemeClr val="accent4"/>
+          </a:effectRef>
+          <a:fontRef idx="minor">
+            <a:schemeClr val="dk1"/>
+          </a:fontRef>
+        </p:style>
+        <p:txBody>
+          <a:bodyPr wrap="none" lIns="52922" tIns="52922" rIns="52922" bIns="0" rtlCol="0" anchor="b"/>
+          <a:lstStyle>
+            <a:defPPr>
+              <a:defRPr lang="en-US"/>
+            </a:defPPr>
+            <a:lvl1pPr algn="ctr">
+              <a:defRPr sz="1000" b="1">
+                <a:latin typeface="Simplon BP Regular"/>
+                <a:cs typeface="Simplon BP Regular"/>
+              </a:defRPr>
+            </a:lvl1pPr>
+            <a:lvl2pPr>
+              <a:defRPr>
+                <a:solidFill>
+                  <a:schemeClr val="dk1"/>
+                </a:solidFill>
+              </a:defRPr>
+            </a:lvl2pPr>
+            <a:lvl3pPr>
+              <a:defRPr>
+                <a:solidFill>
+                  <a:schemeClr val="dk1"/>
+                </a:solidFill>
+              </a:defRPr>
+            </a:lvl3pPr>
+            <a:lvl4pPr>
+              <a:defRPr>
+                <a:solidFill>
+                  <a:schemeClr val="dk1"/>
+                </a:solidFill>
+              </a:defRPr>
+            </a:lvl4pPr>
+            <a:lvl5pPr>
+              <a:defRPr>
+                <a:solidFill>
+                  <a:schemeClr val="dk1"/>
+                </a:solidFill>
+              </a:defRPr>
+            </a:lvl5pPr>
+            <a:lvl6pPr>
+              <a:defRPr>
+                <a:solidFill>
+                  <a:schemeClr val="dk1"/>
+                </a:solidFill>
+              </a:defRPr>
+            </a:lvl6pPr>
+            <a:lvl7pPr>
+              <a:defRPr>
+                <a:solidFill>
+                  <a:schemeClr val="dk1"/>
+                </a:solidFill>
+              </a:defRPr>
+            </a:lvl7pPr>
+            <a:lvl8pPr>
+              <a:defRPr>
+                <a:solidFill>
+                  <a:schemeClr val="dk1"/>
+                </a:solidFill>
+              </a:defRPr>
+            </a:lvl8pPr>
+            <a:lvl9pPr>
+              <a:defRPr>
+                <a:solidFill>
+                  <a:schemeClr val="dk1"/>
+                </a:solidFill>
+              </a:defRPr>
+            </a:lvl9pPr>
+          </a:lstStyle>
+          <a:p>
+            <a:pPr defTabSz="671830"/>
+            <a:r>
+              <a:rPr lang="pt-BR" sz="1175" b="0" dirty="0">
+                <a:solidFill>
+                  <a:prstClr val="black"/>
+                </a:solidFill>
+                <a:latin typeface="Simplon BP Bold" pitchFamily="2" charset="0"/>
+              </a:rPr>
+              <a:t>Plataforma</a:t>
+            </a:r>
+          </a:p>
+        </p:txBody>
+      </p:sp>
+      <p:sp>
+        <p:nvSpPr>
+          <p:cNvPr id="47" name="TextBox 128"/>
+          <p:cNvSpPr txBox="1"/>
+          <p:nvPr/>
+        </p:nvSpPr>
+        <p:spPr>
+          <a:xfrm>
+            <a:off x="9854245" y="576471"/>
+            <a:ext cx="899678" cy="179824"/>
+          </a:xfrm>
+          <a:prstGeom prst="rect">
+            <a:avLst/>
+          </a:prstGeom>
+          <a:noFill/>
+          <a:ln w="12700">
+            <a:noFill/>
+          </a:ln>
+        </p:spPr>
+        <p:style>
+          <a:lnRef idx="2">
+            <a:schemeClr val="accent4"/>
+          </a:lnRef>
+          <a:fillRef idx="1">
+            <a:schemeClr val="lt1"/>
+          </a:fillRef>
+          <a:effectRef idx="0">
+            <a:schemeClr val="accent4"/>
+          </a:effectRef>
+          <a:fontRef idx="minor">
+            <a:schemeClr val="dk1"/>
+          </a:fontRef>
+        </p:style>
+        <p:txBody>
+          <a:bodyPr wrap="none" lIns="52922" tIns="52922" rIns="52922" bIns="0" rtlCol="0" anchor="b"/>
+          <a:lstStyle>
+            <a:defPPr>
+              <a:defRPr lang="en-US"/>
+            </a:defPPr>
+            <a:lvl1pPr algn="ctr">
+              <a:defRPr sz="1000" b="1">
+                <a:latin typeface="Simplon BP Regular"/>
+                <a:cs typeface="Simplon BP Regular"/>
+              </a:defRPr>
+            </a:lvl1pPr>
+            <a:lvl2pPr>
+              <a:defRPr>
+                <a:solidFill>
+                  <a:schemeClr val="dk1"/>
+                </a:solidFill>
+              </a:defRPr>
+            </a:lvl2pPr>
+            <a:lvl3pPr>
+              <a:defRPr>
+                <a:solidFill>
+                  <a:schemeClr val="dk1"/>
+                </a:solidFill>
+              </a:defRPr>
+            </a:lvl3pPr>
+            <a:lvl4pPr>
+              <a:defRPr>
+                <a:solidFill>
+                  <a:schemeClr val="dk1"/>
+                </a:solidFill>
+              </a:defRPr>
+            </a:lvl4pPr>
+            <a:lvl5pPr>
+              <a:defRPr>
+                <a:solidFill>
+                  <a:schemeClr val="dk1"/>
+                </a:solidFill>
+              </a:defRPr>
+            </a:lvl5pPr>
+            <a:lvl6pPr>
+              <a:defRPr>
+                <a:solidFill>
+                  <a:schemeClr val="dk1"/>
+                </a:solidFill>
+              </a:defRPr>
+            </a:lvl6pPr>
+            <a:lvl7pPr>
+              <a:defRPr>
+                <a:solidFill>
+                  <a:schemeClr val="dk1"/>
+                </a:solidFill>
+              </a:defRPr>
+            </a:lvl7pPr>
+            <a:lvl8pPr>
+              <a:defRPr>
+                <a:solidFill>
+                  <a:schemeClr val="dk1"/>
+                </a:solidFill>
+              </a:defRPr>
+            </a:lvl8pPr>
+            <a:lvl9pPr>
+              <a:defRPr>
+                <a:solidFill>
+                  <a:schemeClr val="dk1"/>
+                </a:solidFill>
+              </a:defRPr>
+            </a:lvl9pPr>
+          </a:lstStyle>
+          <a:p>
+            <a:pPr defTabSz="671830"/>
+            <a:r>
+              <a:rPr lang="pt-BR" sz="1175" b="0" dirty="0">
+                <a:solidFill>
+                  <a:prstClr val="black"/>
+                </a:solidFill>
+                <a:latin typeface="Simplon BP Bold" pitchFamily="2" charset="0"/>
+              </a:rPr>
+              <a:t>Back</a:t>
+            </a:r>
+          </a:p>
+        </p:txBody>
+      </p:sp>
+      <p:sp>
+        <p:nvSpPr>
+          <p:cNvPr id="48" name="TextBox 133"/>
+          <p:cNvSpPr txBox="1"/>
+          <p:nvPr/>
+        </p:nvSpPr>
+        <p:spPr>
+          <a:xfrm>
+            <a:off x="8934246" y="576471"/>
+            <a:ext cx="899678" cy="179824"/>
+          </a:xfrm>
+          <a:prstGeom prst="rect">
+            <a:avLst/>
+          </a:prstGeom>
+          <a:noFill/>
+          <a:ln w="12700">
+            <a:noFill/>
+          </a:ln>
+        </p:spPr>
+        <p:style>
+          <a:lnRef idx="2">
+            <a:schemeClr val="accent4"/>
+          </a:lnRef>
+          <a:fillRef idx="1">
+            <a:schemeClr val="lt1"/>
+          </a:fillRef>
+          <a:effectRef idx="0">
+            <a:schemeClr val="accent4"/>
+          </a:effectRef>
+          <a:fontRef idx="minor">
+            <a:schemeClr val="dk1"/>
+          </a:fontRef>
+        </p:style>
+        <p:txBody>
+          <a:bodyPr wrap="none" lIns="52922" tIns="52922" rIns="52922" bIns="0" rtlCol="0" anchor="b"/>
+          <a:lstStyle>
+            <a:defPPr>
+              <a:defRPr lang="en-US"/>
+            </a:defPPr>
+            <a:lvl1pPr algn="ctr">
+              <a:defRPr sz="1000" b="1">
+                <a:latin typeface="Simplon BP Regular"/>
+                <a:cs typeface="Simplon BP Regular"/>
+              </a:defRPr>
+            </a:lvl1pPr>
+            <a:lvl2pPr>
+              <a:defRPr>
+                <a:solidFill>
+                  <a:schemeClr val="dk1"/>
+                </a:solidFill>
+              </a:defRPr>
+            </a:lvl2pPr>
+            <a:lvl3pPr>
+              <a:defRPr>
+                <a:solidFill>
+                  <a:schemeClr val="dk1"/>
+                </a:solidFill>
+              </a:defRPr>
+            </a:lvl3pPr>
+            <a:lvl4pPr>
+              <a:defRPr>
+                <a:solidFill>
+                  <a:schemeClr val="dk1"/>
+                </a:solidFill>
+              </a:defRPr>
+            </a:lvl4pPr>
+            <a:lvl5pPr>
+              <a:defRPr>
+                <a:solidFill>
+                  <a:schemeClr val="dk1"/>
+                </a:solidFill>
+              </a:defRPr>
+            </a:lvl5pPr>
+            <a:lvl6pPr>
+              <a:defRPr>
+                <a:solidFill>
+                  <a:schemeClr val="dk1"/>
+                </a:solidFill>
+              </a:defRPr>
+            </a:lvl6pPr>
+            <a:lvl7pPr>
+              <a:defRPr>
+                <a:solidFill>
+                  <a:schemeClr val="dk1"/>
+                </a:solidFill>
+              </a:defRPr>
+            </a:lvl7pPr>
+            <a:lvl8pPr>
+              <a:defRPr>
+                <a:solidFill>
+                  <a:schemeClr val="dk1"/>
+                </a:solidFill>
+              </a:defRPr>
+            </a:lvl8pPr>
+            <a:lvl9pPr>
+              <a:defRPr>
+                <a:solidFill>
+                  <a:schemeClr val="dk1"/>
+                </a:solidFill>
+              </a:defRPr>
+            </a:lvl9pPr>
+          </a:lstStyle>
+          <a:p>
+            <a:pPr defTabSz="671830"/>
+            <a:r>
+              <a:rPr lang="pt-BR" sz="1175" b="0" dirty="0">
+                <a:solidFill>
+                  <a:prstClr val="black"/>
+                </a:solidFill>
+                <a:latin typeface="Simplon BP Bold" pitchFamily="2" charset="0"/>
+              </a:rPr>
+              <a:t>Front</a:t>
+            </a:r>
+          </a:p>
+        </p:txBody>
+      </p:sp>
+      <p:sp>
+        <p:nvSpPr>
+          <p:cNvPr id="49" name="Oval 134"/>
+          <p:cNvSpPr>
+            <a:spLocks noChangeAspect="1"/>
+          </p:cNvSpPr>
+          <p:nvPr/>
+        </p:nvSpPr>
+        <p:spPr>
+          <a:xfrm>
+            <a:off x="8443555" y="282529"/>
+            <a:ext cx="211404" cy="211689"/>
+          </a:xfrm>
+          <a:prstGeom prst="ellipse">
+            <a:avLst/>
+          </a:prstGeom>
+          <a:solidFill>
+            <a:srgbClr val="00B050"/>
+          </a:solidFill>
+          <a:ln w="12700">
+            <a:solidFill>
+              <a:schemeClr val="accent3"/>
+            </a:solidFill>
+          </a:ln>
+        </p:spPr>
+        <p:style>
+          <a:lnRef idx="2">
+            <a:schemeClr val="accent1">
+              <a:shade val="50000"/>
+            </a:schemeClr>
+          </a:lnRef>
+          <a:fillRef idx="1">
+            <a:schemeClr val="accent1"/>
+          </a:fillRef>
+          <a:effectRef idx="0">
+            <a:schemeClr val="accent1"/>
+          </a:effectRef>
+          <a:fontRef idx="minor">
+            <a:schemeClr val="lt1"/>
+          </a:fontRef>
+        </p:style>
+        <p:txBody>
+          <a:bodyPr wrap="none" lIns="52922" tIns="52922" rIns="52922" rtlCol="0" anchor="ctr"/>
+          <a:lstStyle/>
+          <a:p>
+            <a:pPr algn="ctr" defTabSz="671830"/>
+            <a:endParaRPr lang="en-US" sz="1175" dirty="0">
+              <a:solidFill>
+                <a:prstClr val="black"/>
+              </a:solidFill>
+              <a:latin typeface="Simplon BP Regular"/>
+              <a:cs typeface="Simplon BP Regular"/>
+            </a:endParaRPr>
+          </a:p>
+        </p:txBody>
+      </p:sp>
+      <p:sp>
+        <p:nvSpPr>
+          <p:cNvPr id="50" name="TextBox 138"/>
+          <p:cNvSpPr txBox="1"/>
+          <p:nvPr/>
+        </p:nvSpPr>
+        <p:spPr>
+          <a:xfrm>
+            <a:off x="8126053" y="576471"/>
+            <a:ext cx="899678" cy="179824"/>
+          </a:xfrm>
+          <a:prstGeom prst="rect">
+            <a:avLst/>
+          </a:prstGeom>
+          <a:noFill/>
+          <a:ln w="12700">
+            <a:noFill/>
+          </a:ln>
+        </p:spPr>
+        <p:style>
+          <a:lnRef idx="2">
+            <a:schemeClr val="accent4"/>
+          </a:lnRef>
+          <a:fillRef idx="1">
+            <a:schemeClr val="lt1"/>
+          </a:fillRef>
+          <a:effectRef idx="0">
+            <a:schemeClr val="accent4"/>
+          </a:effectRef>
+          <a:fontRef idx="minor">
+            <a:schemeClr val="dk1"/>
+          </a:fontRef>
+        </p:style>
+        <p:txBody>
+          <a:bodyPr wrap="none" lIns="52922" tIns="52922" rIns="52922" bIns="0" rtlCol="0" anchor="b"/>
+          <a:lstStyle>
+            <a:defPPr>
+              <a:defRPr lang="en-US"/>
+            </a:defPPr>
+            <a:lvl1pPr algn="ctr">
+              <a:defRPr sz="1000" b="1">
+                <a:latin typeface="Simplon BP Regular"/>
+                <a:cs typeface="Simplon BP Regular"/>
+              </a:defRPr>
+            </a:lvl1pPr>
+            <a:lvl2pPr>
+              <a:defRPr>
+                <a:solidFill>
+                  <a:schemeClr val="dk1"/>
+                </a:solidFill>
+              </a:defRPr>
+            </a:lvl2pPr>
+            <a:lvl3pPr>
+              <a:defRPr>
+                <a:solidFill>
+                  <a:schemeClr val="dk1"/>
+                </a:solidFill>
+              </a:defRPr>
+            </a:lvl3pPr>
+            <a:lvl4pPr>
+              <a:defRPr>
+                <a:solidFill>
+                  <a:schemeClr val="dk1"/>
+                </a:solidFill>
+              </a:defRPr>
+            </a:lvl4pPr>
+            <a:lvl5pPr>
+              <a:defRPr>
+                <a:solidFill>
+                  <a:schemeClr val="dk1"/>
+                </a:solidFill>
+              </a:defRPr>
+            </a:lvl5pPr>
+            <a:lvl6pPr>
+              <a:defRPr>
+                <a:solidFill>
+                  <a:schemeClr val="dk1"/>
+                </a:solidFill>
+              </a:defRPr>
+            </a:lvl6pPr>
+            <a:lvl7pPr>
+              <a:defRPr>
+                <a:solidFill>
+                  <a:schemeClr val="dk1"/>
+                </a:solidFill>
+              </a:defRPr>
+            </a:lvl7pPr>
+            <a:lvl8pPr>
+              <a:defRPr>
+                <a:solidFill>
+                  <a:schemeClr val="dk1"/>
+                </a:solidFill>
+              </a:defRPr>
+            </a:lvl8pPr>
+            <a:lvl9pPr>
+              <a:defRPr>
+                <a:solidFill>
+                  <a:schemeClr val="dk1"/>
+                </a:solidFill>
+              </a:defRPr>
+            </a:lvl9pPr>
+          </a:lstStyle>
+          <a:p>
+            <a:pPr defTabSz="671830"/>
+            <a:r>
+              <a:rPr lang="en-US" sz="1175" b="0" dirty="0" err="1">
+                <a:solidFill>
+                  <a:prstClr val="black"/>
+                </a:solidFill>
+                <a:latin typeface="Simplon BP Bold" pitchFamily="2" charset="0"/>
+              </a:rPr>
+              <a:t>Equipe</a:t>
+            </a:r>
+            <a:endParaRPr lang="en-US" sz="1175" b="0" dirty="0">
+              <a:solidFill>
+                <a:prstClr val="black"/>
+              </a:solidFill>
+              <a:latin typeface="Simplon BP Bold" pitchFamily="2" charset="0"/>
+            </a:endParaRPr>
+          </a:p>
+        </p:txBody>
+      </p:sp>
+      <p:sp>
+        <p:nvSpPr>
+          <p:cNvPr id="51" name="Oval 134"/>
+          <p:cNvSpPr>
+            <a:spLocks noChangeAspect="1"/>
+          </p:cNvSpPr>
+          <p:nvPr/>
+        </p:nvSpPr>
+        <p:spPr>
+          <a:xfrm>
+            <a:off x="9225955" y="282529"/>
+            <a:ext cx="211404" cy="211689"/>
+          </a:xfrm>
+          <a:prstGeom prst="ellipse">
+            <a:avLst/>
+          </a:prstGeom>
+          <a:solidFill>
+            <a:srgbClr val="00B050"/>
+          </a:solidFill>
+          <a:ln w="12700">
+            <a:solidFill>
+              <a:schemeClr val="accent3"/>
+            </a:solidFill>
+          </a:ln>
+        </p:spPr>
+        <p:style>
+          <a:lnRef idx="2">
+            <a:schemeClr val="accent1">
+              <a:shade val="50000"/>
+            </a:schemeClr>
+          </a:lnRef>
+          <a:fillRef idx="1">
+            <a:schemeClr val="accent1"/>
+          </a:fillRef>
+          <a:effectRef idx="0">
+            <a:schemeClr val="accent1"/>
+          </a:effectRef>
+          <a:fontRef idx="minor">
+            <a:schemeClr val="lt1"/>
+          </a:fontRef>
+        </p:style>
+        <p:txBody>
+          <a:bodyPr wrap="none" lIns="52922" tIns="52922" rIns="52922" rtlCol="0" anchor="ctr"/>
+          <a:lstStyle/>
+          <a:p>
+            <a:pPr algn="ctr" defTabSz="671830"/>
+            <a:endParaRPr lang="en-US" sz="1175" dirty="0">
+              <a:solidFill>
+                <a:prstClr val="black"/>
+              </a:solidFill>
+              <a:latin typeface="Simplon BP Regular"/>
+              <a:cs typeface="Simplon BP Regular"/>
+            </a:endParaRPr>
+          </a:p>
+        </p:txBody>
+      </p:sp>
+      <p:sp>
+        <p:nvSpPr>
+          <p:cNvPr id="52" name="Oval 134"/>
+          <p:cNvSpPr>
+            <a:spLocks noChangeAspect="1"/>
+          </p:cNvSpPr>
+          <p:nvPr/>
+        </p:nvSpPr>
+        <p:spPr>
+          <a:xfrm>
+            <a:off x="12155999" y="278623"/>
+            <a:ext cx="211404" cy="211689"/>
+          </a:xfrm>
+          <a:prstGeom prst="ellipse">
+            <a:avLst/>
+          </a:prstGeom>
+          <a:solidFill>
+            <a:srgbClr val="00B050"/>
+          </a:solidFill>
+          <a:ln w="12700">
+            <a:solidFill>
+              <a:schemeClr val="accent3"/>
+            </a:solidFill>
+          </a:ln>
+        </p:spPr>
+        <p:style>
+          <a:lnRef idx="2">
+            <a:schemeClr val="accent1">
+              <a:shade val="50000"/>
+            </a:schemeClr>
+          </a:lnRef>
+          <a:fillRef idx="1">
+            <a:schemeClr val="accent1"/>
+          </a:fillRef>
+          <a:effectRef idx="0">
+            <a:schemeClr val="accent1"/>
+          </a:effectRef>
+          <a:fontRef idx="minor">
+            <a:schemeClr val="lt1"/>
+          </a:fontRef>
+        </p:style>
+        <p:txBody>
+          <a:bodyPr wrap="none" lIns="52922" tIns="52922" rIns="52922" rtlCol="0" anchor="ctr"/>
+          <a:lstStyle/>
+          <a:p>
+            <a:pPr algn="ctr" defTabSz="671830"/>
+            <a:endParaRPr lang="en-US" sz="1175" dirty="0">
+              <a:solidFill>
+                <a:prstClr val="black"/>
+              </a:solidFill>
+              <a:latin typeface="Simplon BP Regular"/>
+              <a:cs typeface="Simplon BP Regular"/>
+            </a:endParaRPr>
+          </a:p>
+        </p:txBody>
+      </p:sp>
+      <p:sp>
+        <p:nvSpPr>
+          <p:cNvPr id="53" name="Oval 120"/>
+          <p:cNvSpPr>
+            <a:spLocks noChangeAspect="1"/>
+          </p:cNvSpPr>
+          <p:nvPr/>
+        </p:nvSpPr>
+        <p:spPr>
+          <a:xfrm>
+            <a:off x="10188056" y="288207"/>
+            <a:ext cx="211404" cy="211689"/>
+          </a:xfrm>
+          <a:prstGeom prst="ellipse">
+            <a:avLst/>
+          </a:prstGeom>
+          <a:solidFill>
+            <a:srgbClr val="00B050"/>
+          </a:solidFill>
+          <a:ln w="12700">
+            <a:solidFill>
+              <a:schemeClr val="accent3"/>
+            </a:solidFill>
+          </a:ln>
+        </p:spPr>
+        <p:style>
+          <a:lnRef idx="2">
+            <a:schemeClr val="accent1">
+              <a:shade val="50000"/>
+            </a:schemeClr>
+          </a:lnRef>
+          <a:fillRef idx="1">
+            <a:schemeClr val="accent1"/>
+          </a:fillRef>
+          <a:effectRef idx="0">
+            <a:schemeClr val="accent1"/>
+          </a:effectRef>
+          <a:fontRef idx="minor">
+            <a:schemeClr val="lt1"/>
+          </a:fontRef>
+        </p:style>
+        <p:txBody>
+          <a:bodyPr wrap="none" lIns="52922" tIns="52922" rIns="52922" rtlCol="0" anchor="ctr"/>
+          <a:lstStyle/>
+          <a:p>
+            <a:pPr algn="ctr" defTabSz="671830"/>
+            <a:endParaRPr lang="en-US" sz="1175" dirty="0">
+              <a:solidFill>
+                <a:prstClr val="black"/>
+              </a:solidFill>
+              <a:latin typeface="Simplon BP Regular"/>
+              <a:cs typeface="Simplon BP Regular"/>
+            </a:endParaRPr>
+          </a:p>
+        </p:txBody>
+      </p:sp>
+      <p:sp>
+        <p:nvSpPr>
+          <p:cNvPr id="54" name="Retângulo 53"/>
+          <p:cNvSpPr/>
+          <p:nvPr/>
+        </p:nvSpPr>
+        <p:spPr>
+          <a:xfrm>
+            <a:off x="8017619" y="180231"/>
+            <a:ext cx="4937689" cy="618769"/>
+          </a:xfrm>
+          <a:prstGeom prst="rect">
+            <a:avLst/>
+          </a:prstGeom>
+          <a:noFill/>
+          <a:ln w="6350">
+            <a:solidFill>
+              <a:schemeClr val="bg1">
+                <a:lumMod val="75000"/>
+              </a:schemeClr>
+            </a:solidFill>
+          </a:ln>
+        </p:spPr>
+        <p:style>
+          <a:lnRef idx="2">
+            <a:schemeClr val="accent1">
+              <a:shade val="50000"/>
+            </a:schemeClr>
+          </a:lnRef>
+          <a:fillRef idx="1">
+            <a:schemeClr val="accent1"/>
+          </a:fillRef>
+          <a:effectRef idx="0">
+            <a:schemeClr val="accent1"/>
+          </a:effectRef>
+          <a:fontRef idx="minor">
+            <a:schemeClr val="lt1"/>
+          </a:fontRef>
+        </p:style>
+        <p:txBody>
+          <a:bodyPr rtlCol="0" anchor="ctr"/>
+          <a:lstStyle/>
+          <a:p>
+            <a:pPr algn="ctr"/>
+            <a:endParaRPr lang="pt-BR"/>
+          </a:p>
+        </p:txBody>
+      </p:sp>
+      <p:sp>
+        <p:nvSpPr>
+          <p:cNvPr id="55" name="TextBox 138"/>
+          <p:cNvSpPr txBox="1"/>
+          <p:nvPr/>
+        </p:nvSpPr>
+        <p:spPr>
+          <a:xfrm>
+            <a:off x="9554520" y="40775"/>
+            <a:ext cx="1478088" cy="211688"/>
+          </a:xfrm>
+          <a:prstGeom prst="rect">
+            <a:avLst/>
+          </a:prstGeom>
+          <a:solidFill>
+            <a:schemeClr val="bg1"/>
+          </a:solidFill>
+          <a:ln w="12700">
+            <a:noFill/>
+          </a:ln>
+        </p:spPr>
+        <p:style>
+          <a:lnRef idx="2">
+            <a:schemeClr val="accent4"/>
+          </a:lnRef>
+          <a:fillRef idx="1">
+            <a:schemeClr val="lt1"/>
+          </a:fillRef>
+          <a:effectRef idx="0">
+            <a:schemeClr val="accent4"/>
+          </a:effectRef>
+          <a:fontRef idx="minor">
+            <a:schemeClr val="dk1"/>
+          </a:fontRef>
+        </p:style>
+        <p:txBody>
+          <a:bodyPr wrap="none" lIns="52922" tIns="52922" rIns="52922" bIns="0" rtlCol="0" anchor="b"/>
+          <a:lstStyle>
+            <a:defPPr>
+              <a:defRPr lang="en-US"/>
+            </a:defPPr>
+            <a:lvl1pPr algn="ctr">
+              <a:defRPr sz="1000" b="1">
+                <a:latin typeface="Simplon BP Regular"/>
+                <a:cs typeface="Simplon BP Regular"/>
+              </a:defRPr>
+            </a:lvl1pPr>
+            <a:lvl2pPr>
+              <a:defRPr>
+                <a:solidFill>
+                  <a:schemeClr val="dk1"/>
+                </a:solidFill>
+              </a:defRPr>
+            </a:lvl2pPr>
+            <a:lvl3pPr>
+              <a:defRPr>
+                <a:solidFill>
+                  <a:schemeClr val="dk1"/>
+                </a:solidFill>
+              </a:defRPr>
+            </a:lvl3pPr>
+            <a:lvl4pPr>
+              <a:defRPr>
+                <a:solidFill>
+                  <a:schemeClr val="dk1"/>
+                </a:solidFill>
+              </a:defRPr>
+            </a:lvl4pPr>
+            <a:lvl5pPr>
+              <a:defRPr>
+                <a:solidFill>
+                  <a:schemeClr val="dk1"/>
+                </a:solidFill>
+              </a:defRPr>
+            </a:lvl5pPr>
+            <a:lvl6pPr>
+              <a:defRPr>
+                <a:solidFill>
+                  <a:schemeClr val="dk1"/>
+                </a:solidFill>
+              </a:defRPr>
+            </a:lvl6pPr>
+            <a:lvl7pPr>
+              <a:defRPr>
+                <a:solidFill>
+                  <a:schemeClr val="dk1"/>
+                </a:solidFill>
+              </a:defRPr>
+            </a:lvl7pPr>
+            <a:lvl8pPr>
+              <a:defRPr>
+                <a:solidFill>
+                  <a:schemeClr val="dk1"/>
+                </a:solidFill>
+              </a:defRPr>
+            </a:lvl8pPr>
+            <a:lvl9pPr>
+              <a:defRPr>
+                <a:solidFill>
+                  <a:schemeClr val="dk1"/>
+                </a:solidFill>
+              </a:defRPr>
+            </a:lvl9pPr>
+          </a:lstStyle>
+          <a:p>
+            <a:pPr defTabSz="671830"/>
+            <a:r>
+              <a:rPr lang="en-US" sz="1175" b="0" dirty="0">
+                <a:solidFill>
+                  <a:prstClr val="black"/>
+                </a:solidFill>
+                <a:latin typeface="Simplon BP Bold" pitchFamily="2" charset="0"/>
+              </a:rPr>
+              <a:t>    </a:t>
+            </a:r>
+            <a:r>
+              <a:rPr lang="en-US" sz="1175" b="0" dirty="0" err="1">
+                <a:solidFill>
+                  <a:prstClr val="black"/>
+                </a:solidFill>
+                <a:latin typeface="Simplon BP Bold" pitchFamily="2" charset="0"/>
+              </a:rPr>
+              <a:t>Farol</a:t>
+            </a:r>
+            <a:r>
+              <a:rPr lang="en-US" sz="1175" b="0" dirty="0">
+                <a:solidFill>
+                  <a:prstClr val="black"/>
+                </a:solidFill>
+                <a:latin typeface="Simplon BP Bold" pitchFamily="2" charset="0"/>
+              </a:rPr>
+              <a:t> do </a:t>
+            </a:r>
+            <a:r>
+              <a:rPr lang="en-US" sz="1175" b="0" dirty="0" err="1">
+                <a:solidFill>
+                  <a:prstClr val="black"/>
+                </a:solidFill>
+                <a:latin typeface="Simplon BP Bold" pitchFamily="2" charset="0"/>
+              </a:rPr>
+              <a:t>Projeto</a:t>
+            </a:r>
+            <a:r>
+              <a:rPr lang="en-US" sz="1175" b="0" dirty="0">
+                <a:solidFill>
+                  <a:prstClr val="black"/>
+                </a:solidFill>
+                <a:latin typeface="Simplon BP Bold" pitchFamily="2" charset="0"/>
+              </a:rPr>
+              <a:t>   </a:t>
+            </a:r>
+          </a:p>
+        </p:txBody>
+      </p:sp>
+    </p:spTree>
+    <p:extLst>
+      <p:ext uri="{BB962C8B-B14F-4D97-AF65-F5344CB8AC3E}">
+        <p14:creationId xmlns:p14="http://schemas.microsoft.com/office/powerpoint/2010/main" val="4165993794"/>
       </p:ext>
     </p:extLst>
   </p:cSld>

--- a/Documentação/Status report/Status report.pptx
+++ b/Documentação/Status report/Status report.pptx
@@ -15193,8 +15193,23 @@
               <a:rPr lang="pt-PT" altLang="pt-BR" sz="1300" b="0" strike="noStrike" spc="-1">
                 <a:latin typeface="Arial" panose="020B0604020202020204"/>
               </a:rPr>
-              <a:t>Sprint review,</a:t>
+              <a:t>Sprint review</a:t>
             </a:r>
+            <a:endParaRPr lang="pt-PT" altLang="pt-BR" sz="1300" b="0" strike="noStrike" spc="-1">
+              <a:latin typeface="Arial" panose="020B0604020202020204"/>
+            </a:endParaRPr>
+          </a:p>
+          <a:p>
+            <a:pPr indent="0">
+              <a:lnSpc>
+                <a:spcPct val="100000"/>
+              </a:lnSpc>
+              <a:buClr>
+                <a:srgbClr val="000000"/>
+              </a:buClr>
+              <a:buFont typeface="Wingdings" panose="05000000000000000000" pitchFamily="2" charset="2"/>
+              <a:buNone/>
+            </a:pPr>
             <a:endParaRPr lang="pt-PT" altLang="pt-BR" sz="1300" b="0" strike="noStrike" spc="-1">
               <a:latin typeface="Arial" panose="020B0604020202020204"/>
             </a:endParaRPr>
@@ -15406,6 +15421,72 @@
                         </a:rPr>
                         <a:t>Fazer o diagrama de solução versão especificada</a:t>
                       </a:r>
+                      <a:endParaRPr lang="pt-PT" altLang="pt-BR" sz="1400" b="0" strike="noStrike" spc="-1">
+                        <a:latin typeface="Times New Roman" panose="02020603050405020304"/>
+                      </a:endParaRPr>
+                    </a:p>
+                    <a:p>
+                      <a:pPr marL="251460" lvl="1" indent="-251460">
+                        <a:lnSpc>
+                          <a:spcPct val="100000"/>
+                        </a:lnSpc>
+                        <a:buClr>
+                          <a:srgbClr val="000000"/>
+                        </a:buClr>
+                        <a:buFont typeface="Wingdings" panose="05000000000000000000" pitchFamily="2" charset="2"/>
+                        <a:buChar char=""/>
+                        <a:tabLst>
+                          <a:tab pos="0" algn="l"/>
+                        </a:tabLst>
+                      </a:pPr>
+                      <a:r>
+                        <a:rPr lang="pt-PT" altLang="pt-BR" sz="1400" b="0" strike="noStrike" spc="-1">
+                          <a:latin typeface="Times New Roman" panose="02020603050405020304"/>
+                        </a:rPr>
+                        <a:t>8 telas para terminar no react</a:t>
+                      </a:r>
+                      <a:endParaRPr lang="pt-PT" altLang="pt-BR" sz="1400" b="0" strike="noStrike" spc="-1">
+                        <a:latin typeface="Times New Roman" panose="02020603050405020304"/>
+                      </a:endParaRPr>
+                    </a:p>
+                    <a:p>
+                      <a:pPr marL="251460" lvl="1" indent="-251460">
+                        <a:lnSpc>
+                          <a:spcPct val="100000"/>
+                        </a:lnSpc>
+                        <a:buClr>
+                          <a:srgbClr val="000000"/>
+                        </a:buClr>
+                        <a:buFont typeface="Wingdings" panose="05000000000000000000" pitchFamily="2" charset="2"/>
+                        <a:buChar char=""/>
+                        <a:tabLst>
+                          <a:tab pos="0" algn="l"/>
+                        </a:tabLst>
+                      </a:pPr>
+                      <a:r>
+                        <a:rPr lang="pt-PT" altLang="pt-BR" sz="1400" b="0" strike="noStrike" spc="-1">
+                          <a:latin typeface="Times New Roman" panose="02020603050405020304"/>
+                        </a:rPr>
+                        <a:t>fazer 11 componentes em react</a:t>
+                      </a:r>
+                      <a:endParaRPr lang="pt-PT" altLang="pt-BR" sz="1400" b="0" strike="noStrike" spc="-1">
+                        <a:latin typeface="Times New Roman" panose="02020603050405020304"/>
+                      </a:endParaRPr>
+                    </a:p>
+                    <a:p>
+                      <a:pPr marL="0" lvl="1" indent="0">
+                        <a:lnSpc>
+                          <a:spcPct val="100000"/>
+                        </a:lnSpc>
+                        <a:buClr>
+                          <a:srgbClr val="000000"/>
+                        </a:buClr>
+                        <a:buFont typeface="Wingdings" panose="05000000000000000000" pitchFamily="2" charset="2"/>
+                        <a:buNone/>
+                        <a:tabLst>
+                          <a:tab pos="0" algn="l"/>
+                        </a:tabLst>
+                      </a:pPr>
                       <a:endParaRPr lang="pt-PT" altLang="pt-BR" sz="1400" b="0" strike="noStrike" spc="-1">
                         <a:latin typeface="Times New Roman" panose="02020603050405020304"/>
                       </a:endParaRPr>

--- a/Documentação/Status report/Status report.pptx
+++ b/Documentação/Status report/Status report.pptx
@@ -18516,6 +18516,33 @@
               <a:buFont typeface="Wingdings" panose="05000000000000000000" pitchFamily="2" charset="2"/>
               <a:buChar char=""/>
             </a:pPr>
+            <a:r>
+              <a:rPr lang="pt-PT" altLang="pt-BR" sz="1300" b="0" strike="noStrike" spc="-1">
+                <a:latin typeface="Arial" panose="020B0604020202020204"/>
+              </a:rPr>
+              <a:t>Integração de telas 6/12</a:t>
+            </a:r>
+            <a:endParaRPr lang="pt-PT" altLang="pt-BR" sz="1300" b="0" strike="noStrike" spc="-1">
+              <a:latin typeface="Arial" panose="020B0604020202020204"/>
+            </a:endParaRPr>
+          </a:p>
+          <a:p>
+            <a:pPr marL="251460" indent="-251460">
+              <a:lnSpc>
+                <a:spcPct val="100000"/>
+              </a:lnSpc>
+              <a:buClr>
+                <a:srgbClr val="000000"/>
+              </a:buClr>
+              <a:buFont typeface="Wingdings" panose="05000000000000000000" pitchFamily="2" charset="2"/>
+              <a:buChar char=""/>
+            </a:pPr>
+            <a:r>
+              <a:rPr lang="pt-PT" altLang="pt-BR" sz="1300" b="0" strike="noStrike" spc="-1">
+                <a:latin typeface="Arial" panose="020B0604020202020204"/>
+              </a:rPr>
+              <a:t>Telas prontas 12/16</a:t>
+            </a:r>
             <a:endParaRPr lang="pt-PT" altLang="pt-BR" sz="1300" b="0" strike="noStrike" spc="-1">
               <a:latin typeface="Arial" panose="020B0604020202020204"/>
             </a:endParaRPr>
@@ -18818,6 +18845,30 @@
                           <a:latin typeface="Times New Roman" panose="02020603050405020304"/>
                         </a:rPr>
                         <a:t>fazer 11 componentes em react</a:t>
+                      </a:r>
+                      <a:endParaRPr lang="pt-PT" sz="1400" b="0" strike="noStrike" spc="-1">
+                        <a:latin typeface="Times New Roman" panose="02020603050405020304"/>
+                      </a:endParaRPr>
+                    </a:p>
+                    <a:p>
+                      <a:pPr marL="251460" lvl="1" indent="-251460">
+                        <a:lnSpc>
+                          <a:spcPct val="100000"/>
+                        </a:lnSpc>
+                        <a:buClr>
+                          <a:srgbClr val="000000"/>
+                        </a:buClr>
+                        <a:buFont typeface="Wingdings" panose="05000000000000000000" pitchFamily="2" charset="2"/>
+                        <a:buChar char=""/>
+                        <a:tabLst>
+                          <a:tab pos="0" algn="l"/>
+                        </a:tabLst>
+                      </a:pPr>
+                      <a:r>
+                        <a:rPr lang="pt-PT" sz="1400" b="0" strike="noStrike" spc="-1">
+                          <a:latin typeface="Times New Roman" panose="02020603050405020304"/>
+                        </a:rPr>
+                        <a:t>2 telas integradas</a:t>
                       </a:r>
                       <a:endParaRPr lang="pt-PT" sz="1400" b="0" strike="noStrike" spc="-1">
                         <a:latin typeface="Times New Roman" panose="02020603050405020304"/>

--- a/Documentação/Status report/Status report.pptx
+++ b/Documentação/Status report/Status report.pptx
@@ -25,6 +25,7 @@
     <p:sldId id="268" r:id="rId18"/>
     <p:sldId id="269" r:id="rId19"/>
     <p:sldId id="270" r:id="rId20"/>
+    <p:sldId id="271" r:id="rId21"/>
   </p:sldIdLst>
   <p:sldSz cx="13442950" cy="7560945"/>
   <p:notesSz cx="7103745" cy="10234295"/>
@@ -1031,6 +1032,137 @@
 </file>
 
 <file path=ppt/notesSlides/notesSlide14.xml><?xml version="1.0" encoding="utf-8"?>
+<p:notes xmlns:a="http://schemas.openxmlformats.org/drawingml/2006/main" xmlns:r="http://schemas.openxmlformats.org/officeDocument/2006/relationships" xmlns:p="http://schemas.openxmlformats.org/presentationml/2006/main">
+  <p:cSld>
+    <p:spTree>
+      <p:nvGrpSpPr>
+        <p:cNvPr id="1" name=""/>
+        <p:cNvGrpSpPr/>
+        <p:nvPr/>
+      </p:nvGrpSpPr>
+      <p:grpSpPr>
+        <a:xfrm>
+          <a:off x="0" y="0"/>
+          <a:ext cx="0" cy="0"/>
+          <a:chOff x="0" y="0"/>
+          <a:chExt cx="0" cy="0"/>
+        </a:xfrm>
+      </p:grpSpPr>
+      <p:sp>
+        <p:nvSpPr>
+          <p:cNvPr id="384" name="PlaceHolder 1"/>
+          <p:cNvSpPr>
+            <a:spLocks noGrp="1"/>
+          </p:cNvSpPr>
+          <p:nvPr>
+            <p:ph type="sldImg"/>
+          </p:nvPr>
+        </p:nvSpPr>
+        <p:spPr>
+          <a:xfrm>
+            <a:off x="141120" y="768240"/>
+            <a:ext cx="6820920" cy="3836160"/>
+          </a:xfrm>
+          <a:prstGeom prst="rect">
+            <a:avLst/>
+          </a:prstGeom>
+        </p:spPr>
+      </p:sp>
+      <p:sp>
+        <p:nvSpPr>
+          <p:cNvPr id="385" name="PlaceHolder 2"/>
+          <p:cNvSpPr>
+            <a:spLocks noGrp="1"/>
+          </p:cNvSpPr>
+          <p:nvPr>
+            <p:ph type="body"/>
+          </p:nvPr>
+        </p:nvSpPr>
+        <p:spPr>
+          <a:xfrm>
+            <a:off x="710280" y="4861440"/>
+            <a:ext cx="5682240" cy="4604400"/>
+          </a:xfrm>
+          <a:prstGeom prst="rect">
+            <a:avLst/>
+          </a:prstGeom>
+        </p:spPr>
+        <p:txBody>
+          <a:bodyPr lIns="99000" tIns="49680" rIns="99000" bIns="49680">
+            <a:noAutofit/>
+          </a:bodyPr>
+          <a:p>
+            <a:endParaRPr lang="pt-BR" sz="2000" b="0" strike="noStrike" spc="-1">
+              <a:latin typeface="Arial" panose="020B0604020202020204"/>
+            </a:endParaRPr>
+          </a:p>
+        </p:txBody>
+      </p:sp>
+      <p:sp>
+        <p:nvSpPr>
+          <p:cNvPr id="386" name="CustomShape 3"/>
+          <p:cNvSpPr/>
+          <p:nvPr/>
+        </p:nvSpPr>
+        <p:spPr>
+          <a:xfrm>
+            <a:off x="4024080" y="9721080"/>
+            <a:ext cx="3077280" cy="510480"/>
+          </a:xfrm>
+          <a:prstGeom prst="rect">
+            <a:avLst/>
+          </a:prstGeom>
+          <a:noFill/>
+          <a:ln>
+            <a:noFill/>
+          </a:ln>
+        </p:spPr>
+        <p:style>
+          <a:lnRef idx="0">
+            <a:srgbClr val="FFFFFF"/>
+          </a:lnRef>
+          <a:fillRef idx="0">
+            <a:srgbClr val="FFFFFF"/>
+          </a:fillRef>
+          <a:effectRef idx="0">
+            <a:srgbClr val="FFFFFF"/>
+          </a:effectRef>
+          <a:fontRef idx="minor"/>
+        </p:style>
+        <p:txBody>
+          <a:bodyPr lIns="99000" tIns="49680" rIns="99000" bIns="49680" anchor="b">
+            <a:noAutofit/>
+          </a:bodyPr>
+          <a:p>
+            <a:pPr algn="r">
+              <a:lnSpc>
+                <a:spcPct val="100000"/>
+              </a:lnSpc>
+            </a:pPr>
+            <a:fld id="{E556F458-B7E1-4EB9-AE37-0A2A652C94A5}" type="slidenum">
+              <a:rPr lang="pt-BR" sz="1300" b="0" strike="noStrike" spc="-1">
+                <a:solidFill>
+                  <a:srgbClr val="000000"/>
+                </a:solidFill>
+                <a:latin typeface="Arial" panose="020B0604020202020204"/>
+                <a:ea typeface="+mn-ea"/>
+              </a:rPr>
+            </a:fld>
+            <a:endParaRPr lang="pt-BR" sz="1300" b="0" strike="noStrike" spc="-1">
+              <a:latin typeface="Arial" panose="020B0604020202020204"/>
+            </a:endParaRPr>
+          </a:p>
+        </p:txBody>
+      </p:sp>
+    </p:spTree>
+  </p:cSld>
+  <p:clrMapOvr>
+    <a:masterClrMapping/>
+  </p:clrMapOvr>
+</p:notes>
+</file>
+
+<file path=ppt/notesSlides/notesSlide15.xml><?xml version="1.0" encoding="utf-8"?>
 <p:notes xmlns:a="http://schemas.openxmlformats.org/drawingml/2006/main" xmlns:r="http://schemas.openxmlformats.org/officeDocument/2006/relationships" xmlns:p="http://schemas.openxmlformats.org/presentationml/2006/main">
   <p:cSld>
     <p:spTree>
@@ -18907,6 +19039,1526 @@
                           <a:tab pos="0" algn="l"/>
                         </a:tabLst>
                       </a:pPr>
+                      <a:endParaRPr lang="pt-BR" sz="1400" b="0" strike="noStrike" spc="-1">
+                        <a:latin typeface="Times New Roman" panose="02020603050405020304"/>
+                      </a:endParaRPr>
+                    </a:p>
+                    <a:p>
+                      <a:pPr>
+                        <a:lnSpc>
+                          <a:spcPct val="100000"/>
+                        </a:lnSpc>
+                        <a:tabLst>
+                          <a:tab pos="0" algn="l"/>
+                        </a:tabLst>
+                      </a:pPr>
+                      <a:endParaRPr lang="pt-BR" sz="1400" b="0" strike="noStrike" spc="-1">
+                        <a:latin typeface="Times New Roman" panose="02020603050405020304"/>
+                      </a:endParaRPr>
+                    </a:p>
+                  </a:txBody>
+                  <a:tcPr>
+                    <a:noFill/>
+                  </a:tcPr>
+                </a:tc>
+                <a:tc>
+                  <a:txBody>
+                    <a:bodyPr/>
+                    <a:p>
+                      <a:pPr>
+                        <a:buNone/>
+                      </a:pPr>
+                      <a:endParaRPr lang="en-US"/>
+                    </a:p>
+                  </a:txBody>
+                  <a:tcPr>
+                    <a:noFill/>
+                  </a:tcPr>
+                </a:tc>
+              </a:tr>
+            </a:tbl>
+          </a:graphicData>
+        </a:graphic>
+      </p:graphicFrame>
+      <p:sp>
+        <p:nvSpPr>
+          <p:cNvPr id="336" name="CustomShape 8"/>
+          <p:cNvSpPr/>
+          <p:nvPr/>
+        </p:nvSpPr>
+        <p:spPr>
+          <a:xfrm>
+            <a:off x="11822760" y="576360"/>
+            <a:ext cx="898560" cy="178920"/>
+          </a:xfrm>
+          <a:prstGeom prst="rect">
+            <a:avLst/>
+          </a:prstGeom>
+          <a:noFill/>
+          <a:ln w="12600">
+            <a:noFill/>
+          </a:ln>
+        </p:spPr>
+        <p:style>
+          <a:lnRef idx="2">
+            <a:schemeClr val="accent4"/>
+          </a:lnRef>
+          <a:fillRef idx="1">
+            <a:schemeClr val="lt1"/>
+          </a:fillRef>
+          <a:effectRef idx="0">
+            <a:schemeClr val="accent4"/>
+          </a:effectRef>
+          <a:fontRef idx="minor"/>
+        </p:style>
+        <p:txBody>
+          <a:bodyPr wrap="none" lIns="52920" tIns="52920" rIns="52920" bIns="0" anchor="b">
+            <a:noAutofit/>
+          </a:bodyPr>
+          <a:p>
+            <a:pPr algn="ctr">
+              <a:lnSpc>
+                <a:spcPct val="100000"/>
+              </a:lnSpc>
+            </a:pPr>
+            <a:r>
+              <a:rPr lang="pt-BR" sz="1180" b="0" strike="noStrike" spc="-1">
+                <a:solidFill>
+                  <a:srgbClr val="000000"/>
+                </a:solidFill>
+                <a:latin typeface="Simplon BP Bold"/>
+                <a:ea typeface="DejaVu Sans" panose="020B0603030804020204"/>
+              </a:rPr>
+              <a:t>Negócios</a:t>
+            </a:r>
+            <a:endParaRPr lang="pt-BR" sz="1180" b="0" strike="noStrike" spc="-1">
+              <a:latin typeface="Arial" panose="020B0604020202020204"/>
+            </a:endParaRPr>
+          </a:p>
+        </p:txBody>
+      </p:sp>
+      <p:sp>
+        <p:nvSpPr>
+          <p:cNvPr id="337" name="CustomShape 9"/>
+          <p:cNvSpPr/>
+          <p:nvPr/>
+        </p:nvSpPr>
+        <p:spPr>
+          <a:xfrm>
+            <a:off x="11193840" y="298080"/>
+            <a:ext cx="210240" cy="210600"/>
+          </a:xfrm>
+          <a:prstGeom prst="ellipse">
+            <a:avLst/>
+          </a:prstGeom>
+          <a:solidFill>
+            <a:srgbClr val="00B050"/>
+          </a:solidFill>
+          <a:ln w="12600">
+            <a:solidFill>
+              <a:schemeClr val="accent3"/>
+            </a:solidFill>
+            <a:round/>
+          </a:ln>
+        </p:spPr>
+        <p:style>
+          <a:lnRef idx="2">
+            <a:schemeClr val="accent1">
+              <a:shade val="50000"/>
+            </a:schemeClr>
+          </a:lnRef>
+          <a:fillRef idx="1">
+            <a:schemeClr val="accent1"/>
+          </a:fillRef>
+          <a:effectRef idx="0">
+            <a:schemeClr val="accent1"/>
+          </a:effectRef>
+          <a:fontRef idx="minor"/>
+        </p:style>
+      </p:sp>
+      <p:sp>
+        <p:nvSpPr>
+          <p:cNvPr id="338" name="CustomShape 10"/>
+          <p:cNvSpPr/>
+          <p:nvPr/>
+        </p:nvSpPr>
+        <p:spPr>
+          <a:xfrm>
+            <a:off x="10852560" y="576360"/>
+            <a:ext cx="898560" cy="178920"/>
+          </a:xfrm>
+          <a:prstGeom prst="rect">
+            <a:avLst/>
+          </a:prstGeom>
+          <a:noFill/>
+          <a:ln w="12600">
+            <a:noFill/>
+          </a:ln>
+        </p:spPr>
+        <p:style>
+          <a:lnRef idx="2">
+            <a:schemeClr val="accent4"/>
+          </a:lnRef>
+          <a:fillRef idx="1">
+            <a:schemeClr val="lt1"/>
+          </a:fillRef>
+          <a:effectRef idx="0">
+            <a:schemeClr val="accent4"/>
+          </a:effectRef>
+          <a:fontRef idx="minor"/>
+        </p:style>
+        <p:txBody>
+          <a:bodyPr wrap="none" lIns="52920" tIns="52920" rIns="52920" bIns="0" anchor="b">
+            <a:noAutofit/>
+          </a:bodyPr>
+          <a:p>
+            <a:pPr algn="ctr">
+              <a:lnSpc>
+                <a:spcPct val="100000"/>
+              </a:lnSpc>
+            </a:pPr>
+            <a:r>
+              <a:rPr lang="pt-BR" sz="1180" b="0" strike="noStrike" spc="-1">
+                <a:solidFill>
+                  <a:srgbClr val="000000"/>
+                </a:solidFill>
+                <a:latin typeface="Simplon BP Bold"/>
+                <a:ea typeface="DejaVu Sans" panose="020B0603030804020204"/>
+              </a:rPr>
+              <a:t>Plataforma</a:t>
+            </a:r>
+            <a:endParaRPr lang="pt-BR" sz="1180" b="0" strike="noStrike" spc="-1">
+              <a:latin typeface="Arial" panose="020B0604020202020204"/>
+            </a:endParaRPr>
+          </a:p>
+        </p:txBody>
+      </p:sp>
+      <p:sp>
+        <p:nvSpPr>
+          <p:cNvPr id="339" name="CustomShape 11"/>
+          <p:cNvSpPr/>
+          <p:nvPr/>
+        </p:nvSpPr>
+        <p:spPr>
+          <a:xfrm>
+            <a:off x="9854280" y="576360"/>
+            <a:ext cx="898560" cy="178920"/>
+          </a:xfrm>
+          <a:prstGeom prst="rect">
+            <a:avLst/>
+          </a:prstGeom>
+          <a:noFill/>
+          <a:ln w="12600">
+            <a:noFill/>
+          </a:ln>
+        </p:spPr>
+        <p:style>
+          <a:lnRef idx="2">
+            <a:schemeClr val="accent4"/>
+          </a:lnRef>
+          <a:fillRef idx="1">
+            <a:schemeClr val="lt1"/>
+          </a:fillRef>
+          <a:effectRef idx="0">
+            <a:schemeClr val="accent4"/>
+          </a:effectRef>
+          <a:fontRef idx="minor"/>
+        </p:style>
+        <p:txBody>
+          <a:bodyPr wrap="none" lIns="52920" tIns="52920" rIns="52920" bIns="0" anchor="b">
+            <a:noAutofit/>
+          </a:bodyPr>
+          <a:p>
+            <a:pPr algn="ctr">
+              <a:lnSpc>
+                <a:spcPct val="100000"/>
+              </a:lnSpc>
+            </a:pPr>
+            <a:r>
+              <a:rPr lang="pt-BR" sz="1180" b="0" strike="noStrike" spc="-1">
+                <a:solidFill>
+                  <a:srgbClr val="000000"/>
+                </a:solidFill>
+                <a:latin typeface="Simplon BP Bold"/>
+                <a:ea typeface="DejaVu Sans" panose="020B0603030804020204"/>
+              </a:rPr>
+              <a:t>Back</a:t>
+            </a:r>
+            <a:endParaRPr lang="pt-BR" sz="1180" b="0" strike="noStrike" spc="-1">
+              <a:latin typeface="Arial" panose="020B0604020202020204"/>
+            </a:endParaRPr>
+          </a:p>
+        </p:txBody>
+      </p:sp>
+      <p:sp>
+        <p:nvSpPr>
+          <p:cNvPr id="340" name="CustomShape 12"/>
+          <p:cNvSpPr/>
+          <p:nvPr/>
+        </p:nvSpPr>
+        <p:spPr>
+          <a:xfrm>
+            <a:off x="8934120" y="576360"/>
+            <a:ext cx="898560" cy="178920"/>
+          </a:xfrm>
+          <a:prstGeom prst="rect">
+            <a:avLst/>
+          </a:prstGeom>
+          <a:noFill/>
+          <a:ln w="12600">
+            <a:noFill/>
+          </a:ln>
+        </p:spPr>
+        <p:style>
+          <a:lnRef idx="2">
+            <a:schemeClr val="accent4"/>
+          </a:lnRef>
+          <a:fillRef idx="1">
+            <a:schemeClr val="lt1"/>
+          </a:fillRef>
+          <a:effectRef idx="0">
+            <a:schemeClr val="accent4"/>
+          </a:effectRef>
+          <a:fontRef idx="minor"/>
+        </p:style>
+        <p:txBody>
+          <a:bodyPr wrap="none" lIns="52920" tIns="52920" rIns="52920" bIns="0" anchor="b">
+            <a:noAutofit/>
+          </a:bodyPr>
+          <a:p>
+            <a:pPr algn="ctr">
+              <a:lnSpc>
+                <a:spcPct val="100000"/>
+              </a:lnSpc>
+            </a:pPr>
+            <a:r>
+              <a:rPr lang="pt-BR" sz="1180" b="0" strike="noStrike" spc="-1">
+                <a:solidFill>
+                  <a:srgbClr val="000000"/>
+                </a:solidFill>
+                <a:latin typeface="Simplon BP Bold"/>
+                <a:ea typeface="DejaVu Sans" panose="020B0603030804020204"/>
+              </a:rPr>
+              <a:t>Front</a:t>
+            </a:r>
+            <a:endParaRPr lang="pt-BR" sz="1180" b="0" strike="noStrike" spc="-1">
+              <a:latin typeface="Arial" panose="020B0604020202020204"/>
+            </a:endParaRPr>
+          </a:p>
+        </p:txBody>
+      </p:sp>
+      <p:sp>
+        <p:nvSpPr>
+          <p:cNvPr id="341" name="CustomShape 13"/>
+          <p:cNvSpPr/>
+          <p:nvPr/>
+        </p:nvSpPr>
+        <p:spPr>
+          <a:xfrm>
+            <a:off x="8443440" y="282600"/>
+            <a:ext cx="210240" cy="210600"/>
+          </a:xfrm>
+          <a:prstGeom prst="ellipse">
+            <a:avLst/>
+          </a:prstGeom>
+          <a:solidFill>
+            <a:srgbClr val="00B050"/>
+          </a:solidFill>
+          <a:ln w="12600">
+            <a:solidFill>
+              <a:schemeClr val="accent3"/>
+            </a:solidFill>
+            <a:round/>
+          </a:ln>
+        </p:spPr>
+        <p:style>
+          <a:lnRef idx="2">
+            <a:schemeClr val="accent1">
+              <a:shade val="50000"/>
+            </a:schemeClr>
+          </a:lnRef>
+          <a:fillRef idx="1">
+            <a:schemeClr val="accent1"/>
+          </a:fillRef>
+          <a:effectRef idx="0">
+            <a:schemeClr val="accent1"/>
+          </a:effectRef>
+          <a:fontRef idx="minor"/>
+        </p:style>
+      </p:sp>
+      <p:sp>
+        <p:nvSpPr>
+          <p:cNvPr id="342" name="CustomShape 14"/>
+          <p:cNvSpPr/>
+          <p:nvPr/>
+        </p:nvSpPr>
+        <p:spPr>
+          <a:xfrm>
+            <a:off x="8125920" y="576360"/>
+            <a:ext cx="898560" cy="178920"/>
+          </a:xfrm>
+          <a:prstGeom prst="rect">
+            <a:avLst/>
+          </a:prstGeom>
+          <a:noFill/>
+          <a:ln w="12600">
+            <a:noFill/>
+          </a:ln>
+        </p:spPr>
+        <p:style>
+          <a:lnRef idx="2">
+            <a:schemeClr val="accent4"/>
+          </a:lnRef>
+          <a:fillRef idx="1">
+            <a:schemeClr val="lt1"/>
+          </a:fillRef>
+          <a:effectRef idx="0">
+            <a:schemeClr val="accent4"/>
+          </a:effectRef>
+          <a:fontRef idx="minor"/>
+        </p:style>
+        <p:txBody>
+          <a:bodyPr wrap="none" lIns="52920" tIns="52920" rIns="52920" bIns="0" anchor="b">
+            <a:noAutofit/>
+          </a:bodyPr>
+          <a:p>
+            <a:pPr algn="ctr">
+              <a:lnSpc>
+                <a:spcPct val="100000"/>
+              </a:lnSpc>
+            </a:pPr>
+            <a:r>
+              <a:rPr lang="en-US" sz="1180" b="0" strike="noStrike" spc="-1">
+                <a:solidFill>
+                  <a:srgbClr val="000000"/>
+                </a:solidFill>
+                <a:latin typeface="Simplon BP Bold"/>
+                <a:ea typeface="DejaVu Sans" panose="020B0603030804020204"/>
+              </a:rPr>
+              <a:t>Equipe</a:t>
+            </a:r>
+            <a:endParaRPr lang="pt-BR" sz="1180" b="0" strike="noStrike" spc="-1">
+              <a:latin typeface="Arial" panose="020B0604020202020204"/>
+            </a:endParaRPr>
+          </a:p>
+        </p:txBody>
+      </p:sp>
+      <p:sp>
+        <p:nvSpPr>
+          <p:cNvPr id="343" name="CustomShape 15"/>
+          <p:cNvSpPr/>
+          <p:nvPr/>
+        </p:nvSpPr>
+        <p:spPr>
+          <a:xfrm>
+            <a:off x="9226080" y="282600"/>
+            <a:ext cx="210240" cy="210600"/>
+          </a:xfrm>
+          <a:prstGeom prst="ellipse">
+            <a:avLst/>
+          </a:prstGeom>
+          <a:solidFill>
+            <a:srgbClr val="00B050"/>
+          </a:solidFill>
+          <a:ln w="12600">
+            <a:solidFill>
+              <a:schemeClr val="accent3"/>
+            </a:solidFill>
+            <a:round/>
+          </a:ln>
+        </p:spPr>
+        <p:style>
+          <a:lnRef idx="2">
+            <a:schemeClr val="accent1">
+              <a:shade val="50000"/>
+            </a:schemeClr>
+          </a:lnRef>
+          <a:fillRef idx="1">
+            <a:schemeClr val="accent1"/>
+          </a:fillRef>
+          <a:effectRef idx="0">
+            <a:schemeClr val="accent1"/>
+          </a:effectRef>
+          <a:fontRef idx="minor"/>
+        </p:style>
+      </p:sp>
+      <p:sp>
+        <p:nvSpPr>
+          <p:cNvPr id="344" name="CustomShape 16"/>
+          <p:cNvSpPr/>
+          <p:nvPr/>
+        </p:nvSpPr>
+        <p:spPr>
+          <a:xfrm>
+            <a:off x="12156120" y="278640"/>
+            <a:ext cx="210240" cy="210600"/>
+          </a:xfrm>
+          <a:prstGeom prst="ellipse">
+            <a:avLst/>
+          </a:prstGeom>
+          <a:solidFill>
+            <a:srgbClr val="00B050"/>
+          </a:solidFill>
+          <a:ln w="12600">
+            <a:solidFill>
+              <a:schemeClr val="accent3"/>
+            </a:solidFill>
+            <a:round/>
+          </a:ln>
+        </p:spPr>
+        <p:style>
+          <a:lnRef idx="2">
+            <a:schemeClr val="accent1">
+              <a:shade val="50000"/>
+            </a:schemeClr>
+          </a:lnRef>
+          <a:fillRef idx="1">
+            <a:schemeClr val="accent1"/>
+          </a:fillRef>
+          <a:effectRef idx="0">
+            <a:schemeClr val="accent1"/>
+          </a:effectRef>
+          <a:fontRef idx="minor"/>
+        </p:style>
+      </p:sp>
+      <p:sp>
+        <p:nvSpPr>
+          <p:cNvPr id="345" name="CustomShape 17"/>
+          <p:cNvSpPr/>
+          <p:nvPr/>
+        </p:nvSpPr>
+        <p:spPr>
+          <a:xfrm>
+            <a:off x="10188000" y="288360"/>
+            <a:ext cx="210240" cy="210600"/>
+          </a:xfrm>
+          <a:prstGeom prst="ellipse">
+            <a:avLst/>
+          </a:prstGeom>
+          <a:solidFill>
+            <a:srgbClr val="00B050"/>
+          </a:solidFill>
+          <a:ln w="12600">
+            <a:solidFill>
+              <a:schemeClr val="accent3"/>
+            </a:solidFill>
+            <a:round/>
+          </a:ln>
+        </p:spPr>
+        <p:style>
+          <a:lnRef idx="2">
+            <a:schemeClr val="accent1">
+              <a:shade val="50000"/>
+            </a:schemeClr>
+          </a:lnRef>
+          <a:fillRef idx="1">
+            <a:schemeClr val="accent1"/>
+          </a:fillRef>
+          <a:effectRef idx="0">
+            <a:schemeClr val="accent1"/>
+          </a:effectRef>
+          <a:fontRef idx="minor"/>
+        </p:style>
+      </p:sp>
+      <p:sp>
+        <p:nvSpPr>
+          <p:cNvPr id="346" name="CustomShape 18"/>
+          <p:cNvSpPr/>
+          <p:nvPr/>
+        </p:nvSpPr>
+        <p:spPr>
+          <a:xfrm>
+            <a:off x="8017560" y="180360"/>
+            <a:ext cx="4936680" cy="617760"/>
+          </a:xfrm>
+          <a:prstGeom prst="rect">
+            <a:avLst/>
+          </a:prstGeom>
+          <a:noFill/>
+          <a:ln w="6480">
+            <a:solidFill>
+              <a:schemeClr val="bg1">
+                <a:lumMod val="75000"/>
+              </a:schemeClr>
+            </a:solidFill>
+            <a:round/>
+          </a:ln>
+        </p:spPr>
+        <p:style>
+          <a:lnRef idx="2">
+            <a:schemeClr val="accent1">
+              <a:shade val="50000"/>
+            </a:schemeClr>
+          </a:lnRef>
+          <a:fillRef idx="1">
+            <a:schemeClr val="accent1"/>
+          </a:fillRef>
+          <a:effectRef idx="0">
+            <a:schemeClr val="accent1"/>
+          </a:effectRef>
+          <a:fontRef idx="minor"/>
+        </p:style>
+      </p:sp>
+      <p:sp>
+        <p:nvSpPr>
+          <p:cNvPr id="347" name="CustomShape 19"/>
+          <p:cNvSpPr/>
+          <p:nvPr/>
+        </p:nvSpPr>
+        <p:spPr>
+          <a:xfrm>
+            <a:off x="9554400" y="40680"/>
+            <a:ext cx="1477080" cy="210600"/>
+          </a:xfrm>
+          <a:prstGeom prst="rect">
+            <a:avLst/>
+          </a:prstGeom>
+          <a:solidFill>
+            <a:schemeClr val="bg1"/>
+          </a:solidFill>
+          <a:ln w="12600">
+            <a:noFill/>
+          </a:ln>
+        </p:spPr>
+        <p:style>
+          <a:lnRef idx="2">
+            <a:schemeClr val="accent4"/>
+          </a:lnRef>
+          <a:fillRef idx="1">
+            <a:schemeClr val="lt1"/>
+          </a:fillRef>
+          <a:effectRef idx="0">
+            <a:schemeClr val="accent4"/>
+          </a:effectRef>
+          <a:fontRef idx="minor"/>
+        </p:style>
+        <p:txBody>
+          <a:bodyPr wrap="none" lIns="52920" tIns="52920" rIns="52920" bIns="0" anchor="b">
+            <a:noAutofit/>
+          </a:bodyPr>
+          <a:p>
+            <a:pPr algn="ctr">
+              <a:lnSpc>
+                <a:spcPct val="100000"/>
+              </a:lnSpc>
+            </a:pPr>
+            <a:r>
+              <a:rPr lang="en-US" sz="1180" b="0" strike="noStrike" spc="-1">
+                <a:solidFill>
+                  <a:srgbClr val="000000"/>
+                </a:solidFill>
+                <a:latin typeface="Simplon BP Bold"/>
+                <a:ea typeface="DejaVu Sans" panose="020B0603030804020204"/>
+              </a:rPr>
+              <a:t>    Farol do Projeto   </a:t>
+            </a:r>
+            <a:endParaRPr lang="pt-BR" sz="1180" b="0" strike="noStrike" spc="-1">
+              <a:latin typeface="Arial" panose="020B0604020202020204"/>
+            </a:endParaRPr>
+          </a:p>
+        </p:txBody>
+      </p:sp>
+    </p:spTree>
+  </p:cSld>
+  <p:clrMapOvr>
+    <a:masterClrMapping/>
+  </p:clrMapOvr>
+  <mc:AlternateContent xmlns:mc="http://schemas.openxmlformats.org/markup-compatibility/2006">
+    <mc:Choice xmlns:p14="http://schemas.microsoft.com/office/powerpoint/2010/main" Requires="p14">
+      <p:transition spd="slow" p14:dur="2000"/>
+    </mc:Choice>
+    <mc:Fallback>
+      <p:transition spd="slow"/>
+    </mc:Fallback>
+  </mc:AlternateContent>
+</p:sld>
+</file>
+
+<file path=ppt/slides/slide16.xml><?xml version="1.0" encoding="utf-8"?>
+<p:sld xmlns:a="http://schemas.openxmlformats.org/drawingml/2006/main" xmlns:r="http://schemas.openxmlformats.org/officeDocument/2006/relationships" xmlns:p="http://schemas.openxmlformats.org/presentationml/2006/main">
+  <p:cSld>
+    <p:spTree>
+      <p:nvGrpSpPr>
+        <p:cNvPr id="1" name=""/>
+        <p:cNvGrpSpPr/>
+        <p:nvPr/>
+      </p:nvGrpSpPr>
+      <p:grpSpPr>
+        <a:xfrm>
+          <a:off x="0" y="0"/>
+          <a:ext cx="0" cy="0"/>
+          <a:chOff x="0" y="0"/>
+          <a:chExt cx="0" cy="0"/>
+        </a:xfrm>
+      </p:grpSpPr>
+      <p:sp>
+        <p:nvSpPr>
+          <p:cNvPr id="329" name="CustomShape 1"/>
+          <p:cNvSpPr/>
+          <p:nvPr/>
+        </p:nvSpPr>
+        <p:spPr>
+          <a:xfrm>
+            <a:off x="6804720" y="1106640"/>
+            <a:ext cx="6208560" cy="2234880"/>
+          </a:xfrm>
+          <a:prstGeom prst="rect">
+            <a:avLst/>
+          </a:prstGeom>
+          <a:noFill/>
+          <a:ln w="12600">
+            <a:solidFill>
+              <a:schemeClr val="bg1">
+                <a:lumMod val="50000"/>
+              </a:schemeClr>
+            </a:solidFill>
+            <a:round/>
+          </a:ln>
+        </p:spPr>
+        <p:style>
+          <a:lnRef idx="2">
+            <a:schemeClr val="accent4"/>
+          </a:lnRef>
+          <a:fillRef idx="1">
+            <a:schemeClr val="lt1"/>
+          </a:fillRef>
+          <a:effectRef idx="0">
+            <a:schemeClr val="accent4"/>
+          </a:effectRef>
+          <a:fontRef idx="minor"/>
+        </p:style>
+      </p:sp>
+      <p:sp>
+        <p:nvSpPr>
+          <p:cNvPr id="330" name="CustomShape 2"/>
+          <p:cNvSpPr/>
+          <p:nvPr/>
+        </p:nvSpPr>
+        <p:spPr>
+          <a:xfrm>
+            <a:off x="469800" y="185400"/>
+            <a:ext cx="12097080" cy="799200"/>
+          </a:xfrm>
+          <a:prstGeom prst="rect">
+            <a:avLst/>
+          </a:prstGeom>
+          <a:noFill/>
+          <a:ln>
+            <a:noFill/>
+          </a:ln>
+        </p:spPr>
+        <p:style>
+          <a:lnRef idx="0">
+            <a:srgbClr val="FFFFFF"/>
+          </a:lnRef>
+          <a:fillRef idx="0">
+            <a:srgbClr val="FFFFFF"/>
+          </a:fillRef>
+          <a:effectRef idx="0">
+            <a:srgbClr val="FFFFFF"/>
+          </a:effectRef>
+          <a:fontRef idx="minor"/>
+        </p:style>
+        <p:txBody>
+          <a:bodyPr lIns="105840" tIns="0" rIns="105840" bIns="0">
+            <a:noAutofit/>
+          </a:bodyPr>
+          <a:p>
+            <a:pPr>
+              <a:lnSpc>
+                <a:spcPct val="100000"/>
+              </a:lnSpc>
+              <a:spcAft>
+                <a:spcPts val="880"/>
+              </a:spcAft>
+            </a:pPr>
+            <a:r>
+              <a:rPr lang="en-US" sz="2650" b="0" strike="noStrike" spc="-1">
+                <a:solidFill>
+                  <a:srgbClr val="000000"/>
+                </a:solidFill>
+                <a:latin typeface="Simplon Oi Headline"/>
+                <a:ea typeface="DejaVu Sans" panose="020B0603030804020204"/>
+              </a:rPr>
+              <a:t>SEMANA </a:t>
+            </a:r>
+            <a:r>
+              <a:rPr lang="pt-PT" sz="2650" b="0" strike="noStrike" spc="-1">
+                <a:solidFill>
+                  <a:srgbClr val="000000"/>
+                </a:solidFill>
+                <a:latin typeface="Simplon Oi Headline"/>
+                <a:ea typeface="DejaVu Sans" panose="020B0603030804020204"/>
+              </a:rPr>
+              <a:t>13 </a:t>
+            </a:r>
+            <a:r>
+              <a:rPr lang="en-US" sz="2650" b="0" strike="noStrike" spc="-1">
+                <a:solidFill>
+                  <a:srgbClr val="000000"/>
+                </a:solidFill>
+                <a:latin typeface="Simplon Oi Headline"/>
+                <a:ea typeface="DejaVu Sans" panose="020B0603030804020204"/>
+              </a:rPr>
+              <a:t>- </a:t>
+            </a:r>
+            <a:r>
+              <a:rPr lang="pt-PT" altLang="en-US" sz="2650" b="0" strike="noStrike" spc="-1">
+                <a:solidFill>
+                  <a:srgbClr val="000000"/>
+                </a:solidFill>
+                <a:latin typeface="Simplon Oi Headline"/>
+                <a:ea typeface="DejaVu Sans" panose="020B0603030804020204"/>
+              </a:rPr>
+              <a:t>17</a:t>
+            </a:r>
+            <a:r>
+              <a:rPr lang="en-US" sz="2650" b="0" strike="noStrike" spc="-1">
+                <a:solidFill>
+                  <a:srgbClr val="000000"/>
+                </a:solidFill>
+                <a:latin typeface="Simplon Oi Headline"/>
+                <a:ea typeface="DejaVu Sans" panose="020B0603030804020204"/>
+              </a:rPr>
+              <a:t>/11/2021</a:t>
+            </a:r>
+            <a:endParaRPr lang="pt-BR" sz="2650" b="0" strike="noStrike" spc="-1">
+              <a:latin typeface="Arial" panose="020B0604020202020204"/>
+            </a:endParaRPr>
+          </a:p>
+        </p:txBody>
+      </p:sp>
+      <p:sp>
+        <p:nvSpPr>
+          <p:cNvPr id="331" name="CustomShape 3"/>
+          <p:cNvSpPr/>
+          <p:nvPr/>
+        </p:nvSpPr>
+        <p:spPr>
+          <a:xfrm>
+            <a:off x="512640" y="868320"/>
+            <a:ext cx="6185520" cy="237240"/>
+          </a:xfrm>
+          <a:prstGeom prst="rect">
+            <a:avLst/>
+          </a:prstGeom>
+          <a:solidFill>
+            <a:schemeClr val="bg1">
+              <a:lumMod val="85000"/>
+            </a:schemeClr>
+          </a:solidFill>
+          <a:ln>
+            <a:noFill/>
+          </a:ln>
+        </p:spPr>
+        <p:style>
+          <a:lnRef idx="0">
+            <a:srgbClr val="FFFFFF"/>
+          </a:lnRef>
+          <a:fillRef idx="0">
+            <a:srgbClr val="FFFFFF"/>
+          </a:fillRef>
+          <a:effectRef idx="0">
+            <a:srgbClr val="FFFFFF"/>
+          </a:effectRef>
+          <a:fontRef idx="minor"/>
+        </p:style>
+        <p:txBody>
+          <a:bodyPr lIns="134280" tIns="67320" rIns="134280" bIns="67320" anchor="ctr">
+            <a:noAutofit/>
+          </a:bodyPr>
+          <a:p>
+            <a:pPr>
+              <a:lnSpc>
+                <a:spcPct val="100000"/>
+              </a:lnSpc>
+            </a:pPr>
+            <a:r>
+              <a:rPr lang="en-US" sz="1550" b="0" strike="noStrike" spc="-1">
+                <a:solidFill>
+                  <a:srgbClr val="000000"/>
+                </a:solidFill>
+                <a:latin typeface="Simplon Oi Headline"/>
+                <a:ea typeface="Simplon Oi Headline"/>
+              </a:rPr>
+              <a:t>PROGRESSOS</a:t>
+            </a:r>
+            <a:endParaRPr lang="pt-BR" sz="1550" b="0" strike="noStrike" spc="-1">
+              <a:latin typeface="Arial" panose="020B0604020202020204"/>
+            </a:endParaRPr>
+          </a:p>
+        </p:txBody>
+      </p:sp>
+      <p:sp>
+        <p:nvSpPr>
+          <p:cNvPr id="332" name="CustomShape 4"/>
+          <p:cNvSpPr/>
+          <p:nvPr/>
+        </p:nvSpPr>
+        <p:spPr>
+          <a:xfrm>
+            <a:off x="6814440" y="868320"/>
+            <a:ext cx="6193800" cy="237240"/>
+          </a:xfrm>
+          <a:prstGeom prst="rect">
+            <a:avLst/>
+          </a:prstGeom>
+          <a:solidFill>
+            <a:schemeClr val="bg1">
+              <a:lumMod val="85000"/>
+            </a:schemeClr>
+          </a:solidFill>
+          <a:ln>
+            <a:noFill/>
+          </a:ln>
+        </p:spPr>
+        <p:style>
+          <a:lnRef idx="0">
+            <a:srgbClr val="FFFFFF"/>
+          </a:lnRef>
+          <a:fillRef idx="0">
+            <a:srgbClr val="FFFFFF"/>
+          </a:fillRef>
+          <a:effectRef idx="0">
+            <a:srgbClr val="FFFFFF"/>
+          </a:effectRef>
+          <a:fontRef idx="minor"/>
+        </p:style>
+        <p:txBody>
+          <a:bodyPr lIns="134280" tIns="67320" rIns="134280" bIns="67320" anchor="ctr">
+            <a:noAutofit/>
+          </a:bodyPr>
+          <a:p>
+            <a:pPr>
+              <a:lnSpc>
+                <a:spcPct val="100000"/>
+              </a:lnSpc>
+            </a:pPr>
+            <a:r>
+              <a:rPr lang="pt-BR" sz="1550" b="0" strike="noStrike" spc="-1">
+                <a:solidFill>
+                  <a:srgbClr val="000000"/>
+                </a:solidFill>
+                <a:latin typeface="Simplon Oi Headline"/>
+                <a:ea typeface="Simplon Oi Headline"/>
+              </a:rPr>
+              <a:t>Pontos atenção/ Principais Riscos</a:t>
+            </a:r>
+            <a:endParaRPr lang="pt-BR" sz="1550" b="0" strike="noStrike" spc="-1">
+              <a:latin typeface="Arial" panose="020B0604020202020204"/>
+            </a:endParaRPr>
+          </a:p>
+        </p:txBody>
+      </p:sp>
+      <p:sp>
+        <p:nvSpPr>
+          <p:cNvPr id="333" name="CustomShape 5"/>
+          <p:cNvSpPr/>
+          <p:nvPr/>
+        </p:nvSpPr>
+        <p:spPr>
+          <a:xfrm>
+            <a:off x="507600" y="3418920"/>
+            <a:ext cx="12504600" cy="237240"/>
+          </a:xfrm>
+          <a:prstGeom prst="rect">
+            <a:avLst/>
+          </a:prstGeom>
+          <a:solidFill>
+            <a:schemeClr val="bg1">
+              <a:lumMod val="85000"/>
+            </a:schemeClr>
+          </a:solidFill>
+          <a:ln>
+            <a:noFill/>
+          </a:ln>
+        </p:spPr>
+        <p:style>
+          <a:lnRef idx="0">
+            <a:srgbClr val="FFFFFF"/>
+          </a:lnRef>
+          <a:fillRef idx="0">
+            <a:srgbClr val="FFFFFF"/>
+          </a:fillRef>
+          <a:effectRef idx="0">
+            <a:srgbClr val="FFFFFF"/>
+          </a:effectRef>
+          <a:fontRef idx="minor"/>
+        </p:style>
+        <p:txBody>
+          <a:bodyPr lIns="134280" tIns="67320" rIns="134280" bIns="67320" anchor="ctr">
+            <a:noAutofit/>
+          </a:bodyPr>
+          <a:p>
+            <a:pPr>
+              <a:lnSpc>
+                <a:spcPct val="100000"/>
+              </a:lnSpc>
+            </a:pPr>
+            <a:r>
+              <a:rPr lang="pt-BR" sz="1550" b="0" strike="noStrike" spc="-1">
+                <a:solidFill>
+                  <a:srgbClr val="000000"/>
+                </a:solidFill>
+                <a:latin typeface="Simplon Oi Headline"/>
+                <a:ea typeface="Simplon Oi Headline"/>
+              </a:rPr>
+              <a:t>Próximos Passos/ Decisões a tomar</a:t>
+            </a:r>
+            <a:endParaRPr lang="pt-BR" sz="1550" b="0" strike="noStrike" spc="-1">
+              <a:latin typeface="Arial" panose="020B0604020202020204"/>
+            </a:endParaRPr>
+          </a:p>
+        </p:txBody>
+      </p:sp>
+      <p:sp>
+        <p:nvSpPr>
+          <p:cNvPr id="334" name="CustomShape 6"/>
+          <p:cNvSpPr/>
+          <p:nvPr/>
+        </p:nvSpPr>
+        <p:spPr>
+          <a:xfrm>
+            <a:off x="495000" y="1111565"/>
+            <a:ext cx="6203160" cy="2234880"/>
+          </a:xfrm>
+          <a:prstGeom prst="rect">
+            <a:avLst/>
+          </a:prstGeom>
+          <a:noFill/>
+          <a:ln w="12600">
+            <a:solidFill>
+              <a:schemeClr val="bg1">
+                <a:lumMod val="50000"/>
+              </a:schemeClr>
+            </a:solidFill>
+            <a:round/>
+          </a:ln>
+        </p:spPr>
+        <p:style>
+          <a:lnRef idx="2">
+            <a:schemeClr val="accent4"/>
+          </a:lnRef>
+          <a:fillRef idx="1">
+            <a:schemeClr val="lt1"/>
+          </a:fillRef>
+          <a:effectRef idx="0">
+            <a:schemeClr val="accent4"/>
+          </a:effectRef>
+          <a:fontRef idx="minor"/>
+        </p:style>
+        <p:txBody>
+          <a:bodyPr lIns="90000" tIns="105840" rIns="90000" bIns="45000">
+            <a:noAutofit/>
+          </a:bodyPr>
+          <a:p>
+            <a:pPr marL="251460" indent="-251460">
+              <a:lnSpc>
+                <a:spcPct val="100000"/>
+              </a:lnSpc>
+              <a:buClr>
+                <a:srgbClr val="000000"/>
+              </a:buClr>
+              <a:buFont typeface="Wingdings" panose="05000000000000000000" pitchFamily="2" charset="2"/>
+              <a:buChar char=""/>
+            </a:pPr>
+            <a:r>
+              <a:rPr lang="pt-PT" sz="1300" b="0" strike="noStrike" spc="-1">
+                <a:solidFill>
+                  <a:srgbClr val="000000"/>
+                </a:solidFill>
+                <a:latin typeface="Arial" panose="020B0604020202020204"/>
+                <a:ea typeface="DejaVu Sans" panose="020B0603030804020204"/>
+              </a:rPr>
+              <a:t>Planilha UAT toda a aplicação</a:t>
+            </a:r>
+            <a:endParaRPr lang="pt-BR" sz="1300" b="0" strike="noStrike" spc="-1">
+              <a:latin typeface="Arial" panose="020B0604020202020204"/>
+            </a:endParaRPr>
+          </a:p>
+          <a:p>
+            <a:pPr marL="251460" indent="-251460">
+              <a:lnSpc>
+                <a:spcPct val="100000"/>
+              </a:lnSpc>
+              <a:buClr>
+                <a:srgbClr val="000000"/>
+              </a:buClr>
+              <a:buFont typeface="Wingdings" panose="05000000000000000000" pitchFamily="2" charset="2"/>
+              <a:buChar char=""/>
+            </a:pPr>
+            <a:r>
+              <a:rPr lang="pt-PT" sz="1300" b="0" strike="noStrike" spc="-1">
+                <a:solidFill>
+                  <a:srgbClr val="000000"/>
+                </a:solidFill>
+                <a:latin typeface="Arial" panose="020B0604020202020204"/>
+                <a:ea typeface="DejaVu Sans" panose="020B0603030804020204"/>
+              </a:rPr>
+              <a:t>Diagrama de componentes atualizado</a:t>
+            </a:r>
+            <a:endParaRPr lang="pt-PT" altLang="pt-BR" sz="1300" b="0" strike="noStrike" spc="-1">
+              <a:latin typeface="Arial" panose="020B0604020202020204"/>
+            </a:endParaRPr>
+          </a:p>
+          <a:p>
+            <a:pPr marL="251460" indent="-251460">
+              <a:lnSpc>
+                <a:spcPct val="100000"/>
+              </a:lnSpc>
+              <a:buClr>
+                <a:srgbClr val="000000"/>
+              </a:buClr>
+              <a:buFont typeface="Wingdings" panose="05000000000000000000" pitchFamily="2" charset="2"/>
+              <a:buChar char=""/>
+            </a:pPr>
+            <a:r>
+              <a:rPr lang="pt-PT" altLang="pt-BR" sz="1300" b="0" strike="noStrike" spc="-1">
+                <a:latin typeface="Arial" panose="020B0604020202020204"/>
+              </a:rPr>
+              <a:t>Backend pronto*</a:t>
+            </a:r>
+            <a:endParaRPr lang="pt-PT" altLang="pt-BR" sz="1300" b="0" strike="noStrike" spc="-1">
+              <a:latin typeface="Arial" panose="020B0604020202020204"/>
+            </a:endParaRPr>
+          </a:p>
+          <a:p>
+            <a:pPr marL="251460" indent="-251460">
+              <a:lnSpc>
+                <a:spcPct val="100000"/>
+              </a:lnSpc>
+              <a:buClr>
+                <a:srgbClr val="000000"/>
+              </a:buClr>
+              <a:buFont typeface="Wingdings" panose="05000000000000000000" pitchFamily="2" charset="2"/>
+              <a:buChar char=""/>
+            </a:pPr>
+            <a:r>
+              <a:rPr lang="pt-PT" altLang="pt-BR" sz="1300" b="0" strike="noStrike" spc="-1">
+                <a:latin typeface="Arial" panose="020B0604020202020204"/>
+              </a:rPr>
+              <a:t>Integração de telas 7/12</a:t>
+            </a:r>
+            <a:endParaRPr lang="pt-PT" altLang="pt-BR" sz="1300" b="0" strike="noStrike" spc="-1">
+              <a:latin typeface="Arial" panose="020B0604020202020204"/>
+            </a:endParaRPr>
+          </a:p>
+          <a:p>
+            <a:pPr marL="251460" indent="-251460">
+              <a:lnSpc>
+                <a:spcPct val="100000"/>
+              </a:lnSpc>
+              <a:buClr>
+                <a:srgbClr val="000000"/>
+              </a:buClr>
+              <a:buFont typeface="Wingdings" panose="05000000000000000000" pitchFamily="2" charset="2"/>
+              <a:buChar char=""/>
+            </a:pPr>
+            <a:r>
+              <a:rPr lang="pt-PT" altLang="pt-BR" sz="1300" b="0" strike="noStrike" spc="-1">
+                <a:latin typeface="Arial" panose="020B0604020202020204"/>
+              </a:rPr>
+              <a:t>Telas prontas 14/15</a:t>
+            </a:r>
+            <a:endParaRPr lang="pt-PT" altLang="pt-BR" sz="1300" b="0" strike="noStrike" spc="-1">
+              <a:latin typeface="Arial" panose="020B0604020202020204"/>
+            </a:endParaRPr>
+          </a:p>
+          <a:p>
+            <a:pPr marL="251460" indent="-251460">
+              <a:lnSpc>
+                <a:spcPct val="100000"/>
+              </a:lnSpc>
+              <a:buClr>
+                <a:srgbClr val="000000"/>
+              </a:buClr>
+              <a:buFont typeface="Wingdings" panose="05000000000000000000" pitchFamily="2" charset="2"/>
+              <a:buChar char=""/>
+            </a:pPr>
+            <a:r>
+              <a:rPr lang="pt-PT" altLang="pt-BR" sz="1300" b="0" strike="noStrike" spc="-1">
+                <a:latin typeface="+mj-lt"/>
+                <a:cs typeface="+mj-lt"/>
+              </a:rPr>
+              <a:t>Componentes 9/13</a:t>
+            </a:r>
+            <a:endParaRPr lang="pt-PT" altLang="pt-BR" sz="1300" b="0" strike="noStrike" spc="-1">
+              <a:latin typeface="+mj-lt"/>
+              <a:cs typeface="+mj-lt"/>
+            </a:endParaRPr>
+          </a:p>
+          <a:p>
+            <a:pPr marL="251460" indent="-251460">
+              <a:lnSpc>
+                <a:spcPct val="100000"/>
+              </a:lnSpc>
+              <a:buClr>
+                <a:srgbClr val="000000"/>
+              </a:buClr>
+              <a:buFont typeface="Wingdings" panose="05000000000000000000" pitchFamily="2" charset="2"/>
+              <a:buChar char=""/>
+            </a:pPr>
+            <a:r>
+              <a:rPr lang="pt-PT" sz="1300" spc="-1">
+                <a:latin typeface="+mj-lt"/>
+                <a:cs typeface="+mj-lt"/>
+                <a:sym typeface="+mn-ea"/>
+              </a:rPr>
+              <a:t>ListOBj</a:t>
+            </a:r>
+            <a:endParaRPr lang="pt-PT" sz="1300" spc="-1">
+              <a:latin typeface="+mj-lt"/>
+              <a:cs typeface="+mj-lt"/>
+              <a:sym typeface="+mn-ea"/>
+            </a:endParaRPr>
+          </a:p>
+          <a:p>
+            <a:pPr marL="251460" indent="-251460">
+              <a:lnSpc>
+                <a:spcPct val="100000"/>
+              </a:lnSpc>
+              <a:buClr>
+                <a:srgbClr val="000000"/>
+              </a:buClr>
+              <a:buFont typeface="Wingdings" panose="05000000000000000000" pitchFamily="2" charset="2"/>
+              <a:buChar char=""/>
+            </a:pPr>
+            <a:r>
+              <a:rPr lang="pt-PT" sz="1300" spc="-1">
+                <a:latin typeface="+mj-lt"/>
+                <a:cs typeface="+mj-lt"/>
+                <a:sym typeface="+mn-ea"/>
+              </a:rPr>
+              <a:t>Log</a:t>
+            </a:r>
+            <a:endParaRPr lang="pt-PT" altLang="pt-BR" sz="1300" b="0" strike="noStrike" spc="-1">
+              <a:latin typeface="+mj-lt"/>
+              <a:cs typeface="+mj-lt"/>
+            </a:endParaRPr>
+          </a:p>
+          <a:p>
+            <a:pPr marL="251460" indent="-251460">
+              <a:lnSpc>
+                <a:spcPct val="100000"/>
+              </a:lnSpc>
+              <a:buClr>
+                <a:srgbClr val="000000"/>
+              </a:buClr>
+              <a:buFont typeface="Wingdings" panose="05000000000000000000" pitchFamily="2" charset="2"/>
+              <a:buChar char=""/>
+            </a:pPr>
+            <a:endParaRPr lang="pt-BR" sz="1300" b="0" strike="noStrike" spc="-1">
+              <a:latin typeface="Arial" panose="020B0604020202020204"/>
+            </a:endParaRPr>
+          </a:p>
+          <a:p>
+            <a:pPr marL="251460" indent="-251460">
+              <a:lnSpc>
+                <a:spcPct val="100000"/>
+              </a:lnSpc>
+              <a:buClr>
+                <a:srgbClr val="000000"/>
+              </a:buClr>
+              <a:buFont typeface="Wingdings" panose="05000000000000000000" pitchFamily="2" charset="2"/>
+              <a:buChar char=""/>
+            </a:pPr>
+            <a:endParaRPr lang="pt-BR" sz="1300" b="0" strike="noStrike" spc="-1">
+              <a:latin typeface="Arial" panose="020B0604020202020204"/>
+            </a:endParaRPr>
+          </a:p>
+          <a:p>
+            <a:pPr>
+              <a:lnSpc>
+                <a:spcPct val="100000"/>
+              </a:lnSpc>
+              <a:tabLst>
+                <a:tab pos="0" algn="l"/>
+              </a:tabLst>
+            </a:pPr>
+            <a:endParaRPr lang="pt-BR" sz="1300" b="0" strike="noStrike" spc="-1">
+              <a:latin typeface="Arial" panose="020B0604020202020204"/>
+            </a:endParaRPr>
+          </a:p>
+          <a:p>
+            <a:pPr>
+              <a:lnSpc>
+                <a:spcPct val="100000"/>
+              </a:lnSpc>
+              <a:tabLst>
+                <a:tab pos="0" algn="l"/>
+              </a:tabLst>
+            </a:pPr>
+            <a:r>
+              <a:rPr lang="pt-BR" sz="1300" b="1" strike="noStrike" spc="-1">
+                <a:solidFill>
+                  <a:srgbClr val="000000"/>
+                </a:solidFill>
+                <a:latin typeface="Calibri"/>
+                <a:ea typeface="DejaVu Sans" panose="020B0603030804020204"/>
+              </a:rPr>
+              <a:t> </a:t>
+            </a:r>
+            <a:endParaRPr lang="pt-BR" sz="1300" b="0" strike="noStrike" spc="-1">
+              <a:latin typeface="Arial" panose="020B0604020202020204"/>
+            </a:endParaRPr>
+          </a:p>
+          <a:p>
+            <a:pPr>
+              <a:lnSpc>
+                <a:spcPct val="100000"/>
+              </a:lnSpc>
+              <a:tabLst>
+                <a:tab pos="0" algn="l"/>
+              </a:tabLst>
+            </a:pPr>
+            <a:endParaRPr lang="pt-BR" sz="1300" b="0" strike="noStrike" spc="-1">
+              <a:latin typeface="Arial" panose="020B0604020202020204"/>
+            </a:endParaRPr>
+          </a:p>
+        </p:txBody>
+      </p:sp>
+      <p:graphicFrame>
+        <p:nvGraphicFramePr>
+          <p:cNvPr id="335" name="Table 7"/>
+          <p:cNvGraphicFramePr/>
+          <p:nvPr/>
+        </p:nvGraphicFramePr>
+        <p:xfrm>
+          <a:off x="512640" y="3728160"/>
+          <a:ext cx="12495600" cy="3510720"/>
+        </p:xfrm>
+        <a:graphic>
+          <a:graphicData uri="http://schemas.openxmlformats.org/drawingml/2006/table">
+            <a:tbl>
+              <a:tblPr/>
+              <a:tblGrid>
+                <a:gridCol w="4165200"/>
+                <a:gridCol w="4165200"/>
+                <a:gridCol w="4165200"/>
+              </a:tblGrid>
+              <a:tr h="3510720">
+                <a:tc>
+                  <a:txBody>
+                    <a:bodyPr>
+                      <a:spAutoFit/>
+                    </a:bodyPr>
+                    <a:p>
+                      <a:pPr>
+                        <a:lnSpc>
+                          <a:spcPct val="100000"/>
+                        </a:lnSpc>
+                      </a:pPr>
+                      <a:endParaRPr lang="pt-BR" sz="2400" b="0" strike="noStrike" spc="-1">
+                        <a:latin typeface="Times New Roman" panose="02020603050405020304"/>
+                      </a:endParaRPr>
+                    </a:p>
+                    <a:p>
+                      <a:pPr>
+                        <a:lnSpc>
+                          <a:spcPct val="100000"/>
+                        </a:lnSpc>
+                      </a:pPr>
+                      <a:r>
+                        <a:rPr lang="pt-BR" sz="1400" b="1" strike="noStrike" spc="-1">
+                          <a:solidFill>
+                            <a:srgbClr val="000000"/>
+                          </a:solidFill>
+                          <a:latin typeface="Calibri"/>
+                          <a:ea typeface="DejaVu Sans" panose="020B0603030804020204"/>
+                        </a:rPr>
+                        <a:t>Frente Negócios</a:t>
+                      </a:r>
+                      <a:endParaRPr lang="pt-BR" sz="1400" b="0" strike="noStrike" spc="-1">
+                        <a:latin typeface="Times New Roman" panose="02020603050405020304"/>
+                      </a:endParaRPr>
+                    </a:p>
+                  </a:txBody>
+                  <a:tcPr>
+                    <a:noFill/>
+                  </a:tcPr>
+                </a:tc>
+                <a:tc>
+                  <a:txBody>
+                    <a:bodyPr>
+                      <a:spAutoFit/>
+                    </a:bodyPr>
+                    <a:p>
+                      <a:pPr>
+                        <a:lnSpc>
+                          <a:spcPct val="100000"/>
+                        </a:lnSpc>
+                        <a:tabLst>
+                          <a:tab pos="0" algn="l"/>
+                        </a:tabLst>
+                      </a:pPr>
+                      <a:endParaRPr lang="pt-BR" sz="2400" b="0" strike="noStrike" spc="-1">
+                        <a:latin typeface="Times New Roman" panose="02020603050405020304"/>
+                      </a:endParaRPr>
+                    </a:p>
+                    <a:p>
+                      <a:pPr marL="251460" lvl="1" indent="-251460">
+                        <a:lnSpc>
+                          <a:spcPct val="100000"/>
+                        </a:lnSpc>
+                        <a:buClr>
+                          <a:srgbClr val="000000"/>
+                        </a:buClr>
+                        <a:buFont typeface="Wingdings" panose="05000000000000000000" pitchFamily="2" charset="2"/>
+                        <a:buChar char=""/>
+                        <a:tabLst>
+                          <a:tab pos="0" algn="l"/>
+                        </a:tabLst>
+                      </a:pPr>
+                      <a:r>
+                        <a:rPr lang="pt-PT" sz="1400" b="0" strike="noStrike" spc="-1">
+                          <a:latin typeface="Times New Roman" panose="02020603050405020304"/>
+                        </a:rPr>
+                        <a:t>Terminar o Backend a classe notificação</a:t>
+                      </a:r>
+                      <a:endParaRPr lang="pt-PT" sz="1400" b="0" strike="noStrike" spc="-1">
+                        <a:latin typeface="Times New Roman" panose="02020603050405020304"/>
+                      </a:endParaRPr>
+                    </a:p>
+                    <a:p>
+                      <a:pPr marL="251460" lvl="1" indent="-251460">
+                        <a:lnSpc>
+                          <a:spcPct val="100000"/>
+                        </a:lnSpc>
+                        <a:buClr>
+                          <a:srgbClr val="000000"/>
+                        </a:buClr>
+                        <a:buFont typeface="Wingdings" panose="05000000000000000000" pitchFamily="2" charset="2"/>
+                        <a:buChar char=""/>
+                        <a:tabLst>
+                          <a:tab pos="0" algn="l"/>
+                        </a:tabLst>
+                      </a:pPr>
+                      <a:r>
+                        <a:rPr lang="pt-PT" sz="1400" b="0" strike="noStrike" spc="-1">
+                          <a:latin typeface="Times New Roman" panose="02020603050405020304"/>
+                        </a:rPr>
+                        <a:t>Implementar fila </a:t>
+                      </a:r>
+                      <a:endParaRPr lang="pt-PT" sz="1400" b="0" strike="noStrike" spc="-1">
+                        <a:latin typeface="Times New Roman" panose="02020603050405020304"/>
+                      </a:endParaRPr>
+                    </a:p>
+                    <a:p>
+                      <a:pPr marL="251460" lvl="1" indent="-251460">
+                        <a:lnSpc>
+                          <a:spcPct val="100000"/>
+                        </a:lnSpc>
+                        <a:buClr>
+                          <a:srgbClr val="000000"/>
+                        </a:buClr>
+                        <a:buFont typeface="Wingdings" panose="05000000000000000000" pitchFamily="2" charset="2"/>
+                        <a:buChar char=""/>
+                        <a:tabLst>
+                          <a:tab pos="0" algn="l"/>
+                        </a:tabLst>
+                      </a:pPr>
+                      <a:r>
+                        <a:rPr lang="pt-PT" sz="1400" b="0" strike="noStrike" spc="-1">
+                          <a:latin typeface="Times New Roman" panose="02020603050405020304"/>
+                        </a:rPr>
+                        <a:t>Documento de layout export e import</a:t>
+                      </a:r>
+                      <a:endParaRPr lang="pt-PT" sz="1400" b="0" strike="noStrike" spc="-1">
+                        <a:latin typeface="Times New Roman" panose="02020603050405020304"/>
+                      </a:endParaRPr>
+                    </a:p>
+                    <a:p>
+                      <a:pPr marL="251460" lvl="1" indent="-251460">
+                        <a:lnSpc>
+                          <a:spcPct val="100000"/>
+                        </a:lnSpc>
+                        <a:buClr>
+                          <a:srgbClr val="000000"/>
+                        </a:buClr>
+                        <a:buFont typeface="Wingdings" panose="05000000000000000000" pitchFamily="2" charset="2"/>
+                        <a:buChar char=""/>
+                        <a:tabLst>
+                          <a:tab pos="0" algn="l"/>
+                        </a:tabLst>
+                      </a:pPr>
+                      <a:r>
+                        <a:rPr lang="pt-PT" sz="1400" b="0" strike="noStrike" spc="-1">
+                          <a:latin typeface="Times New Roman" panose="02020603050405020304"/>
+                        </a:rPr>
+                        <a:t>2 telas integradas</a:t>
+                      </a:r>
+                      <a:endParaRPr lang="pt-PT" sz="1400" b="0" strike="noStrike" spc="-1">
+                        <a:latin typeface="Times New Roman" panose="02020603050405020304"/>
+                      </a:endParaRPr>
+                    </a:p>
+                    <a:p>
+                      <a:pPr marL="251460" lvl="1" indent="-251460">
+                        <a:lnSpc>
+                          <a:spcPct val="100000"/>
+                        </a:lnSpc>
+                        <a:buClr>
+                          <a:srgbClr val="000000"/>
+                        </a:buClr>
+                        <a:buFont typeface="Wingdings" panose="05000000000000000000" pitchFamily="2" charset="2"/>
+                        <a:buChar char=""/>
+                        <a:tabLst>
+                          <a:tab pos="0" algn="l"/>
+                        </a:tabLst>
+                      </a:pPr>
+                      <a:r>
+                        <a:rPr lang="pt-PT" sz="1400" b="0" strike="noStrike" spc="-1">
+                          <a:latin typeface="Times New Roman" panose="02020603050405020304"/>
+                        </a:rPr>
+                        <a:t>White paper terminar 20%</a:t>
+                      </a:r>
+                      <a:endParaRPr lang="pt-BR" sz="1400" b="0" strike="noStrike" spc="-1">
+                        <a:latin typeface="Times New Roman" panose="02020603050405020304"/>
+                      </a:endParaRPr>
+                    </a:p>
+                    <a:p>
+                      <a:pPr marL="251460" lvl="1" indent="-251460">
+                        <a:lnSpc>
+                          <a:spcPct val="100000"/>
+                        </a:lnSpc>
+                        <a:buClr>
+                          <a:srgbClr val="000000"/>
+                        </a:buClr>
+                        <a:buFont typeface="Wingdings" panose="05000000000000000000" pitchFamily="2" charset="2"/>
+                        <a:buChar char=""/>
+                        <a:tabLst>
+                          <a:tab pos="0" algn="l"/>
+                        </a:tabLst>
+                      </a:pPr>
+                      <a:r>
+                        <a:rPr lang="pt-PT" altLang="pt-BR" sz="1400" b="0" strike="noStrike" spc="-1">
+                          <a:latin typeface="Times New Roman" panose="02020603050405020304"/>
+                        </a:rPr>
+                        <a:t>Refinar Backend </a:t>
+                      </a:r>
+                      <a:endParaRPr lang="pt-PT" altLang="pt-BR" sz="1400" b="0" strike="noStrike" spc="-1">
+                        <a:latin typeface="Times New Roman" panose="02020603050405020304"/>
+                      </a:endParaRPr>
+                    </a:p>
+                    <a:p>
+                      <a:pPr marL="251460" lvl="1" indent="-251460">
+                        <a:lnSpc>
+                          <a:spcPct val="100000"/>
+                        </a:lnSpc>
+                        <a:buClr>
+                          <a:srgbClr val="000000"/>
+                        </a:buClr>
+                        <a:buFont typeface="Wingdings" panose="05000000000000000000" pitchFamily="2" charset="2"/>
+                        <a:buChar char=""/>
+                        <a:tabLst>
+                          <a:tab pos="0" algn="l"/>
+                        </a:tabLst>
+                      </a:pPr>
+                      <a:r>
+                        <a:rPr lang="pt-PT" altLang="pt-BR" sz="1400" b="0" strike="noStrike" spc="-1">
+                          <a:latin typeface="Times New Roman" panose="02020603050405020304"/>
+                        </a:rPr>
+                        <a:t>Slides de apresentação</a:t>
+                      </a:r>
                       <a:endParaRPr lang="pt-BR" sz="1400" b="0" strike="noStrike" spc="-1">
                         <a:latin typeface="Times New Roman" panose="02020603050405020304"/>
                       </a:endParaRPr>
